--- a/paper/figures/overall_corr/overall_corr.pptx
+++ b/paper/figures/overall_corr/overall_corr.pptx
@@ -2,18 +2,18 @@
 <file path=ppt/presentation.xml><?xml version="1.0" encoding="utf-8"?>
 <p:presentation xmlns:a="http://schemas.openxmlformats.org/drawingml/2006/main" xmlns:r="http://schemas.openxmlformats.org/officeDocument/2006/relationships" xmlns:p="http://schemas.openxmlformats.org/presentationml/2006/main" saveSubsetFonts="1" autoCompressPictures="0">
   <p:sldMasterIdLst>
-    <p:sldMasterId id="2147483648" r:id="rId1"/>
+    <p:sldMasterId id="2147483684" r:id="rId1"/>
   </p:sldMasterIdLst>
   <p:sldIdLst>
     <p:sldId id="256" r:id="rId2"/>
   </p:sldIdLst>
-  <p:sldSz cx="12192000" cy="6858000"/>
+  <p:sldSz cx="12984163" cy="12801600"/>
   <p:notesSz cx="6858000" cy="9144000"/>
   <p:defaultTextStyle>
     <a:defPPr>
       <a:defRPr lang="en-US"/>
     </a:defPPr>
-    <a:lvl1pPr marL="0" algn="l" defTabSz="914400" rtl="0" eaLnBrk="1" latinLnBrk="0" hangingPunct="1">
+    <a:lvl1pPr marL="0" algn="l" defTabSz="457200" rtl="0" eaLnBrk="1" latinLnBrk="0" hangingPunct="1">
       <a:defRPr sz="1800" kern="1200">
         <a:solidFill>
           <a:schemeClr val="tx1"/>
@@ -23,7 +23,7 @@
         <a:cs typeface="+mn-cs"/>
       </a:defRPr>
     </a:lvl1pPr>
-    <a:lvl2pPr marL="457200" algn="l" defTabSz="914400" rtl="0" eaLnBrk="1" latinLnBrk="0" hangingPunct="1">
+    <a:lvl2pPr marL="457200" algn="l" defTabSz="457200" rtl="0" eaLnBrk="1" latinLnBrk="0" hangingPunct="1">
       <a:defRPr sz="1800" kern="1200">
         <a:solidFill>
           <a:schemeClr val="tx1"/>
@@ -33,7 +33,7 @@
         <a:cs typeface="+mn-cs"/>
       </a:defRPr>
     </a:lvl2pPr>
-    <a:lvl3pPr marL="914400" algn="l" defTabSz="914400" rtl="0" eaLnBrk="1" latinLnBrk="0" hangingPunct="1">
+    <a:lvl3pPr marL="914400" algn="l" defTabSz="457200" rtl="0" eaLnBrk="1" latinLnBrk="0" hangingPunct="1">
       <a:defRPr sz="1800" kern="1200">
         <a:solidFill>
           <a:schemeClr val="tx1"/>
@@ -43,7 +43,7 @@
         <a:cs typeface="+mn-cs"/>
       </a:defRPr>
     </a:lvl3pPr>
-    <a:lvl4pPr marL="1371600" algn="l" defTabSz="914400" rtl="0" eaLnBrk="1" latinLnBrk="0" hangingPunct="1">
+    <a:lvl4pPr marL="1371600" algn="l" defTabSz="457200" rtl="0" eaLnBrk="1" latinLnBrk="0" hangingPunct="1">
       <a:defRPr sz="1800" kern="1200">
         <a:solidFill>
           <a:schemeClr val="tx1"/>
@@ -53,7 +53,7 @@
         <a:cs typeface="+mn-cs"/>
       </a:defRPr>
     </a:lvl4pPr>
-    <a:lvl5pPr marL="1828800" algn="l" defTabSz="914400" rtl="0" eaLnBrk="1" latinLnBrk="0" hangingPunct="1">
+    <a:lvl5pPr marL="1828800" algn="l" defTabSz="457200" rtl="0" eaLnBrk="1" latinLnBrk="0" hangingPunct="1">
       <a:defRPr sz="1800" kern="1200">
         <a:solidFill>
           <a:schemeClr val="tx1"/>
@@ -63,7 +63,7 @@
         <a:cs typeface="+mn-cs"/>
       </a:defRPr>
     </a:lvl5pPr>
-    <a:lvl6pPr marL="2286000" algn="l" defTabSz="914400" rtl="0" eaLnBrk="1" latinLnBrk="0" hangingPunct="1">
+    <a:lvl6pPr marL="2286000" algn="l" defTabSz="457200" rtl="0" eaLnBrk="1" latinLnBrk="0" hangingPunct="1">
       <a:defRPr sz="1800" kern="1200">
         <a:solidFill>
           <a:schemeClr val="tx1"/>
@@ -73,7 +73,7 @@
         <a:cs typeface="+mn-cs"/>
       </a:defRPr>
     </a:lvl6pPr>
-    <a:lvl7pPr marL="2743200" algn="l" defTabSz="914400" rtl="0" eaLnBrk="1" latinLnBrk="0" hangingPunct="1">
+    <a:lvl7pPr marL="2743200" algn="l" defTabSz="457200" rtl="0" eaLnBrk="1" latinLnBrk="0" hangingPunct="1">
       <a:defRPr sz="1800" kern="1200">
         <a:solidFill>
           <a:schemeClr val="tx1"/>
@@ -83,7 +83,7 @@
         <a:cs typeface="+mn-cs"/>
       </a:defRPr>
     </a:lvl7pPr>
-    <a:lvl8pPr marL="3200400" algn="l" defTabSz="914400" rtl="0" eaLnBrk="1" latinLnBrk="0" hangingPunct="1">
+    <a:lvl8pPr marL="3200400" algn="l" defTabSz="457200" rtl="0" eaLnBrk="1" latinLnBrk="0" hangingPunct="1">
       <a:defRPr sz="1800" kern="1200">
         <a:solidFill>
           <a:schemeClr val="tx1"/>
@@ -93,7 +93,7 @@
         <a:cs typeface="+mn-cs"/>
       </a:defRPr>
     </a:lvl8pPr>
-    <a:lvl9pPr marL="3657600" algn="l" defTabSz="914400" rtl="0" eaLnBrk="1" latinLnBrk="0" hangingPunct="1">
+    <a:lvl9pPr marL="3657600" algn="l" defTabSz="457200" rtl="0" eaLnBrk="1" latinLnBrk="0" hangingPunct="1">
       <a:defRPr sz="1800" kern="1200">
         <a:solidFill>
           <a:schemeClr val="tx1"/>
@@ -216,13 +216,7 @@
       </p:grpSpPr>
       <p:sp>
         <p:nvSpPr>
-          <p:cNvPr id="2" name="Title 1">
-            <a:extLst>
-              <a:ext uri="{FF2B5EF4-FFF2-40B4-BE49-F238E27FC236}">
-                <a16:creationId xmlns:a16="http://schemas.microsoft.com/office/drawing/2014/main" id="{8C04B8E8-DC0B-7C09-6177-819FB443573E}"/>
-              </a:ext>
-            </a:extLst>
-          </p:cNvPr>
+          <p:cNvPr id="2" name="Title 1"/>
           <p:cNvSpPr>
             <a:spLocks noGrp="1"/>
           </p:cNvSpPr>
@@ -232,15 +226,15 @@
         </p:nvSpPr>
         <p:spPr>
           <a:xfrm>
-            <a:off x="1524000" y="1122363"/>
-            <a:ext cx="9144000" cy="2387600"/>
+            <a:off x="973812" y="2095078"/>
+            <a:ext cx="11036539" cy="4456853"/>
           </a:xfrm>
         </p:spPr>
         <p:txBody>
           <a:bodyPr anchor="b"/>
           <a:lstStyle>
             <a:lvl1pPr algn="ctr">
-              <a:defRPr sz="6000"/>
+              <a:defRPr sz="8520"/>
             </a:lvl1pPr>
           </a:lstStyle>
           <a:p>
@@ -248,18 +242,13 @@
               <a:rPr lang="en-US"/>
               <a:t>Click to edit Master title style</a:t>
             </a:r>
-          </a:p>
-        </p:txBody>
-      </p:sp>
-      <p:sp>
-        <p:nvSpPr>
-          <p:cNvPr id="3" name="Subtitle 2">
-            <a:extLst>
-              <a:ext uri="{FF2B5EF4-FFF2-40B4-BE49-F238E27FC236}">
-                <a16:creationId xmlns:a16="http://schemas.microsoft.com/office/drawing/2014/main" id="{3CBF9EAF-0F8D-3A37-6854-899A1BB7B412}"/>
-              </a:ext>
-            </a:extLst>
-          </p:cNvPr>
+            <a:endParaRPr lang="en-US" dirty="0"/>
+          </a:p>
+        </p:txBody>
+      </p:sp>
+      <p:sp>
+        <p:nvSpPr>
+          <p:cNvPr id="3" name="Subtitle 2"/>
           <p:cNvSpPr>
             <a:spLocks noGrp="1"/>
           </p:cNvSpPr>
@@ -269,8 +258,8 @@
         </p:nvSpPr>
         <p:spPr>
           <a:xfrm>
-            <a:off x="1524000" y="3602038"/>
-            <a:ext cx="9144000" cy="1655762"/>
+            <a:off x="1623021" y="6723804"/>
+            <a:ext cx="9738122" cy="3090756"/>
           </a:xfrm>
         </p:spPr>
         <p:txBody>
@@ -278,39 +267,39 @@
           <a:lstStyle>
             <a:lvl1pPr marL="0" indent="0" algn="ctr">
               <a:buNone/>
-              <a:defRPr sz="2400"/>
+              <a:defRPr sz="3408"/>
             </a:lvl1pPr>
-            <a:lvl2pPr marL="457200" indent="0" algn="ctr">
-              <a:buNone/>
-              <a:defRPr sz="2000"/>
+            <a:lvl2pPr marL="649224" indent="0" algn="ctr">
+              <a:buNone/>
+              <a:defRPr sz="2840"/>
             </a:lvl2pPr>
-            <a:lvl3pPr marL="914400" indent="0" algn="ctr">
-              <a:buNone/>
-              <a:defRPr sz="1800"/>
+            <a:lvl3pPr marL="1298448" indent="0" algn="ctr">
+              <a:buNone/>
+              <a:defRPr sz="2556"/>
             </a:lvl3pPr>
-            <a:lvl4pPr marL="1371600" indent="0" algn="ctr">
-              <a:buNone/>
-              <a:defRPr sz="1600"/>
+            <a:lvl4pPr marL="1947672" indent="0" algn="ctr">
+              <a:buNone/>
+              <a:defRPr sz="2272"/>
             </a:lvl4pPr>
-            <a:lvl5pPr marL="1828800" indent="0" algn="ctr">
-              <a:buNone/>
-              <a:defRPr sz="1600"/>
+            <a:lvl5pPr marL="2596896" indent="0" algn="ctr">
+              <a:buNone/>
+              <a:defRPr sz="2272"/>
             </a:lvl5pPr>
-            <a:lvl6pPr marL="2286000" indent="0" algn="ctr">
-              <a:buNone/>
-              <a:defRPr sz="1600"/>
+            <a:lvl6pPr marL="3246120" indent="0" algn="ctr">
+              <a:buNone/>
+              <a:defRPr sz="2272"/>
             </a:lvl6pPr>
-            <a:lvl7pPr marL="2743200" indent="0" algn="ctr">
-              <a:buNone/>
-              <a:defRPr sz="1600"/>
+            <a:lvl7pPr marL="3895344" indent="0" algn="ctr">
+              <a:buNone/>
+              <a:defRPr sz="2272"/>
             </a:lvl7pPr>
-            <a:lvl8pPr marL="3200400" indent="0" algn="ctr">
-              <a:buNone/>
-              <a:defRPr sz="1600"/>
+            <a:lvl8pPr marL="4544568" indent="0" algn="ctr">
+              <a:buNone/>
+              <a:defRPr sz="2272"/>
             </a:lvl8pPr>
-            <a:lvl9pPr marL="3657600" indent="0" algn="ctr">
-              <a:buNone/>
-              <a:defRPr sz="1600"/>
+            <a:lvl9pPr marL="5193792" indent="0" algn="ctr">
+              <a:buNone/>
+              <a:defRPr sz="2272"/>
             </a:lvl9pPr>
           </a:lstStyle>
           <a:p>
@@ -318,18 +307,13 @@
               <a:rPr lang="en-US"/>
               <a:t>Click to edit Master subtitle style</a:t>
             </a:r>
-          </a:p>
-        </p:txBody>
-      </p:sp>
-      <p:sp>
-        <p:nvSpPr>
-          <p:cNvPr id="4" name="Date Placeholder 3">
-            <a:extLst>
-              <a:ext uri="{FF2B5EF4-FFF2-40B4-BE49-F238E27FC236}">
-                <a16:creationId xmlns:a16="http://schemas.microsoft.com/office/drawing/2014/main" id="{555EC784-1953-2AC3-B32D-D78B1B98E867}"/>
-              </a:ext>
-            </a:extLst>
-          </p:cNvPr>
+            <a:endParaRPr lang="en-US" dirty="0"/>
+          </a:p>
+        </p:txBody>
+      </p:sp>
+      <p:sp>
+        <p:nvSpPr>
+          <p:cNvPr id="4" name="Date Placeholder 3"/>
           <p:cNvSpPr>
             <a:spLocks noGrp="1"/>
           </p:cNvSpPr>
@@ -344,7 +328,7 @@
           <a:p>
             <a:fld id="{45C909D2-2B5E-4748-A555-941E248496F6}" type="datetimeFigureOut">
               <a:rPr lang="en-US" smtClean="0"/>
-              <a:t>4/25/23</a:t>
+              <a:t>5/2/23</a:t>
             </a:fld>
             <a:endParaRPr lang="en-US"/>
           </a:p>
@@ -352,13 +336,7 @@
       </p:sp>
       <p:sp>
         <p:nvSpPr>
-          <p:cNvPr id="5" name="Footer Placeholder 4">
-            <a:extLst>
-              <a:ext uri="{FF2B5EF4-FFF2-40B4-BE49-F238E27FC236}">
-                <a16:creationId xmlns:a16="http://schemas.microsoft.com/office/drawing/2014/main" id="{11B9D2D0-1385-86E3-5B16-05295BA793F4}"/>
-              </a:ext>
-            </a:extLst>
-          </p:cNvPr>
+          <p:cNvPr id="5" name="Footer Placeholder 4"/>
           <p:cNvSpPr>
             <a:spLocks noGrp="1"/>
           </p:cNvSpPr>
@@ -377,13 +355,7 @@
       </p:sp>
       <p:sp>
         <p:nvSpPr>
-          <p:cNvPr id="6" name="Slide Number Placeholder 5">
-            <a:extLst>
-              <a:ext uri="{FF2B5EF4-FFF2-40B4-BE49-F238E27FC236}">
-                <a16:creationId xmlns:a16="http://schemas.microsoft.com/office/drawing/2014/main" id="{F78F0994-ECB7-BADD-9357-80D1B11B20A7}"/>
-              </a:ext>
-            </a:extLst>
-          </p:cNvPr>
+          <p:cNvPr id="6" name="Slide Number Placeholder 5"/>
           <p:cNvSpPr>
             <a:spLocks noGrp="1"/>
           </p:cNvSpPr>
@@ -407,7 +379,7 @@
     </p:spTree>
     <p:extLst>
       <p:ext uri="{BB962C8B-B14F-4D97-AF65-F5344CB8AC3E}">
-        <p14:creationId xmlns:p14="http://schemas.microsoft.com/office/powerpoint/2010/main" val="846484517"/>
+        <p14:creationId xmlns:p14="http://schemas.microsoft.com/office/powerpoint/2010/main" val="3024507830"/>
       </p:ext>
     </p:extLst>
   </p:cSld>
@@ -436,13 +408,7 @@
       </p:grpSpPr>
       <p:sp>
         <p:nvSpPr>
-          <p:cNvPr id="2" name="Title 1">
-            <a:extLst>
-              <a:ext uri="{FF2B5EF4-FFF2-40B4-BE49-F238E27FC236}">
-                <a16:creationId xmlns:a16="http://schemas.microsoft.com/office/drawing/2014/main" id="{5CD226AD-721D-CD59-BA19-12AF672DB5A9}"/>
-              </a:ext>
-            </a:extLst>
-          </p:cNvPr>
+          <p:cNvPr id="2" name="Title 1"/>
           <p:cNvSpPr>
             <a:spLocks noGrp="1"/>
           </p:cNvSpPr>
@@ -459,18 +425,13 @@
               <a:rPr lang="en-US"/>
               <a:t>Click to edit Master title style</a:t>
             </a:r>
-          </a:p>
-        </p:txBody>
-      </p:sp>
-      <p:sp>
-        <p:nvSpPr>
-          <p:cNvPr id="3" name="Vertical Text Placeholder 2">
-            <a:extLst>
-              <a:ext uri="{FF2B5EF4-FFF2-40B4-BE49-F238E27FC236}">
-                <a16:creationId xmlns:a16="http://schemas.microsoft.com/office/drawing/2014/main" id="{EF27F11E-663C-119A-82FC-0B89EE72CEA6}"/>
-              </a:ext>
-            </a:extLst>
-          </p:cNvPr>
+            <a:endParaRPr lang="en-US" dirty="0"/>
+          </a:p>
+        </p:txBody>
+      </p:sp>
+      <p:sp>
+        <p:nvSpPr>
+          <p:cNvPr id="3" name="Vertical Text Placeholder 2"/>
           <p:cNvSpPr>
             <a:spLocks noGrp="1"/>
           </p:cNvSpPr>
@@ -516,18 +477,13 @@
               <a:rPr lang="en-US"/>
               <a:t>Fifth level</a:t>
             </a:r>
-          </a:p>
-        </p:txBody>
-      </p:sp>
-      <p:sp>
-        <p:nvSpPr>
-          <p:cNvPr id="4" name="Date Placeholder 3">
-            <a:extLst>
-              <a:ext uri="{FF2B5EF4-FFF2-40B4-BE49-F238E27FC236}">
-                <a16:creationId xmlns:a16="http://schemas.microsoft.com/office/drawing/2014/main" id="{10A58F81-1822-164C-7030-5E5A9C01442B}"/>
-              </a:ext>
-            </a:extLst>
-          </p:cNvPr>
+            <a:endParaRPr lang="en-US" dirty="0"/>
+          </a:p>
+        </p:txBody>
+      </p:sp>
+      <p:sp>
+        <p:nvSpPr>
+          <p:cNvPr id="4" name="Date Placeholder 3"/>
           <p:cNvSpPr>
             <a:spLocks noGrp="1"/>
           </p:cNvSpPr>
@@ -542,7 +498,7 @@
           <a:p>
             <a:fld id="{45C909D2-2B5E-4748-A555-941E248496F6}" type="datetimeFigureOut">
               <a:rPr lang="en-US" smtClean="0"/>
-              <a:t>4/25/23</a:t>
+              <a:t>5/2/23</a:t>
             </a:fld>
             <a:endParaRPr lang="en-US"/>
           </a:p>
@@ -550,13 +506,7 @@
       </p:sp>
       <p:sp>
         <p:nvSpPr>
-          <p:cNvPr id="5" name="Footer Placeholder 4">
-            <a:extLst>
-              <a:ext uri="{FF2B5EF4-FFF2-40B4-BE49-F238E27FC236}">
-                <a16:creationId xmlns:a16="http://schemas.microsoft.com/office/drawing/2014/main" id="{10B8B626-95C8-C360-F4EB-E56F6F5ECA6B}"/>
-              </a:ext>
-            </a:extLst>
-          </p:cNvPr>
+          <p:cNvPr id="5" name="Footer Placeholder 4"/>
           <p:cNvSpPr>
             <a:spLocks noGrp="1"/>
           </p:cNvSpPr>
@@ -575,13 +525,7 @@
       </p:sp>
       <p:sp>
         <p:nvSpPr>
-          <p:cNvPr id="6" name="Slide Number Placeholder 5">
-            <a:extLst>
-              <a:ext uri="{FF2B5EF4-FFF2-40B4-BE49-F238E27FC236}">
-                <a16:creationId xmlns:a16="http://schemas.microsoft.com/office/drawing/2014/main" id="{4B784C4C-4D2F-6A4F-3E5E-9DE8FECB6AE3}"/>
-              </a:ext>
-            </a:extLst>
-          </p:cNvPr>
+          <p:cNvPr id="6" name="Slide Number Placeholder 5"/>
           <p:cNvSpPr>
             <a:spLocks noGrp="1"/>
           </p:cNvSpPr>
@@ -605,7 +549,7 @@
     </p:spTree>
     <p:extLst>
       <p:ext uri="{BB962C8B-B14F-4D97-AF65-F5344CB8AC3E}">
-        <p14:creationId xmlns:p14="http://schemas.microsoft.com/office/powerpoint/2010/main" val="114530240"/>
+        <p14:creationId xmlns:p14="http://schemas.microsoft.com/office/powerpoint/2010/main" val="704514825"/>
       </p:ext>
     </p:extLst>
   </p:cSld>
@@ -634,13 +578,7 @@
       </p:grpSpPr>
       <p:sp>
         <p:nvSpPr>
-          <p:cNvPr id="2" name="Vertical Title 1">
-            <a:extLst>
-              <a:ext uri="{FF2B5EF4-FFF2-40B4-BE49-F238E27FC236}">
-                <a16:creationId xmlns:a16="http://schemas.microsoft.com/office/drawing/2014/main" id="{D244F85B-B660-6237-1609-9F95C82E11E5}"/>
-              </a:ext>
-            </a:extLst>
-          </p:cNvPr>
+          <p:cNvPr id="2" name="Vertical Title 1"/>
           <p:cNvSpPr>
             <a:spLocks noGrp="1"/>
           </p:cNvSpPr>
@@ -650,8 +588,8 @@
         </p:nvSpPr>
         <p:spPr>
           <a:xfrm>
-            <a:off x="8724900" y="365125"/>
-            <a:ext cx="2628900" cy="5811838"/>
+            <a:off x="9291792" y="681567"/>
+            <a:ext cx="2799710" cy="10848764"/>
           </a:xfrm>
         </p:spPr>
         <p:txBody>
@@ -662,18 +600,13 @@
               <a:rPr lang="en-US"/>
               <a:t>Click to edit Master title style</a:t>
             </a:r>
-          </a:p>
-        </p:txBody>
-      </p:sp>
-      <p:sp>
-        <p:nvSpPr>
-          <p:cNvPr id="3" name="Vertical Text Placeholder 2">
-            <a:extLst>
-              <a:ext uri="{FF2B5EF4-FFF2-40B4-BE49-F238E27FC236}">
-                <a16:creationId xmlns:a16="http://schemas.microsoft.com/office/drawing/2014/main" id="{E470A9A8-6493-498F-6ED1-7DFD8225ECB2}"/>
-              </a:ext>
-            </a:extLst>
-          </p:cNvPr>
+            <a:endParaRPr lang="en-US" dirty="0"/>
+          </a:p>
+        </p:txBody>
+      </p:sp>
+      <p:sp>
+        <p:nvSpPr>
+          <p:cNvPr id="3" name="Vertical Text Placeholder 2"/>
           <p:cNvSpPr>
             <a:spLocks noGrp="1"/>
           </p:cNvSpPr>
@@ -683,8 +616,8 @@
         </p:nvSpPr>
         <p:spPr>
           <a:xfrm>
-            <a:off x="838200" y="365125"/>
-            <a:ext cx="7734300" cy="5811838"/>
+            <a:off x="892662" y="681567"/>
+            <a:ext cx="8236828" cy="10848764"/>
           </a:xfrm>
         </p:spPr>
         <p:txBody>
@@ -724,18 +657,13 @@
               <a:rPr lang="en-US"/>
               <a:t>Fifth level</a:t>
             </a:r>
-          </a:p>
-        </p:txBody>
-      </p:sp>
-      <p:sp>
-        <p:nvSpPr>
-          <p:cNvPr id="4" name="Date Placeholder 3">
-            <a:extLst>
-              <a:ext uri="{FF2B5EF4-FFF2-40B4-BE49-F238E27FC236}">
-                <a16:creationId xmlns:a16="http://schemas.microsoft.com/office/drawing/2014/main" id="{76FD08BE-D024-5906-FB99-BE24E6B4AE5C}"/>
-              </a:ext>
-            </a:extLst>
-          </p:cNvPr>
+            <a:endParaRPr lang="en-US" dirty="0"/>
+          </a:p>
+        </p:txBody>
+      </p:sp>
+      <p:sp>
+        <p:nvSpPr>
+          <p:cNvPr id="4" name="Date Placeholder 3"/>
           <p:cNvSpPr>
             <a:spLocks noGrp="1"/>
           </p:cNvSpPr>
@@ -750,7 +678,7 @@
           <a:p>
             <a:fld id="{45C909D2-2B5E-4748-A555-941E248496F6}" type="datetimeFigureOut">
               <a:rPr lang="en-US" smtClean="0"/>
-              <a:t>4/25/23</a:t>
+              <a:t>5/2/23</a:t>
             </a:fld>
             <a:endParaRPr lang="en-US"/>
           </a:p>
@@ -758,13 +686,7 @@
       </p:sp>
       <p:sp>
         <p:nvSpPr>
-          <p:cNvPr id="5" name="Footer Placeholder 4">
-            <a:extLst>
-              <a:ext uri="{FF2B5EF4-FFF2-40B4-BE49-F238E27FC236}">
-                <a16:creationId xmlns:a16="http://schemas.microsoft.com/office/drawing/2014/main" id="{307D431A-365A-3EEF-8503-EBA275982EB3}"/>
-              </a:ext>
-            </a:extLst>
-          </p:cNvPr>
+          <p:cNvPr id="5" name="Footer Placeholder 4"/>
           <p:cNvSpPr>
             <a:spLocks noGrp="1"/>
           </p:cNvSpPr>
@@ -783,13 +705,7 @@
       </p:sp>
       <p:sp>
         <p:nvSpPr>
-          <p:cNvPr id="6" name="Slide Number Placeholder 5">
-            <a:extLst>
-              <a:ext uri="{FF2B5EF4-FFF2-40B4-BE49-F238E27FC236}">
-                <a16:creationId xmlns:a16="http://schemas.microsoft.com/office/drawing/2014/main" id="{662F6444-DB77-C4B1-CDB5-5FC41A788AA0}"/>
-              </a:ext>
-            </a:extLst>
-          </p:cNvPr>
+          <p:cNvPr id="6" name="Slide Number Placeholder 5"/>
           <p:cNvSpPr>
             <a:spLocks noGrp="1"/>
           </p:cNvSpPr>
@@ -813,7 +729,7 @@
     </p:spTree>
     <p:extLst>
       <p:ext uri="{BB962C8B-B14F-4D97-AF65-F5344CB8AC3E}">
-        <p14:creationId xmlns:p14="http://schemas.microsoft.com/office/powerpoint/2010/main" val="1946551163"/>
+        <p14:creationId xmlns:p14="http://schemas.microsoft.com/office/powerpoint/2010/main" val="1193607312"/>
       </p:ext>
     </p:extLst>
   </p:cSld>
@@ -842,13 +758,7 @@
       </p:grpSpPr>
       <p:sp>
         <p:nvSpPr>
-          <p:cNvPr id="2" name="Title 1">
-            <a:extLst>
-              <a:ext uri="{FF2B5EF4-FFF2-40B4-BE49-F238E27FC236}">
-                <a16:creationId xmlns:a16="http://schemas.microsoft.com/office/drawing/2014/main" id="{2021815B-88C5-A27F-8C8A-D6BF9E045F9D}"/>
-              </a:ext>
-            </a:extLst>
-          </p:cNvPr>
+          <p:cNvPr id="2" name="Title 1"/>
           <p:cNvSpPr>
             <a:spLocks noGrp="1"/>
           </p:cNvSpPr>
@@ -865,18 +775,13 @@
               <a:rPr lang="en-US"/>
               <a:t>Click to edit Master title style</a:t>
             </a:r>
-          </a:p>
-        </p:txBody>
-      </p:sp>
-      <p:sp>
-        <p:nvSpPr>
-          <p:cNvPr id="3" name="Content Placeholder 2">
-            <a:extLst>
-              <a:ext uri="{FF2B5EF4-FFF2-40B4-BE49-F238E27FC236}">
-                <a16:creationId xmlns:a16="http://schemas.microsoft.com/office/drawing/2014/main" id="{7778127C-8164-5151-D858-A99A98FDAAA2}"/>
-              </a:ext>
-            </a:extLst>
-          </p:cNvPr>
+            <a:endParaRPr lang="en-US" dirty="0"/>
+          </a:p>
+        </p:txBody>
+      </p:sp>
+      <p:sp>
+        <p:nvSpPr>
+          <p:cNvPr id="3" name="Content Placeholder 2"/>
           <p:cNvSpPr>
             <a:spLocks noGrp="1"/>
           </p:cNvSpPr>
@@ -922,18 +827,13 @@
               <a:rPr lang="en-US"/>
               <a:t>Fifth level</a:t>
             </a:r>
-          </a:p>
-        </p:txBody>
-      </p:sp>
-      <p:sp>
-        <p:nvSpPr>
-          <p:cNvPr id="4" name="Date Placeholder 3">
-            <a:extLst>
-              <a:ext uri="{FF2B5EF4-FFF2-40B4-BE49-F238E27FC236}">
-                <a16:creationId xmlns:a16="http://schemas.microsoft.com/office/drawing/2014/main" id="{BDDC4936-3EB8-8AE7-7B6C-2B2628B85932}"/>
-              </a:ext>
-            </a:extLst>
-          </p:cNvPr>
+            <a:endParaRPr lang="en-US" dirty="0"/>
+          </a:p>
+        </p:txBody>
+      </p:sp>
+      <p:sp>
+        <p:nvSpPr>
+          <p:cNvPr id="4" name="Date Placeholder 3"/>
           <p:cNvSpPr>
             <a:spLocks noGrp="1"/>
           </p:cNvSpPr>
@@ -948,7 +848,7 @@
           <a:p>
             <a:fld id="{45C909D2-2B5E-4748-A555-941E248496F6}" type="datetimeFigureOut">
               <a:rPr lang="en-US" smtClean="0"/>
-              <a:t>4/25/23</a:t>
+              <a:t>5/2/23</a:t>
             </a:fld>
             <a:endParaRPr lang="en-US"/>
           </a:p>
@@ -956,13 +856,7 @@
       </p:sp>
       <p:sp>
         <p:nvSpPr>
-          <p:cNvPr id="5" name="Footer Placeholder 4">
-            <a:extLst>
-              <a:ext uri="{FF2B5EF4-FFF2-40B4-BE49-F238E27FC236}">
-                <a16:creationId xmlns:a16="http://schemas.microsoft.com/office/drawing/2014/main" id="{178709F2-68D9-83B8-1913-FE7CDB66271A}"/>
-              </a:ext>
-            </a:extLst>
-          </p:cNvPr>
+          <p:cNvPr id="5" name="Footer Placeholder 4"/>
           <p:cNvSpPr>
             <a:spLocks noGrp="1"/>
           </p:cNvSpPr>
@@ -981,13 +875,7 @@
       </p:sp>
       <p:sp>
         <p:nvSpPr>
-          <p:cNvPr id="6" name="Slide Number Placeholder 5">
-            <a:extLst>
-              <a:ext uri="{FF2B5EF4-FFF2-40B4-BE49-F238E27FC236}">
-                <a16:creationId xmlns:a16="http://schemas.microsoft.com/office/drawing/2014/main" id="{B7D28B85-76BE-1B4F-3CBF-6DAA47CB7AFA}"/>
-              </a:ext>
-            </a:extLst>
-          </p:cNvPr>
+          <p:cNvPr id="6" name="Slide Number Placeholder 5"/>
           <p:cNvSpPr>
             <a:spLocks noGrp="1"/>
           </p:cNvSpPr>
@@ -1011,7 +899,7 @@
     </p:spTree>
     <p:extLst>
       <p:ext uri="{BB962C8B-B14F-4D97-AF65-F5344CB8AC3E}">
-        <p14:creationId xmlns:p14="http://schemas.microsoft.com/office/powerpoint/2010/main" val="1929077414"/>
+        <p14:creationId xmlns:p14="http://schemas.microsoft.com/office/powerpoint/2010/main" val="358538594"/>
       </p:ext>
     </p:extLst>
   </p:cSld>
@@ -1040,13 +928,7 @@
       </p:grpSpPr>
       <p:sp>
         <p:nvSpPr>
-          <p:cNvPr id="2" name="Title 1">
-            <a:extLst>
-              <a:ext uri="{FF2B5EF4-FFF2-40B4-BE49-F238E27FC236}">
-                <a16:creationId xmlns:a16="http://schemas.microsoft.com/office/drawing/2014/main" id="{5C3F4158-056B-7EB3-405C-EE56D9BDE2E2}"/>
-              </a:ext>
-            </a:extLst>
-          </p:cNvPr>
+          <p:cNvPr id="2" name="Title 1"/>
           <p:cNvSpPr>
             <a:spLocks noGrp="1"/>
           </p:cNvSpPr>
@@ -1056,15 +938,15 @@
         </p:nvSpPr>
         <p:spPr>
           <a:xfrm>
-            <a:off x="831850" y="1709738"/>
-            <a:ext cx="10515600" cy="2852737"/>
+            <a:off x="885899" y="3191514"/>
+            <a:ext cx="11198841" cy="5325109"/>
           </a:xfrm>
         </p:spPr>
         <p:txBody>
           <a:bodyPr anchor="b"/>
           <a:lstStyle>
             <a:lvl1pPr>
-              <a:defRPr sz="6000"/>
+              <a:defRPr sz="8520"/>
             </a:lvl1pPr>
           </a:lstStyle>
           <a:p>
@@ -1072,18 +954,13 @@
               <a:rPr lang="en-US"/>
               <a:t>Click to edit Master title style</a:t>
             </a:r>
-          </a:p>
-        </p:txBody>
-      </p:sp>
-      <p:sp>
-        <p:nvSpPr>
-          <p:cNvPr id="3" name="Text Placeholder 2">
-            <a:extLst>
-              <a:ext uri="{FF2B5EF4-FFF2-40B4-BE49-F238E27FC236}">
-                <a16:creationId xmlns:a16="http://schemas.microsoft.com/office/drawing/2014/main" id="{B24819D5-6A49-7DC8-37CB-E65A6CA2C44A}"/>
-              </a:ext>
-            </a:extLst>
-          </p:cNvPr>
+            <a:endParaRPr lang="en-US" dirty="0"/>
+          </a:p>
+        </p:txBody>
+      </p:sp>
+      <p:sp>
+        <p:nvSpPr>
+          <p:cNvPr id="3" name="Text Placeholder 2"/>
           <p:cNvSpPr>
             <a:spLocks noGrp="1"/>
           </p:cNvSpPr>
@@ -1093,8 +970,8 @@
         </p:nvSpPr>
         <p:spPr>
           <a:xfrm>
-            <a:off x="831850" y="4589463"/>
-            <a:ext cx="10515600" cy="1500187"/>
+            <a:off x="885899" y="8567000"/>
+            <a:ext cx="11198841" cy="2800349"/>
           </a:xfrm>
         </p:spPr>
         <p:txBody>
@@ -1102,17 +979,15 @@
           <a:lstStyle>
             <a:lvl1pPr marL="0" indent="0">
               <a:buNone/>
-              <a:defRPr sz="2400">
+              <a:defRPr sz="3408">
                 <a:solidFill>
-                  <a:schemeClr val="tx1">
-                    <a:tint val="75000"/>
-                  </a:schemeClr>
+                  <a:schemeClr val="tx1"/>
                 </a:solidFill>
               </a:defRPr>
             </a:lvl1pPr>
-            <a:lvl2pPr marL="457200" indent="0">
-              <a:buNone/>
-              <a:defRPr sz="2000">
+            <a:lvl2pPr marL="649224" indent="0">
+              <a:buNone/>
+              <a:defRPr sz="2840">
                 <a:solidFill>
                   <a:schemeClr val="tx1">
                     <a:tint val="75000"/>
@@ -1120,9 +995,9 @@
                 </a:solidFill>
               </a:defRPr>
             </a:lvl2pPr>
-            <a:lvl3pPr marL="914400" indent="0">
-              <a:buNone/>
-              <a:defRPr sz="1800">
+            <a:lvl3pPr marL="1298448" indent="0">
+              <a:buNone/>
+              <a:defRPr sz="2556">
                 <a:solidFill>
                   <a:schemeClr val="tx1">
                     <a:tint val="75000"/>
@@ -1130,9 +1005,9 @@
                 </a:solidFill>
               </a:defRPr>
             </a:lvl3pPr>
-            <a:lvl4pPr marL="1371600" indent="0">
-              <a:buNone/>
-              <a:defRPr sz="1600">
+            <a:lvl4pPr marL="1947672" indent="0">
+              <a:buNone/>
+              <a:defRPr sz="2272">
                 <a:solidFill>
                   <a:schemeClr val="tx1">
                     <a:tint val="75000"/>
@@ -1140,9 +1015,9 @@
                 </a:solidFill>
               </a:defRPr>
             </a:lvl4pPr>
-            <a:lvl5pPr marL="1828800" indent="0">
-              <a:buNone/>
-              <a:defRPr sz="1600">
+            <a:lvl5pPr marL="2596896" indent="0">
+              <a:buNone/>
+              <a:defRPr sz="2272">
                 <a:solidFill>
                   <a:schemeClr val="tx1">
                     <a:tint val="75000"/>
@@ -1150,9 +1025,9 @@
                 </a:solidFill>
               </a:defRPr>
             </a:lvl5pPr>
-            <a:lvl6pPr marL="2286000" indent="0">
-              <a:buNone/>
-              <a:defRPr sz="1600">
+            <a:lvl6pPr marL="3246120" indent="0">
+              <a:buNone/>
+              <a:defRPr sz="2272">
                 <a:solidFill>
                   <a:schemeClr val="tx1">
                     <a:tint val="75000"/>
@@ -1160,9 +1035,9 @@
                 </a:solidFill>
               </a:defRPr>
             </a:lvl6pPr>
-            <a:lvl7pPr marL="2743200" indent="0">
-              <a:buNone/>
-              <a:defRPr sz="1600">
+            <a:lvl7pPr marL="3895344" indent="0">
+              <a:buNone/>
+              <a:defRPr sz="2272">
                 <a:solidFill>
                   <a:schemeClr val="tx1">
                     <a:tint val="75000"/>
@@ -1170,9 +1045,9 @@
                 </a:solidFill>
               </a:defRPr>
             </a:lvl7pPr>
-            <a:lvl8pPr marL="3200400" indent="0">
-              <a:buNone/>
-              <a:defRPr sz="1600">
+            <a:lvl8pPr marL="4544568" indent="0">
+              <a:buNone/>
+              <a:defRPr sz="2272">
                 <a:solidFill>
                   <a:schemeClr val="tx1">
                     <a:tint val="75000"/>
@@ -1180,9 +1055,9 @@
                 </a:solidFill>
               </a:defRPr>
             </a:lvl8pPr>
-            <a:lvl9pPr marL="3657600" indent="0">
-              <a:buNone/>
-              <a:defRPr sz="1600">
+            <a:lvl9pPr marL="5193792" indent="0">
+              <a:buNone/>
+              <a:defRPr sz="2272">
                 <a:solidFill>
                   <a:schemeClr val="tx1">
                     <a:tint val="75000"/>
@@ -1202,13 +1077,7 @@
       </p:sp>
       <p:sp>
         <p:nvSpPr>
-          <p:cNvPr id="4" name="Date Placeholder 3">
-            <a:extLst>
-              <a:ext uri="{FF2B5EF4-FFF2-40B4-BE49-F238E27FC236}">
-                <a16:creationId xmlns:a16="http://schemas.microsoft.com/office/drawing/2014/main" id="{BFB723D1-F49E-20C2-3181-37E7BD2F90F2}"/>
-              </a:ext>
-            </a:extLst>
-          </p:cNvPr>
+          <p:cNvPr id="4" name="Date Placeholder 3"/>
           <p:cNvSpPr>
             <a:spLocks noGrp="1"/>
           </p:cNvSpPr>
@@ -1223,7 +1092,7 @@
           <a:p>
             <a:fld id="{45C909D2-2B5E-4748-A555-941E248496F6}" type="datetimeFigureOut">
               <a:rPr lang="en-US" smtClean="0"/>
-              <a:t>4/25/23</a:t>
+              <a:t>5/2/23</a:t>
             </a:fld>
             <a:endParaRPr lang="en-US"/>
           </a:p>
@@ -1231,13 +1100,7 @@
       </p:sp>
       <p:sp>
         <p:nvSpPr>
-          <p:cNvPr id="5" name="Footer Placeholder 4">
-            <a:extLst>
-              <a:ext uri="{FF2B5EF4-FFF2-40B4-BE49-F238E27FC236}">
-                <a16:creationId xmlns:a16="http://schemas.microsoft.com/office/drawing/2014/main" id="{4F9E4495-741C-8BF3-E71D-C8DF08C51EE5}"/>
-              </a:ext>
-            </a:extLst>
-          </p:cNvPr>
+          <p:cNvPr id="5" name="Footer Placeholder 4"/>
           <p:cNvSpPr>
             <a:spLocks noGrp="1"/>
           </p:cNvSpPr>
@@ -1256,13 +1119,7 @@
       </p:sp>
       <p:sp>
         <p:nvSpPr>
-          <p:cNvPr id="6" name="Slide Number Placeholder 5">
-            <a:extLst>
-              <a:ext uri="{FF2B5EF4-FFF2-40B4-BE49-F238E27FC236}">
-                <a16:creationId xmlns:a16="http://schemas.microsoft.com/office/drawing/2014/main" id="{7D152F1B-4A4F-1D24-09AD-9C1C83EDF0A9}"/>
-              </a:ext>
-            </a:extLst>
-          </p:cNvPr>
+          <p:cNvPr id="6" name="Slide Number Placeholder 5"/>
           <p:cNvSpPr>
             <a:spLocks noGrp="1"/>
           </p:cNvSpPr>
@@ -1286,7 +1143,7 @@
     </p:spTree>
     <p:extLst>
       <p:ext uri="{BB962C8B-B14F-4D97-AF65-F5344CB8AC3E}">
-        <p14:creationId xmlns:p14="http://schemas.microsoft.com/office/powerpoint/2010/main" val="37823863"/>
+        <p14:creationId xmlns:p14="http://schemas.microsoft.com/office/powerpoint/2010/main" val="3728964791"/>
       </p:ext>
     </p:extLst>
   </p:cSld>
@@ -1315,13 +1172,7 @@
       </p:grpSpPr>
       <p:sp>
         <p:nvSpPr>
-          <p:cNvPr id="2" name="Title 1">
-            <a:extLst>
-              <a:ext uri="{FF2B5EF4-FFF2-40B4-BE49-F238E27FC236}">
-                <a16:creationId xmlns:a16="http://schemas.microsoft.com/office/drawing/2014/main" id="{D8519DA7-D351-8CC4-EF1E-FA2AEDF37F89}"/>
-              </a:ext>
-            </a:extLst>
-          </p:cNvPr>
+          <p:cNvPr id="2" name="Title 1"/>
           <p:cNvSpPr>
             <a:spLocks noGrp="1"/>
           </p:cNvSpPr>
@@ -1338,18 +1189,13 @@
               <a:rPr lang="en-US"/>
               <a:t>Click to edit Master title style</a:t>
             </a:r>
-          </a:p>
-        </p:txBody>
-      </p:sp>
-      <p:sp>
-        <p:nvSpPr>
-          <p:cNvPr id="3" name="Content Placeholder 2">
-            <a:extLst>
-              <a:ext uri="{FF2B5EF4-FFF2-40B4-BE49-F238E27FC236}">
-                <a16:creationId xmlns:a16="http://schemas.microsoft.com/office/drawing/2014/main" id="{0B13E71D-713B-3172-5757-3778E9660801}"/>
-              </a:ext>
-            </a:extLst>
-          </p:cNvPr>
+            <a:endParaRPr lang="en-US" dirty="0"/>
+          </a:p>
+        </p:txBody>
+      </p:sp>
+      <p:sp>
+        <p:nvSpPr>
+          <p:cNvPr id="3" name="Content Placeholder 2"/>
           <p:cNvSpPr>
             <a:spLocks noGrp="1"/>
           </p:cNvSpPr>
@@ -1359,8 +1205,8 @@
         </p:nvSpPr>
         <p:spPr>
           <a:xfrm>
-            <a:off x="838200" y="1825625"/>
-            <a:ext cx="5181600" cy="4351338"/>
+            <a:off x="892661" y="3407833"/>
+            <a:ext cx="5518269" cy="8122498"/>
           </a:xfrm>
         </p:spPr>
         <p:txBody>
@@ -1400,18 +1246,13 @@
               <a:rPr lang="en-US"/>
               <a:t>Fifth level</a:t>
             </a:r>
-          </a:p>
-        </p:txBody>
-      </p:sp>
-      <p:sp>
-        <p:nvSpPr>
-          <p:cNvPr id="4" name="Content Placeholder 3">
-            <a:extLst>
-              <a:ext uri="{FF2B5EF4-FFF2-40B4-BE49-F238E27FC236}">
-                <a16:creationId xmlns:a16="http://schemas.microsoft.com/office/drawing/2014/main" id="{D8E6047F-5165-55B0-8C1E-F11B1C5682A6}"/>
-              </a:ext>
-            </a:extLst>
-          </p:cNvPr>
+            <a:endParaRPr lang="en-US" dirty="0"/>
+          </a:p>
+        </p:txBody>
+      </p:sp>
+      <p:sp>
+        <p:nvSpPr>
+          <p:cNvPr id="4" name="Content Placeholder 3"/>
           <p:cNvSpPr>
             <a:spLocks noGrp="1"/>
           </p:cNvSpPr>
@@ -1421,8 +1262,8 @@
         </p:nvSpPr>
         <p:spPr>
           <a:xfrm>
-            <a:off x="6172200" y="1825625"/>
-            <a:ext cx="5181600" cy="4351338"/>
+            <a:off x="6573233" y="3407833"/>
+            <a:ext cx="5518269" cy="8122498"/>
           </a:xfrm>
         </p:spPr>
         <p:txBody>
@@ -1462,18 +1303,13 @@
               <a:rPr lang="en-US"/>
               <a:t>Fifth level</a:t>
             </a:r>
-          </a:p>
-        </p:txBody>
-      </p:sp>
-      <p:sp>
-        <p:nvSpPr>
-          <p:cNvPr id="5" name="Date Placeholder 4">
-            <a:extLst>
-              <a:ext uri="{FF2B5EF4-FFF2-40B4-BE49-F238E27FC236}">
-                <a16:creationId xmlns:a16="http://schemas.microsoft.com/office/drawing/2014/main" id="{93A1F921-1637-1F24-110B-7C31198AD32A}"/>
-              </a:ext>
-            </a:extLst>
-          </p:cNvPr>
+            <a:endParaRPr lang="en-US" dirty="0"/>
+          </a:p>
+        </p:txBody>
+      </p:sp>
+      <p:sp>
+        <p:nvSpPr>
+          <p:cNvPr id="5" name="Date Placeholder 4"/>
           <p:cNvSpPr>
             <a:spLocks noGrp="1"/>
           </p:cNvSpPr>
@@ -1488,7 +1324,7 @@
           <a:p>
             <a:fld id="{45C909D2-2B5E-4748-A555-941E248496F6}" type="datetimeFigureOut">
               <a:rPr lang="en-US" smtClean="0"/>
-              <a:t>4/25/23</a:t>
+              <a:t>5/2/23</a:t>
             </a:fld>
             <a:endParaRPr lang="en-US"/>
           </a:p>
@@ -1496,13 +1332,7 @@
       </p:sp>
       <p:sp>
         <p:nvSpPr>
-          <p:cNvPr id="6" name="Footer Placeholder 5">
-            <a:extLst>
-              <a:ext uri="{FF2B5EF4-FFF2-40B4-BE49-F238E27FC236}">
-                <a16:creationId xmlns:a16="http://schemas.microsoft.com/office/drawing/2014/main" id="{9D1513E6-9DCF-7388-A14B-5A5B85FA6ACF}"/>
-              </a:ext>
-            </a:extLst>
-          </p:cNvPr>
+          <p:cNvPr id="6" name="Footer Placeholder 5"/>
           <p:cNvSpPr>
             <a:spLocks noGrp="1"/>
           </p:cNvSpPr>
@@ -1521,13 +1351,7 @@
       </p:sp>
       <p:sp>
         <p:nvSpPr>
-          <p:cNvPr id="7" name="Slide Number Placeholder 6">
-            <a:extLst>
-              <a:ext uri="{FF2B5EF4-FFF2-40B4-BE49-F238E27FC236}">
-                <a16:creationId xmlns:a16="http://schemas.microsoft.com/office/drawing/2014/main" id="{11B1F809-7AFF-BEFA-6822-12C6B63007F8}"/>
-              </a:ext>
-            </a:extLst>
-          </p:cNvPr>
+          <p:cNvPr id="7" name="Slide Number Placeholder 6"/>
           <p:cNvSpPr>
             <a:spLocks noGrp="1"/>
           </p:cNvSpPr>
@@ -1551,7 +1375,7 @@
     </p:spTree>
     <p:extLst>
       <p:ext uri="{BB962C8B-B14F-4D97-AF65-F5344CB8AC3E}">
-        <p14:creationId xmlns:p14="http://schemas.microsoft.com/office/powerpoint/2010/main" val="3325347165"/>
+        <p14:creationId xmlns:p14="http://schemas.microsoft.com/office/powerpoint/2010/main" val="622318100"/>
       </p:ext>
     </p:extLst>
   </p:cSld>
@@ -1580,13 +1404,7 @@
       </p:grpSpPr>
       <p:sp>
         <p:nvSpPr>
-          <p:cNvPr id="2" name="Title 1">
-            <a:extLst>
-              <a:ext uri="{FF2B5EF4-FFF2-40B4-BE49-F238E27FC236}">
-                <a16:creationId xmlns:a16="http://schemas.microsoft.com/office/drawing/2014/main" id="{52E108B1-CD9C-568E-51D6-3B21930F2C14}"/>
-              </a:ext>
-            </a:extLst>
-          </p:cNvPr>
+          <p:cNvPr id="2" name="Title 1"/>
           <p:cNvSpPr>
             <a:spLocks noGrp="1"/>
           </p:cNvSpPr>
@@ -1596,8 +1414,8 @@
         </p:nvSpPr>
         <p:spPr>
           <a:xfrm>
-            <a:off x="839788" y="365125"/>
-            <a:ext cx="10515600" cy="1325563"/>
+            <a:off x="894352" y="681570"/>
+            <a:ext cx="11198841" cy="2474384"/>
           </a:xfrm>
         </p:spPr>
         <p:txBody>
@@ -1608,18 +1426,13 @@
               <a:rPr lang="en-US"/>
               <a:t>Click to edit Master title style</a:t>
             </a:r>
-          </a:p>
-        </p:txBody>
-      </p:sp>
-      <p:sp>
-        <p:nvSpPr>
-          <p:cNvPr id="3" name="Text Placeholder 2">
-            <a:extLst>
-              <a:ext uri="{FF2B5EF4-FFF2-40B4-BE49-F238E27FC236}">
-                <a16:creationId xmlns:a16="http://schemas.microsoft.com/office/drawing/2014/main" id="{29DD2050-EB19-F211-C78A-F2EC8448C5F3}"/>
-              </a:ext>
-            </a:extLst>
-          </p:cNvPr>
+            <a:endParaRPr lang="en-US" dirty="0"/>
+          </a:p>
+        </p:txBody>
+      </p:sp>
+      <p:sp>
+        <p:nvSpPr>
+          <p:cNvPr id="3" name="Text Placeholder 2"/>
           <p:cNvSpPr>
             <a:spLocks noGrp="1"/>
           </p:cNvSpPr>
@@ -1629,8 +1442,8 @@
         </p:nvSpPr>
         <p:spPr>
           <a:xfrm>
-            <a:off x="839788" y="1681163"/>
-            <a:ext cx="5157787" cy="823912"/>
+            <a:off x="894354" y="3138171"/>
+            <a:ext cx="5492909" cy="1537969"/>
           </a:xfrm>
         </p:spPr>
         <p:txBody>
@@ -1638,39 +1451,39 @@
           <a:lstStyle>
             <a:lvl1pPr marL="0" indent="0">
               <a:buNone/>
-              <a:defRPr sz="2400" b="1"/>
+              <a:defRPr sz="3408" b="1"/>
             </a:lvl1pPr>
-            <a:lvl2pPr marL="457200" indent="0">
-              <a:buNone/>
-              <a:defRPr sz="2000" b="1"/>
+            <a:lvl2pPr marL="649224" indent="0">
+              <a:buNone/>
+              <a:defRPr sz="2840" b="1"/>
             </a:lvl2pPr>
-            <a:lvl3pPr marL="914400" indent="0">
-              <a:buNone/>
-              <a:defRPr sz="1800" b="1"/>
+            <a:lvl3pPr marL="1298448" indent="0">
+              <a:buNone/>
+              <a:defRPr sz="2556" b="1"/>
             </a:lvl3pPr>
-            <a:lvl4pPr marL="1371600" indent="0">
-              <a:buNone/>
-              <a:defRPr sz="1600" b="1"/>
+            <a:lvl4pPr marL="1947672" indent="0">
+              <a:buNone/>
+              <a:defRPr sz="2272" b="1"/>
             </a:lvl4pPr>
-            <a:lvl5pPr marL="1828800" indent="0">
-              <a:buNone/>
-              <a:defRPr sz="1600" b="1"/>
+            <a:lvl5pPr marL="2596896" indent="0">
+              <a:buNone/>
+              <a:defRPr sz="2272" b="1"/>
             </a:lvl5pPr>
-            <a:lvl6pPr marL="2286000" indent="0">
-              <a:buNone/>
-              <a:defRPr sz="1600" b="1"/>
+            <a:lvl6pPr marL="3246120" indent="0">
+              <a:buNone/>
+              <a:defRPr sz="2272" b="1"/>
             </a:lvl6pPr>
-            <a:lvl7pPr marL="2743200" indent="0">
-              <a:buNone/>
-              <a:defRPr sz="1600" b="1"/>
+            <a:lvl7pPr marL="3895344" indent="0">
+              <a:buNone/>
+              <a:defRPr sz="2272" b="1"/>
             </a:lvl7pPr>
-            <a:lvl8pPr marL="3200400" indent="0">
-              <a:buNone/>
-              <a:defRPr sz="1600" b="1"/>
+            <a:lvl8pPr marL="4544568" indent="0">
+              <a:buNone/>
+              <a:defRPr sz="2272" b="1"/>
             </a:lvl8pPr>
-            <a:lvl9pPr marL="3657600" indent="0">
-              <a:buNone/>
-              <a:defRPr sz="1600" b="1"/>
+            <a:lvl9pPr marL="5193792" indent="0">
+              <a:buNone/>
+              <a:defRPr sz="2272" b="1"/>
             </a:lvl9pPr>
           </a:lstStyle>
           <a:p>
@@ -1684,13 +1497,7 @@
       </p:sp>
       <p:sp>
         <p:nvSpPr>
-          <p:cNvPr id="4" name="Content Placeholder 3">
-            <a:extLst>
-              <a:ext uri="{FF2B5EF4-FFF2-40B4-BE49-F238E27FC236}">
-                <a16:creationId xmlns:a16="http://schemas.microsoft.com/office/drawing/2014/main" id="{18C4EE7F-02B8-C06F-2E63-95D4968D8432}"/>
-              </a:ext>
-            </a:extLst>
-          </p:cNvPr>
+          <p:cNvPr id="4" name="Content Placeholder 3"/>
           <p:cNvSpPr>
             <a:spLocks noGrp="1"/>
           </p:cNvSpPr>
@@ -1700,8 +1507,8 @@
         </p:nvSpPr>
         <p:spPr>
           <a:xfrm>
-            <a:off x="839788" y="2505075"/>
-            <a:ext cx="5157787" cy="3684588"/>
+            <a:off x="894354" y="4676140"/>
+            <a:ext cx="5492909" cy="6877898"/>
           </a:xfrm>
         </p:spPr>
         <p:txBody>
@@ -1741,18 +1548,13 @@
               <a:rPr lang="en-US"/>
               <a:t>Fifth level</a:t>
             </a:r>
-          </a:p>
-        </p:txBody>
-      </p:sp>
-      <p:sp>
-        <p:nvSpPr>
-          <p:cNvPr id="5" name="Text Placeholder 4">
-            <a:extLst>
-              <a:ext uri="{FF2B5EF4-FFF2-40B4-BE49-F238E27FC236}">
-                <a16:creationId xmlns:a16="http://schemas.microsoft.com/office/drawing/2014/main" id="{DFEB0CE9-7152-BF18-D153-1116DA5CFFBF}"/>
-              </a:ext>
-            </a:extLst>
-          </p:cNvPr>
+            <a:endParaRPr lang="en-US" dirty="0"/>
+          </a:p>
+        </p:txBody>
+      </p:sp>
+      <p:sp>
+        <p:nvSpPr>
+          <p:cNvPr id="5" name="Text Placeholder 4"/>
           <p:cNvSpPr>
             <a:spLocks noGrp="1"/>
           </p:cNvSpPr>
@@ -1762,8 +1564,8 @@
         </p:nvSpPr>
         <p:spPr>
           <a:xfrm>
-            <a:off x="6172200" y="1681163"/>
-            <a:ext cx="5183188" cy="823912"/>
+            <a:off x="6573233" y="3138171"/>
+            <a:ext cx="5519960" cy="1537969"/>
           </a:xfrm>
         </p:spPr>
         <p:txBody>
@@ -1771,39 +1573,39 @@
           <a:lstStyle>
             <a:lvl1pPr marL="0" indent="0">
               <a:buNone/>
-              <a:defRPr sz="2400" b="1"/>
+              <a:defRPr sz="3408" b="1"/>
             </a:lvl1pPr>
-            <a:lvl2pPr marL="457200" indent="0">
-              <a:buNone/>
-              <a:defRPr sz="2000" b="1"/>
+            <a:lvl2pPr marL="649224" indent="0">
+              <a:buNone/>
+              <a:defRPr sz="2840" b="1"/>
             </a:lvl2pPr>
-            <a:lvl3pPr marL="914400" indent="0">
-              <a:buNone/>
-              <a:defRPr sz="1800" b="1"/>
+            <a:lvl3pPr marL="1298448" indent="0">
+              <a:buNone/>
+              <a:defRPr sz="2556" b="1"/>
             </a:lvl3pPr>
-            <a:lvl4pPr marL="1371600" indent="0">
-              <a:buNone/>
-              <a:defRPr sz="1600" b="1"/>
+            <a:lvl4pPr marL="1947672" indent="0">
+              <a:buNone/>
+              <a:defRPr sz="2272" b="1"/>
             </a:lvl4pPr>
-            <a:lvl5pPr marL="1828800" indent="0">
-              <a:buNone/>
-              <a:defRPr sz="1600" b="1"/>
+            <a:lvl5pPr marL="2596896" indent="0">
+              <a:buNone/>
+              <a:defRPr sz="2272" b="1"/>
             </a:lvl5pPr>
-            <a:lvl6pPr marL="2286000" indent="0">
-              <a:buNone/>
-              <a:defRPr sz="1600" b="1"/>
+            <a:lvl6pPr marL="3246120" indent="0">
+              <a:buNone/>
+              <a:defRPr sz="2272" b="1"/>
             </a:lvl6pPr>
-            <a:lvl7pPr marL="2743200" indent="0">
-              <a:buNone/>
-              <a:defRPr sz="1600" b="1"/>
+            <a:lvl7pPr marL="3895344" indent="0">
+              <a:buNone/>
+              <a:defRPr sz="2272" b="1"/>
             </a:lvl7pPr>
-            <a:lvl8pPr marL="3200400" indent="0">
-              <a:buNone/>
-              <a:defRPr sz="1600" b="1"/>
+            <a:lvl8pPr marL="4544568" indent="0">
+              <a:buNone/>
+              <a:defRPr sz="2272" b="1"/>
             </a:lvl8pPr>
-            <a:lvl9pPr marL="3657600" indent="0">
-              <a:buNone/>
-              <a:defRPr sz="1600" b="1"/>
+            <a:lvl9pPr marL="5193792" indent="0">
+              <a:buNone/>
+              <a:defRPr sz="2272" b="1"/>
             </a:lvl9pPr>
           </a:lstStyle>
           <a:p>
@@ -1817,13 +1619,7 @@
       </p:sp>
       <p:sp>
         <p:nvSpPr>
-          <p:cNvPr id="6" name="Content Placeholder 5">
-            <a:extLst>
-              <a:ext uri="{FF2B5EF4-FFF2-40B4-BE49-F238E27FC236}">
-                <a16:creationId xmlns:a16="http://schemas.microsoft.com/office/drawing/2014/main" id="{C9EE282A-0BE2-19E4-5DAB-9DDE6D33BAF2}"/>
-              </a:ext>
-            </a:extLst>
-          </p:cNvPr>
+          <p:cNvPr id="6" name="Content Placeholder 5"/>
           <p:cNvSpPr>
             <a:spLocks noGrp="1"/>
           </p:cNvSpPr>
@@ -1833,8 +1629,8 @@
         </p:nvSpPr>
         <p:spPr>
           <a:xfrm>
-            <a:off x="6172200" y="2505075"/>
-            <a:ext cx="5183188" cy="3684588"/>
+            <a:off x="6573233" y="4676140"/>
+            <a:ext cx="5519960" cy="6877898"/>
           </a:xfrm>
         </p:spPr>
         <p:txBody>
@@ -1874,18 +1670,13 @@
               <a:rPr lang="en-US"/>
               <a:t>Fifth level</a:t>
             </a:r>
-          </a:p>
-        </p:txBody>
-      </p:sp>
-      <p:sp>
-        <p:nvSpPr>
-          <p:cNvPr id="7" name="Date Placeholder 6">
-            <a:extLst>
-              <a:ext uri="{FF2B5EF4-FFF2-40B4-BE49-F238E27FC236}">
-                <a16:creationId xmlns:a16="http://schemas.microsoft.com/office/drawing/2014/main" id="{A79ACCAB-B6F1-F04E-C7C5-B276D77EA823}"/>
-              </a:ext>
-            </a:extLst>
-          </p:cNvPr>
+            <a:endParaRPr lang="en-US" dirty="0"/>
+          </a:p>
+        </p:txBody>
+      </p:sp>
+      <p:sp>
+        <p:nvSpPr>
+          <p:cNvPr id="7" name="Date Placeholder 6"/>
           <p:cNvSpPr>
             <a:spLocks noGrp="1"/>
           </p:cNvSpPr>
@@ -1900,7 +1691,7 @@
           <a:p>
             <a:fld id="{45C909D2-2B5E-4748-A555-941E248496F6}" type="datetimeFigureOut">
               <a:rPr lang="en-US" smtClean="0"/>
-              <a:t>4/25/23</a:t>
+              <a:t>5/2/23</a:t>
             </a:fld>
             <a:endParaRPr lang="en-US"/>
           </a:p>
@@ -1908,13 +1699,7 @@
       </p:sp>
       <p:sp>
         <p:nvSpPr>
-          <p:cNvPr id="8" name="Footer Placeholder 7">
-            <a:extLst>
-              <a:ext uri="{FF2B5EF4-FFF2-40B4-BE49-F238E27FC236}">
-                <a16:creationId xmlns:a16="http://schemas.microsoft.com/office/drawing/2014/main" id="{C5D877AB-3A06-6AA3-A1F8-5FE78D3F8E6B}"/>
-              </a:ext>
-            </a:extLst>
-          </p:cNvPr>
+          <p:cNvPr id="8" name="Footer Placeholder 7"/>
           <p:cNvSpPr>
             <a:spLocks noGrp="1"/>
           </p:cNvSpPr>
@@ -1933,13 +1718,7 @@
       </p:sp>
       <p:sp>
         <p:nvSpPr>
-          <p:cNvPr id="9" name="Slide Number Placeholder 8">
-            <a:extLst>
-              <a:ext uri="{FF2B5EF4-FFF2-40B4-BE49-F238E27FC236}">
-                <a16:creationId xmlns:a16="http://schemas.microsoft.com/office/drawing/2014/main" id="{61DD8FB0-3485-391C-C87F-C244ABFB40B5}"/>
-              </a:ext>
-            </a:extLst>
-          </p:cNvPr>
+          <p:cNvPr id="9" name="Slide Number Placeholder 8"/>
           <p:cNvSpPr>
             <a:spLocks noGrp="1"/>
           </p:cNvSpPr>
@@ -1963,7 +1742,7 @@
     </p:spTree>
     <p:extLst>
       <p:ext uri="{BB962C8B-B14F-4D97-AF65-F5344CB8AC3E}">
-        <p14:creationId xmlns:p14="http://schemas.microsoft.com/office/powerpoint/2010/main" val="3031731512"/>
+        <p14:creationId xmlns:p14="http://schemas.microsoft.com/office/powerpoint/2010/main" val="1460516200"/>
       </p:ext>
     </p:extLst>
   </p:cSld>
@@ -1992,13 +1771,7 @@
       </p:grpSpPr>
       <p:sp>
         <p:nvSpPr>
-          <p:cNvPr id="2" name="Title 1">
-            <a:extLst>
-              <a:ext uri="{FF2B5EF4-FFF2-40B4-BE49-F238E27FC236}">
-                <a16:creationId xmlns:a16="http://schemas.microsoft.com/office/drawing/2014/main" id="{FF6C8C1E-A65B-D285-FE51-999A212EE981}"/>
-              </a:ext>
-            </a:extLst>
-          </p:cNvPr>
+          <p:cNvPr id="2" name="Title 1"/>
           <p:cNvSpPr>
             <a:spLocks noGrp="1"/>
           </p:cNvSpPr>
@@ -2015,18 +1788,13 @@
               <a:rPr lang="en-US"/>
               <a:t>Click to edit Master title style</a:t>
             </a:r>
-          </a:p>
-        </p:txBody>
-      </p:sp>
-      <p:sp>
-        <p:nvSpPr>
-          <p:cNvPr id="3" name="Date Placeholder 2">
-            <a:extLst>
-              <a:ext uri="{FF2B5EF4-FFF2-40B4-BE49-F238E27FC236}">
-                <a16:creationId xmlns:a16="http://schemas.microsoft.com/office/drawing/2014/main" id="{E7D84A17-66B1-B90C-4C5F-598D36575C76}"/>
-              </a:ext>
-            </a:extLst>
-          </p:cNvPr>
+            <a:endParaRPr lang="en-US" dirty="0"/>
+          </a:p>
+        </p:txBody>
+      </p:sp>
+      <p:sp>
+        <p:nvSpPr>
+          <p:cNvPr id="3" name="Date Placeholder 2"/>
           <p:cNvSpPr>
             <a:spLocks noGrp="1"/>
           </p:cNvSpPr>
@@ -2041,7 +1809,7 @@
           <a:p>
             <a:fld id="{45C909D2-2B5E-4748-A555-941E248496F6}" type="datetimeFigureOut">
               <a:rPr lang="en-US" smtClean="0"/>
-              <a:t>4/25/23</a:t>
+              <a:t>5/2/23</a:t>
             </a:fld>
             <a:endParaRPr lang="en-US"/>
           </a:p>
@@ -2049,13 +1817,7 @@
       </p:sp>
       <p:sp>
         <p:nvSpPr>
-          <p:cNvPr id="4" name="Footer Placeholder 3">
-            <a:extLst>
-              <a:ext uri="{FF2B5EF4-FFF2-40B4-BE49-F238E27FC236}">
-                <a16:creationId xmlns:a16="http://schemas.microsoft.com/office/drawing/2014/main" id="{9CCE72E6-B093-DF9F-0211-B86F449959DC}"/>
-              </a:ext>
-            </a:extLst>
-          </p:cNvPr>
+          <p:cNvPr id="4" name="Footer Placeholder 3"/>
           <p:cNvSpPr>
             <a:spLocks noGrp="1"/>
           </p:cNvSpPr>
@@ -2074,13 +1836,7 @@
       </p:sp>
       <p:sp>
         <p:nvSpPr>
-          <p:cNvPr id="5" name="Slide Number Placeholder 4">
-            <a:extLst>
-              <a:ext uri="{FF2B5EF4-FFF2-40B4-BE49-F238E27FC236}">
-                <a16:creationId xmlns:a16="http://schemas.microsoft.com/office/drawing/2014/main" id="{930138EE-6577-7C10-4EE9-9191AD47FC44}"/>
-              </a:ext>
-            </a:extLst>
-          </p:cNvPr>
+          <p:cNvPr id="5" name="Slide Number Placeholder 4"/>
           <p:cNvSpPr>
             <a:spLocks noGrp="1"/>
           </p:cNvSpPr>
@@ -2104,7 +1860,7 @@
     </p:spTree>
     <p:extLst>
       <p:ext uri="{BB962C8B-B14F-4D97-AF65-F5344CB8AC3E}">
-        <p14:creationId xmlns:p14="http://schemas.microsoft.com/office/powerpoint/2010/main" val="3721567783"/>
+        <p14:creationId xmlns:p14="http://schemas.microsoft.com/office/powerpoint/2010/main" val="1538484946"/>
       </p:ext>
     </p:extLst>
   </p:cSld>
@@ -2133,13 +1889,7 @@
       </p:grpSpPr>
       <p:sp>
         <p:nvSpPr>
-          <p:cNvPr id="2" name="Date Placeholder 1">
-            <a:extLst>
-              <a:ext uri="{FF2B5EF4-FFF2-40B4-BE49-F238E27FC236}">
-                <a16:creationId xmlns:a16="http://schemas.microsoft.com/office/drawing/2014/main" id="{CD557B35-73DE-2F51-4916-4833016A8D60}"/>
-              </a:ext>
-            </a:extLst>
-          </p:cNvPr>
+          <p:cNvPr id="2" name="Date Placeholder 1"/>
           <p:cNvSpPr>
             <a:spLocks noGrp="1"/>
           </p:cNvSpPr>
@@ -2154,7 +1904,7 @@
           <a:p>
             <a:fld id="{45C909D2-2B5E-4748-A555-941E248496F6}" type="datetimeFigureOut">
               <a:rPr lang="en-US" smtClean="0"/>
-              <a:t>4/25/23</a:t>
+              <a:t>5/2/23</a:t>
             </a:fld>
             <a:endParaRPr lang="en-US"/>
           </a:p>
@@ -2162,13 +1912,7 @@
       </p:sp>
       <p:sp>
         <p:nvSpPr>
-          <p:cNvPr id="3" name="Footer Placeholder 2">
-            <a:extLst>
-              <a:ext uri="{FF2B5EF4-FFF2-40B4-BE49-F238E27FC236}">
-                <a16:creationId xmlns:a16="http://schemas.microsoft.com/office/drawing/2014/main" id="{ACDBF9C1-3B9E-3C00-286E-296748043CA1}"/>
-              </a:ext>
-            </a:extLst>
-          </p:cNvPr>
+          <p:cNvPr id="3" name="Footer Placeholder 2"/>
           <p:cNvSpPr>
             <a:spLocks noGrp="1"/>
           </p:cNvSpPr>
@@ -2187,13 +1931,7 @@
       </p:sp>
       <p:sp>
         <p:nvSpPr>
-          <p:cNvPr id="4" name="Slide Number Placeholder 3">
-            <a:extLst>
-              <a:ext uri="{FF2B5EF4-FFF2-40B4-BE49-F238E27FC236}">
-                <a16:creationId xmlns:a16="http://schemas.microsoft.com/office/drawing/2014/main" id="{FB877579-9A19-89AF-32C1-68F925440687}"/>
-              </a:ext>
-            </a:extLst>
-          </p:cNvPr>
+          <p:cNvPr id="4" name="Slide Number Placeholder 3"/>
           <p:cNvSpPr>
             <a:spLocks noGrp="1"/>
           </p:cNvSpPr>
@@ -2217,7 +1955,7 @@
     </p:spTree>
     <p:extLst>
       <p:ext uri="{BB962C8B-B14F-4D97-AF65-F5344CB8AC3E}">
-        <p14:creationId xmlns:p14="http://schemas.microsoft.com/office/powerpoint/2010/main" val="380401249"/>
+        <p14:creationId xmlns:p14="http://schemas.microsoft.com/office/powerpoint/2010/main" val="1132988995"/>
       </p:ext>
     </p:extLst>
   </p:cSld>
@@ -2246,13 +1984,7 @@
       </p:grpSpPr>
       <p:sp>
         <p:nvSpPr>
-          <p:cNvPr id="2" name="Title 1">
-            <a:extLst>
-              <a:ext uri="{FF2B5EF4-FFF2-40B4-BE49-F238E27FC236}">
-                <a16:creationId xmlns:a16="http://schemas.microsoft.com/office/drawing/2014/main" id="{E41CDEDF-FEF9-1424-6953-ABD9AF04BD84}"/>
-              </a:ext>
-            </a:extLst>
-          </p:cNvPr>
+          <p:cNvPr id="2" name="Title 1"/>
           <p:cNvSpPr>
             <a:spLocks noGrp="1"/>
           </p:cNvSpPr>
@@ -2262,15 +1994,15 @@
         </p:nvSpPr>
         <p:spPr>
           <a:xfrm>
-            <a:off x="839788" y="457200"/>
-            <a:ext cx="3932237" cy="1600200"/>
+            <a:off x="894352" y="853440"/>
+            <a:ext cx="4187731" cy="2987040"/>
           </a:xfrm>
         </p:spPr>
         <p:txBody>
           <a:bodyPr anchor="b"/>
           <a:lstStyle>
             <a:lvl1pPr>
-              <a:defRPr sz="3200"/>
+              <a:defRPr sz="4544"/>
             </a:lvl1pPr>
           </a:lstStyle>
           <a:p>
@@ -2278,18 +2010,13 @@
               <a:rPr lang="en-US"/>
               <a:t>Click to edit Master title style</a:t>
             </a:r>
-          </a:p>
-        </p:txBody>
-      </p:sp>
-      <p:sp>
-        <p:nvSpPr>
-          <p:cNvPr id="3" name="Content Placeholder 2">
-            <a:extLst>
-              <a:ext uri="{FF2B5EF4-FFF2-40B4-BE49-F238E27FC236}">
-                <a16:creationId xmlns:a16="http://schemas.microsoft.com/office/drawing/2014/main" id="{520DC1AA-EDCE-8023-AC2C-4F60111F1AFA}"/>
-              </a:ext>
-            </a:extLst>
-          </p:cNvPr>
+            <a:endParaRPr lang="en-US" dirty="0"/>
+          </a:p>
+        </p:txBody>
+      </p:sp>
+      <p:sp>
+        <p:nvSpPr>
+          <p:cNvPr id="3" name="Content Placeholder 2"/>
           <p:cNvSpPr>
             <a:spLocks noGrp="1"/>
           </p:cNvSpPr>
@@ -2299,39 +2026,39 @@
         </p:nvSpPr>
         <p:spPr>
           <a:xfrm>
-            <a:off x="5183188" y="987425"/>
-            <a:ext cx="6172200" cy="4873625"/>
+            <a:off x="5519960" y="1843196"/>
+            <a:ext cx="6573233" cy="9097433"/>
           </a:xfrm>
         </p:spPr>
         <p:txBody>
           <a:bodyPr/>
           <a:lstStyle>
             <a:lvl1pPr>
-              <a:defRPr sz="3200"/>
+              <a:defRPr sz="4544"/>
             </a:lvl1pPr>
             <a:lvl2pPr>
-              <a:defRPr sz="2800"/>
+              <a:defRPr sz="3976"/>
             </a:lvl2pPr>
             <a:lvl3pPr>
-              <a:defRPr sz="2400"/>
+              <a:defRPr sz="3408"/>
             </a:lvl3pPr>
             <a:lvl4pPr>
-              <a:defRPr sz="2000"/>
+              <a:defRPr sz="2840"/>
             </a:lvl4pPr>
             <a:lvl5pPr>
-              <a:defRPr sz="2000"/>
+              <a:defRPr sz="2840"/>
             </a:lvl5pPr>
             <a:lvl6pPr>
-              <a:defRPr sz="2000"/>
+              <a:defRPr sz="2840"/>
             </a:lvl6pPr>
             <a:lvl7pPr>
-              <a:defRPr sz="2000"/>
+              <a:defRPr sz="2840"/>
             </a:lvl7pPr>
             <a:lvl8pPr>
-              <a:defRPr sz="2000"/>
+              <a:defRPr sz="2840"/>
             </a:lvl8pPr>
             <a:lvl9pPr>
-              <a:defRPr sz="2000"/>
+              <a:defRPr sz="2840"/>
             </a:lvl9pPr>
           </a:lstStyle>
           <a:p>
@@ -2368,18 +2095,13 @@
               <a:rPr lang="en-US"/>
               <a:t>Fifth level</a:t>
             </a:r>
-          </a:p>
-        </p:txBody>
-      </p:sp>
-      <p:sp>
-        <p:nvSpPr>
-          <p:cNvPr id="4" name="Text Placeholder 3">
-            <a:extLst>
-              <a:ext uri="{FF2B5EF4-FFF2-40B4-BE49-F238E27FC236}">
-                <a16:creationId xmlns:a16="http://schemas.microsoft.com/office/drawing/2014/main" id="{028FD3E3-AF42-D971-B811-6DDA2052D5E5}"/>
-              </a:ext>
-            </a:extLst>
-          </p:cNvPr>
+            <a:endParaRPr lang="en-US" dirty="0"/>
+          </a:p>
+        </p:txBody>
+      </p:sp>
+      <p:sp>
+        <p:nvSpPr>
+          <p:cNvPr id="4" name="Text Placeholder 3"/>
           <p:cNvSpPr>
             <a:spLocks noGrp="1"/>
           </p:cNvSpPr>
@@ -2389,8 +2111,8 @@
         </p:nvSpPr>
         <p:spPr>
           <a:xfrm>
-            <a:off x="839788" y="2057400"/>
-            <a:ext cx="3932237" cy="3811588"/>
+            <a:off x="894352" y="3840480"/>
+            <a:ext cx="4187731" cy="7114964"/>
           </a:xfrm>
         </p:spPr>
         <p:txBody>
@@ -2398,39 +2120,39 @@
           <a:lstStyle>
             <a:lvl1pPr marL="0" indent="0">
               <a:buNone/>
-              <a:defRPr sz="1600"/>
+              <a:defRPr sz="2272"/>
             </a:lvl1pPr>
-            <a:lvl2pPr marL="457200" indent="0">
-              <a:buNone/>
-              <a:defRPr sz="1400"/>
+            <a:lvl2pPr marL="649224" indent="0">
+              <a:buNone/>
+              <a:defRPr sz="1988"/>
             </a:lvl2pPr>
-            <a:lvl3pPr marL="914400" indent="0">
-              <a:buNone/>
-              <a:defRPr sz="1200"/>
+            <a:lvl3pPr marL="1298448" indent="0">
+              <a:buNone/>
+              <a:defRPr sz="1704"/>
             </a:lvl3pPr>
-            <a:lvl4pPr marL="1371600" indent="0">
-              <a:buNone/>
-              <a:defRPr sz="1000"/>
+            <a:lvl4pPr marL="1947672" indent="0">
+              <a:buNone/>
+              <a:defRPr sz="1420"/>
             </a:lvl4pPr>
-            <a:lvl5pPr marL="1828800" indent="0">
-              <a:buNone/>
-              <a:defRPr sz="1000"/>
+            <a:lvl5pPr marL="2596896" indent="0">
+              <a:buNone/>
+              <a:defRPr sz="1420"/>
             </a:lvl5pPr>
-            <a:lvl6pPr marL="2286000" indent="0">
-              <a:buNone/>
-              <a:defRPr sz="1000"/>
+            <a:lvl6pPr marL="3246120" indent="0">
+              <a:buNone/>
+              <a:defRPr sz="1420"/>
             </a:lvl6pPr>
-            <a:lvl7pPr marL="2743200" indent="0">
-              <a:buNone/>
-              <a:defRPr sz="1000"/>
+            <a:lvl7pPr marL="3895344" indent="0">
+              <a:buNone/>
+              <a:defRPr sz="1420"/>
             </a:lvl7pPr>
-            <a:lvl8pPr marL="3200400" indent="0">
-              <a:buNone/>
-              <a:defRPr sz="1000"/>
+            <a:lvl8pPr marL="4544568" indent="0">
+              <a:buNone/>
+              <a:defRPr sz="1420"/>
             </a:lvl8pPr>
-            <a:lvl9pPr marL="3657600" indent="0">
-              <a:buNone/>
-              <a:defRPr sz="1000"/>
+            <a:lvl9pPr marL="5193792" indent="0">
+              <a:buNone/>
+              <a:defRPr sz="1420"/>
             </a:lvl9pPr>
           </a:lstStyle>
           <a:p>
@@ -2444,13 +2166,7 @@
       </p:sp>
       <p:sp>
         <p:nvSpPr>
-          <p:cNvPr id="5" name="Date Placeholder 4">
-            <a:extLst>
-              <a:ext uri="{FF2B5EF4-FFF2-40B4-BE49-F238E27FC236}">
-                <a16:creationId xmlns:a16="http://schemas.microsoft.com/office/drawing/2014/main" id="{ADEBCEBD-B121-6776-BB79-0D4B9C188210}"/>
-              </a:ext>
-            </a:extLst>
-          </p:cNvPr>
+          <p:cNvPr id="5" name="Date Placeholder 4"/>
           <p:cNvSpPr>
             <a:spLocks noGrp="1"/>
           </p:cNvSpPr>
@@ -2465,7 +2181,7 @@
           <a:p>
             <a:fld id="{45C909D2-2B5E-4748-A555-941E248496F6}" type="datetimeFigureOut">
               <a:rPr lang="en-US" smtClean="0"/>
-              <a:t>4/25/23</a:t>
+              <a:t>5/2/23</a:t>
             </a:fld>
             <a:endParaRPr lang="en-US"/>
           </a:p>
@@ -2473,13 +2189,7 @@
       </p:sp>
       <p:sp>
         <p:nvSpPr>
-          <p:cNvPr id="6" name="Footer Placeholder 5">
-            <a:extLst>
-              <a:ext uri="{FF2B5EF4-FFF2-40B4-BE49-F238E27FC236}">
-                <a16:creationId xmlns:a16="http://schemas.microsoft.com/office/drawing/2014/main" id="{D2E848E5-3D7A-E2C5-CFAA-487A3A5602C9}"/>
-              </a:ext>
-            </a:extLst>
-          </p:cNvPr>
+          <p:cNvPr id="6" name="Footer Placeholder 5"/>
           <p:cNvSpPr>
             <a:spLocks noGrp="1"/>
           </p:cNvSpPr>
@@ -2498,13 +2208,7 @@
       </p:sp>
       <p:sp>
         <p:nvSpPr>
-          <p:cNvPr id="7" name="Slide Number Placeholder 6">
-            <a:extLst>
-              <a:ext uri="{FF2B5EF4-FFF2-40B4-BE49-F238E27FC236}">
-                <a16:creationId xmlns:a16="http://schemas.microsoft.com/office/drawing/2014/main" id="{E97D51FB-00CB-1E59-5BD8-68A000187C03}"/>
-              </a:ext>
-            </a:extLst>
-          </p:cNvPr>
+          <p:cNvPr id="7" name="Slide Number Placeholder 6"/>
           <p:cNvSpPr>
             <a:spLocks noGrp="1"/>
           </p:cNvSpPr>
@@ -2528,7 +2232,7 @@
     </p:spTree>
     <p:extLst>
       <p:ext uri="{BB962C8B-B14F-4D97-AF65-F5344CB8AC3E}">
-        <p14:creationId xmlns:p14="http://schemas.microsoft.com/office/powerpoint/2010/main" val="2828695917"/>
+        <p14:creationId xmlns:p14="http://schemas.microsoft.com/office/powerpoint/2010/main" val="1070934979"/>
       </p:ext>
     </p:extLst>
   </p:cSld>
@@ -2557,13 +2261,7 @@
       </p:grpSpPr>
       <p:sp>
         <p:nvSpPr>
-          <p:cNvPr id="2" name="Title 1">
-            <a:extLst>
-              <a:ext uri="{FF2B5EF4-FFF2-40B4-BE49-F238E27FC236}">
-                <a16:creationId xmlns:a16="http://schemas.microsoft.com/office/drawing/2014/main" id="{AE113A90-72CB-F5CA-BFA3-81A5DA8E5A99}"/>
-              </a:ext>
-            </a:extLst>
-          </p:cNvPr>
+          <p:cNvPr id="2" name="Title 1"/>
           <p:cNvSpPr>
             <a:spLocks noGrp="1"/>
           </p:cNvSpPr>
@@ -2573,15 +2271,15 @@
         </p:nvSpPr>
         <p:spPr>
           <a:xfrm>
-            <a:off x="839788" y="457200"/>
-            <a:ext cx="3932237" cy="1600200"/>
+            <a:off x="894352" y="853440"/>
+            <a:ext cx="4187731" cy="2987040"/>
           </a:xfrm>
         </p:spPr>
         <p:txBody>
           <a:bodyPr anchor="b"/>
           <a:lstStyle>
             <a:lvl1pPr>
-              <a:defRPr sz="3200"/>
+              <a:defRPr sz="4544"/>
             </a:lvl1pPr>
           </a:lstStyle>
           <a:p>
@@ -2589,20 +2287,15 @@
               <a:rPr lang="en-US"/>
               <a:t>Click to edit Master title style</a:t>
             </a:r>
-          </a:p>
-        </p:txBody>
-      </p:sp>
-      <p:sp>
-        <p:nvSpPr>
-          <p:cNvPr id="3" name="Picture Placeholder 2">
-            <a:extLst>
-              <a:ext uri="{FF2B5EF4-FFF2-40B4-BE49-F238E27FC236}">
-                <a16:creationId xmlns:a16="http://schemas.microsoft.com/office/drawing/2014/main" id="{9501077C-6180-53E6-6336-F2A63A2A29D9}"/>
-              </a:ext>
-            </a:extLst>
-          </p:cNvPr>
-          <p:cNvSpPr>
-            <a:spLocks noGrp="1"/>
+            <a:endParaRPr lang="en-US" dirty="0"/>
+          </a:p>
+        </p:txBody>
+      </p:sp>
+      <p:sp>
+        <p:nvSpPr>
+          <p:cNvPr id="3" name="Picture Placeholder 2"/>
+          <p:cNvSpPr>
+            <a:spLocks noGrp="1" noChangeAspect="1"/>
           </p:cNvSpPr>
           <p:nvPr>
             <p:ph type="pic" idx="1"/>
@@ -2610,8 +2303,73 @@
         </p:nvSpPr>
         <p:spPr>
           <a:xfrm>
-            <a:off x="5183188" y="987425"/>
-            <a:ext cx="6172200" cy="4873625"/>
+            <a:off x="5519960" y="1843196"/>
+            <a:ext cx="6573233" cy="9097433"/>
+          </a:xfrm>
+        </p:spPr>
+        <p:txBody>
+          <a:bodyPr anchor="t"/>
+          <a:lstStyle>
+            <a:lvl1pPr marL="0" indent="0">
+              <a:buNone/>
+              <a:defRPr sz="4544"/>
+            </a:lvl1pPr>
+            <a:lvl2pPr marL="649224" indent="0">
+              <a:buNone/>
+              <a:defRPr sz="3976"/>
+            </a:lvl2pPr>
+            <a:lvl3pPr marL="1298448" indent="0">
+              <a:buNone/>
+              <a:defRPr sz="3408"/>
+            </a:lvl3pPr>
+            <a:lvl4pPr marL="1947672" indent="0">
+              <a:buNone/>
+              <a:defRPr sz="2840"/>
+            </a:lvl4pPr>
+            <a:lvl5pPr marL="2596896" indent="0">
+              <a:buNone/>
+              <a:defRPr sz="2840"/>
+            </a:lvl5pPr>
+            <a:lvl6pPr marL="3246120" indent="0">
+              <a:buNone/>
+              <a:defRPr sz="2840"/>
+            </a:lvl6pPr>
+            <a:lvl7pPr marL="3895344" indent="0">
+              <a:buNone/>
+              <a:defRPr sz="2840"/>
+            </a:lvl7pPr>
+            <a:lvl8pPr marL="4544568" indent="0">
+              <a:buNone/>
+              <a:defRPr sz="2840"/>
+            </a:lvl8pPr>
+            <a:lvl9pPr marL="5193792" indent="0">
+              <a:buNone/>
+              <a:defRPr sz="2840"/>
+            </a:lvl9pPr>
+          </a:lstStyle>
+          <a:p>
+            <a:r>
+              <a:rPr lang="en-US"/>
+              <a:t>Click icon to add picture</a:t>
+            </a:r>
+            <a:endParaRPr lang="en-US" dirty="0"/>
+          </a:p>
+        </p:txBody>
+      </p:sp>
+      <p:sp>
+        <p:nvSpPr>
+          <p:cNvPr id="4" name="Text Placeholder 3"/>
+          <p:cNvSpPr>
+            <a:spLocks noGrp="1"/>
+          </p:cNvSpPr>
+          <p:nvPr>
+            <p:ph type="body" sz="half" idx="2"/>
+          </p:nvPr>
+        </p:nvSpPr>
+        <p:spPr>
+          <a:xfrm>
+            <a:off x="894352" y="3840480"/>
+            <a:ext cx="4187731" cy="7114964"/>
           </a:xfrm>
         </p:spPr>
         <p:txBody>
@@ -2619,109 +2377,42 @@
           <a:lstStyle>
             <a:lvl1pPr marL="0" indent="0">
               <a:buNone/>
-              <a:defRPr sz="3200"/>
+              <a:defRPr sz="2272"/>
             </a:lvl1pPr>
-            <a:lvl2pPr marL="457200" indent="0">
-              <a:buNone/>
-              <a:defRPr sz="2800"/>
+            <a:lvl2pPr marL="649224" indent="0">
+              <a:buNone/>
+              <a:defRPr sz="1988"/>
             </a:lvl2pPr>
-            <a:lvl3pPr marL="914400" indent="0">
-              <a:buNone/>
-              <a:defRPr sz="2400"/>
+            <a:lvl3pPr marL="1298448" indent="0">
+              <a:buNone/>
+              <a:defRPr sz="1704"/>
             </a:lvl3pPr>
-            <a:lvl4pPr marL="1371600" indent="0">
-              <a:buNone/>
-              <a:defRPr sz="2000"/>
+            <a:lvl4pPr marL="1947672" indent="0">
+              <a:buNone/>
+              <a:defRPr sz="1420"/>
             </a:lvl4pPr>
-            <a:lvl5pPr marL="1828800" indent="0">
-              <a:buNone/>
-              <a:defRPr sz="2000"/>
+            <a:lvl5pPr marL="2596896" indent="0">
+              <a:buNone/>
+              <a:defRPr sz="1420"/>
             </a:lvl5pPr>
-            <a:lvl6pPr marL="2286000" indent="0">
-              <a:buNone/>
-              <a:defRPr sz="2000"/>
+            <a:lvl6pPr marL="3246120" indent="0">
+              <a:buNone/>
+              <a:defRPr sz="1420"/>
             </a:lvl6pPr>
-            <a:lvl7pPr marL="2743200" indent="0">
-              <a:buNone/>
-              <a:defRPr sz="2000"/>
+            <a:lvl7pPr marL="3895344" indent="0">
+              <a:buNone/>
+              <a:defRPr sz="1420"/>
             </a:lvl7pPr>
-            <a:lvl8pPr marL="3200400" indent="0">
-              <a:buNone/>
-              <a:defRPr sz="2000"/>
+            <a:lvl8pPr marL="4544568" indent="0">
+              <a:buNone/>
+              <a:defRPr sz="1420"/>
             </a:lvl8pPr>
-            <a:lvl9pPr marL="3657600" indent="0">
-              <a:buNone/>
-              <a:defRPr sz="2000"/>
+            <a:lvl9pPr marL="5193792" indent="0">
+              <a:buNone/>
+              <a:defRPr sz="1420"/>
             </a:lvl9pPr>
           </a:lstStyle>
           <a:p>
-            <a:endParaRPr lang="en-US"/>
-          </a:p>
-        </p:txBody>
-      </p:sp>
-      <p:sp>
-        <p:nvSpPr>
-          <p:cNvPr id="4" name="Text Placeholder 3">
-            <a:extLst>
-              <a:ext uri="{FF2B5EF4-FFF2-40B4-BE49-F238E27FC236}">
-                <a16:creationId xmlns:a16="http://schemas.microsoft.com/office/drawing/2014/main" id="{B8FF9DD1-8676-0285-20BB-AC4CECC89067}"/>
-              </a:ext>
-            </a:extLst>
-          </p:cNvPr>
-          <p:cNvSpPr>
-            <a:spLocks noGrp="1"/>
-          </p:cNvSpPr>
-          <p:nvPr>
-            <p:ph type="body" sz="half" idx="2"/>
-          </p:nvPr>
-        </p:nvSpPr>
-        <p:spPr>
-          <a:xfrm>
-            <a:off x="839788" y="2057400"/>
-            <a:ext cx="3932237" cy="3811588"/>
-          </a:xfrm>
-        </p:spPr>
-        <p:txBody>
-          <a:bodyPr/>
-          <a:lstStyle>
-            <a:lvl1pPr marL="0" indent="0">
-              <a:buNone/>
-              <a:defRPr sz="1600"/>
-            </a:lvl1pPr>
-            <a:lvl2pPr marL="457200" indent="0">
-              <a:buNone/>
-              <a:defRPr sz="1400"/>
-            </a:lvl2pPr>
-            <a:lvl3pPr marL="914400" indent="0">
-              <a:buNone/>
-              <a:defRPr sz="1200"/>
-            </a:lvl3pPr>
-            <a:lvl4pPr marL="1371600" indent="0">
-              <a:buNone/>
-              <a:defRPr sz="1000"/>
-            </a:lvl4pPr>
-            <a:lvl5pPr marL="1828800" indent="0">
-              <a:buNone/>
-              <a:defRPr sz="1000"/>
-            </a:lvl5pPr>
-            <a:lvl6pPr marL="2286000" indent="0">
-              <a:buNone/>
-              <a:defRPr sz="1000"/>
-            </a:lvl6pPr>
-            <a:lvl7pPr marL="2743200" indent="0">
-              <a:buNone/>
-              <a:defRPr sz="1000"/>
-            </a:lvl7pPr>
-            <a:lvl8pPr marL="3200400" indent="0">
-              <a:buNone/>
-              <a:defRPr sz="1000"/>
-            </a:lvl8pPr>
-            <a:lvl9pPr marL="3657600" indent="0">
-              <a:buNone/>
-              <a:defRPr sz="1000"/>
-            </a:lvl9pPr>
-          </a:lstStyle>
-          <a:p>
             <a:pPr lvl="0"/>
             <a:r>
               <a:rPr lang="en-US"/>
@@ -2732,13 +2423,7 @@
       </p:sp>
       <p:sp>
         <p:nvSpPr>
-          <p:cNvPr id="5" name="Date Placeholder 4">
-            <a:extLst>
-              <a:ext uri="{FF2B5EF4-FFF2-40B4-BE49-F238E27FC236}">
-                <a16:creationId xmlns:a16="http://schemas.microsoft.com/office/drawing/2014/main" id="{FD612852-2F85-A007-1E7F-367D389FAA7D}"/>
-              </a:ext>
-            </a:extLst>
-          </p:cNvPr>
+          <p:cNvPr id="5" name="Date Placeholder 4"/>
           <p:cNvSpPr>
             <a:spLocks noGrp="1"/>
           </p:cNvSpPr>
@@ -2753,7 +2438,7 @@
           <a:p>
             <a:fld id="{45C909D2-2B5E-4748-A555-941E248496F6}" type="datetimeFigureOut">
               <a:rPr lang="en-US" smtClean="0"/>
-              <a:t>4/25/23</a:t>
+              <a:t>5/2/23</a:t>
             </a:fld>
             <a:endParaRPr lang="en-US"/>
           </a:p>
@@ -2761,13 +2446,7 @@
       </p:sp>
       <p:sp>
         <p:nvSpPr>
-          <p:cNvPr id="6" name="Footer Placeholder 5">
-            <a:extLst>
-              <a:ext uri="{FF2B5EF4-FFF2-40B4-BE49-F238E27FC236}">
-                <a16:creationId xmlns:a16="http://schemas.microsoft.com/office/drawing/2014/main" id="{D01486AC-DFDB-3A25-D1C0-965E0526183D}"/>
-              </a:ext>
-            </a:extLst>
-          </p:cNvPr>
+          <p:cNvPr id="6" name="Footer Placeholder 5"/>
           <p:cNvSpPr>
             <a:spLocks noGrp="1"/>
           </p:cNvSpPr>
@@ -2786,13 +2465,7 @@
       </p:sp>
       <p:sp>
         <p:nvSpPr>
-          <p:cNvPr id="7" name="Slide Number Placeholder 6">
-            <a:extLst>
-              <a:ext uri="{FF2B5EF4-FFF2-40B4-BE49-F238E27FC236}">
-                <a16:creationId xmlns:a16="http://schemas.microsoft.com/office/drawing/2014/main" id="{91F9E6F9-2873-BFFE-5CD9-95BB2C906073}"/>
-              </a:ext>
-            </a:extLst>
-          </p:cNvPr>
+          <p:cNvPr id="7" name="Slide Number Placeholder 6"/>
           <p:cNvSpPr>
             <a:spLocks noGrp="1"/>
           </p:cNvSpPr>
@@ -2816,7 +2489,7 @@
     </p:spTree>
     <p:extLst>
       <p:ext uri="{BB962C8B-B14F-4D97-AF65-F5344CB8AC3E}">
-        <p14:creationId xmlns:p14="http://schemas.microsoft.com/office/powerpoint/2010/main" val="4021667083"/>
+        <p14:creationId xmlns:p14="http://schemas.microsoft.com/office/powerpoint/2010/main" val="2400807329"/>
       </p:ext>
     </p:extLst>
   </p:cSld>
@@ -2850,13 +2523,7 @@
       </p:grpSpPr>
       <p:sp>
         <p:nvSpPr>
-          <p:cNvPr id="2" name="Title Placeholder 1">
-            <a:extLst>
-              <a:ext uri="{FF2B5EF4-FFF2-40B4-BE49-F238E27FC236}">
-                <a16:creationId xmlns:a16="http://schemas.microsoft.com/office/drawing/2014/main" id="{66D00026-3EC0-03DC-EC7B-13F71D6FB8B8}"/>
-              </a:ext>
-            </a:extLst>
-          </p:cNvPr>
+          <p:cNvPr id="2" name="Title Placeholder 1"/>
           <p:cNvSpPr>
             <a:spLocks noGrp="1"/>
           </p:cNvSpPr>
@@ -2866,8 +2533,8 @@
         </p:nvSpPr>
         <p:spPr>
           <a:xfrm>
-            <a:off x="838200" y="365125"/>
-            <a:ext cx="10515600" cy="1325563"/>
+            <a:off x="892661" y="681570"/>
+            <a:ext cx="11198841" cy="2474384"/>
           </a:xfrm>
           <a:prstGeom prst="rect">
             <a:avLst/>
@@ -2883,18 +2550,13 @@
               <a:rPr lang="en-US"/>
               <a:t>Click to edit Master title style</a:t>
             </a:r>
-          </a:p>
-        </p:txBody>
-      </p:sp>
-      <p:sp>
-        <p:nvSpPr>
-          <p:cNvPr id="3" name="Text Placeholder 2">
-            <a:extLst>
-              <a:ext uri="{FF2B5EF4-FFF2-40B4-BE49-F238E27FC236}">
-                <a16:creationId xmlns:a16="http://schemas.microsoft.com/office/drawing/2014/main" id="{CA9182B5-6CE9-E317-8F5F-1642A94C90C6}"/>
-              </a:ext>
-            </a:extLst>
-          </p:cNvPr>
+            <a:endParaRPr lang="en-US" dirty="0"/>
+          </a:p>
+        </p:txBody>
+      </p:sp>
+      <p:sp>
+        <p:nvSpPr>
+          <p:cNvPr id="3" name="Text Placeholder 2"/>
           <p:cNvSpPr>
             <a:spLocks noGrp="1"/>
           </p:cNvSpPr>
@@ -2904,8 +2566,8 @@
         </p:nvSpPr>
         <p:spPr>
           <a:xfrm>
-            <a:off x="838200" y="1825625"/>
-            <a:ext cx="10515600" cy="4351338"/>
+            <a:off x="892661" y="3407833"/>
+            <a:ext cx="11198841" cy="8122498"/>
           </a:xfrm>
           <a:prstGeom prst="rect">
             <a:avLst/>
@@ -2950,18 +2612,13 @@
               <a:rPr lang="en-US"/>
               <a:t>Fifth level</a:t>
             </a:r>
-          </a:p>
-        </p:txBody>
-      </p:sp>
-      <p:sp>
-        <p:nvSpPr>
-          <p:cNvPr id="4" name="Date Placeholder 3">
-            <a:extLst>
-              <a:ext uri="{FF2B5EF4-FFF2-40B4-BE49-F238E27FC236}">
-                <a16:creationId xmlns:a16="http://schemas.microsoft.com/office/drawing/2014/main" id="{DEEC3BCA-EC1A-C845-9D2C-52F14AFDD927}"/>
-              </a:ext>
-            </a:extLst>
-          </p:cNvPr>
+            <a:endParaRPr lang="en-US" dirty="0"/>
+          </a:p>
+        </p:txBody>
+      </p:sp>
+      <p:sp>
+        <p:nvSpPr>
+          <p:cNvPr id="4" name="Date Placeholder 3"/>
           <p:cNvSpPr>
             <a:spLocks noGrp="1"/>
           </p:cNvSpPr>
@@ -2971,8 +2628,8 @@
         </p:nvSpPr>
         <p:spPr>
           <a:xfrm>
-            <a:off x="838200" y="6356350"/>
-            <a:ext cx="2743200" cy="365125"/>
+            <a:off x="892661" y="11865189"/>
+            <a:ext cx="2921437" cy="681567"/>
           </a:xfrm>
           <a:prstGeom prst="rect">
             <a:avLst/>
@@ -2982,7 +2639,7 @@
           <a:bodyPr vert="horz" lIns="91440" tIns="45720" rIns="91440" bIns="45720" rtlCol="0" anchor="ctr"/>
           <a:lstStyle>
             <a:lvl1pPr algn="l">
-              <a:defRPr sz="1200">
+              <a:defRPr sz="1704">
                 <a:solidFill>
                   <a:schemeClr val="tx1">
                     <a:tint val="75000"/>
@@ -2994,7 +2651,7 @@
           <a:p>
             <a:fld id="{45C909D2-2B5E-4748-A555-941E248496F6}" type="datetimeFigureOut">
               <a:rPr lang="en-US" smtClean="0"/>
-              <a:t>4/25/23</a:t>
+              <a:t>5/2/23</a:t>
             </a:fld>
             <a:endParaRPr lang="en-US"/>
           </a:p>
@@ -3002,13 +2659,7 @@
       </p:sp>
       <p:sp>
         <p:nvSpPr>
-          <p:cNvPr id="5" name="Footer Placeholder 4">
-            <a:extLst>
-              <a:ext uri="{FF2B5EF4-FFF2-40B4-BE49-F238E27FC236}">
-                <a16:creationId xmlns:a16="http://schemas.microsoft.com/office/drawing/2014/main" id="{F51ECD0E-939B-E380-1D2A-BFCFB5803C6F}"/>
-              </a:ext>
-            </a:extLst>
-          </p:cNvPr>
+          <p:cNvPr id="5" name="Footer Placeholder 4"/>
           <p:cNvSpPr>
             <a:spLocks noGrp="1"/>
           </p:cNvSpPr>
@@ -3018,8 +2669,8 @@
         </p:nvSpPr>
         <p:spPr>
           <a:xfrm>
-            <a:off x="4038600" y="6356350"/>
-            <a:ext cx="4114800" cy="365125"/>
+            <a:off x="4301004" y="11865189"/>
+            <a:ext cx="4382155" cy="681567"/>
           </a:xfrm>
           <a:prstGeom prst="rect">
             <a:avLst/>
@@ -3029,7 +2680,7 @@
           <a:bodyPr vert="horz" lIns="91440" tIns="45720" rIns="91440" bIns="45720" rtlCol="0" anchor="ctr"/>
           <a:lstStyle>
             <a:lvl1pPr algn="ctr">
-              <a:defRPr sz="1200">
+              <a:defRPr sz="1704">
                 <a:solidFill>
                   <a:schemeClr val="tx1">
                     <a:tint val="75000"/>
@@ -3045,13 +2696,7 @@
       </p:sp>
       <p:sp>
         <p:nvSpPr>
-          <p:cNvPr id="6" name="Slide Number Placeholder 5">
-            <a:extLst>
-              <a:ext uri="{FF2B5EF4-FFF2-40B4-BE49-F238E27FC236}">
-                <a16:creationId xmlns:a16="http://schemas.microsoft.com/office/drawing/2014/main" id="{091388BF-ACC1-930F-2B45-EA329B2A010F}"/>
-              </a:ext>
-            </a:extLst>
-          </p:cNvPr>
+          <p:cNvPr id="6" name="Slide Number Placeholder 5"/>
           <p:cNvSpPr>
             <a:spLocks noGrp="1"/>
           </p:cNvSpPr>
@@ -3061,8 +2706,8 @@
         </p:nvSpPr>
         <p:spPr>
           <a:xfrm>
-            <a:off x="8610600" y="6356350"/>
-            <a:ext cx="2743200" cy="365125"/>
+            <a:off x="9170065" y="11865189"/>
+            <a:ext cx="2921437" cy="681567"/>
           </a:xfrm>
           <a:prstGeom prst="rect">
             <a:avLst/>
@@ -3072,7 +2717,7 @@
           <a:bodyPr vert="horz" lIns="91440" tIns="45720" rIns="91440" bIns="45720" rtlCol="0" anchor="ctr"/>
           <a:lstStyle>
             <a:lvl1pPr algn="r">
-              <a:defRPr sz="1200">
+              <a:defRPr sz="1704">
                 <a:solidFill>
                   <a:schemeClr val="tx1">
                     <a:tint val="75000"/>
@@ -3093,27 +2738,27 @@
     </p:spTree>
     <p:extLst>
       <p:ext uri="{BB962C8B-B14F-4D97-AF65-F5344CB8AC3E}">
-        <p14:creationId xmlns:p14="http://schemas.microsoft.com/office/powerpoint/2010/main" val="1394815694"/>
+        <p14:creationId xmlns:p14="http://schemas.microsoft.com/office/powerpoint/2010/main" val="327181487"/>
       </p:ext>
     </p:extLst>
   </p:cSld>
   <p:clrMap bg1="lt1" tx1="dk1" bg2="lt2" tx2="dk2" accent1="accent1" accent2="accent2" accent3="accent3" accent4="accent4" accent5="accent5" accent6="accent6" hlink="hlink" folHlink="folHlink"/>
   <p:sldLayoutIdLst>
-    <p:sldLayoutId id="2147483649" r:id="rId1"/>
-    <p:sldLayoutId id="2147483650" r:id="rId2"/>
-    <p:sldLayoutId id="2147483651" r:id="rId3"/>
-    <p:sldLayoutId id="2147483652" r:id="rId4"/>
-    <p:sldLayoutId id="2147483653" r:id="rId5"/>
-    <p:sldLayoutId id="2147483654" r:id="rId6"/>
-    <p:sldLayoutId id="2147483655" r:id="rId7"/>
-    <p:sldLayoutId id="2147483656" r:id="rId8"/>
-    <p:sldLayoutId id="2147483657" r:id="rId9"/>
-    <p:sldLayoutId id="2147483658" r:id="rId10"/>
-    <p:sldLayoutId id="2147483659" r:id="rId11"/>
+    <p:sldLayoutId id="2147483685" r:id="rId1"/>
+    <p:sldLayoutId id="2147483686" r:id="rId2"/>
+    <p:sldLayoutId id="2147483687" r:id="rId3"/>
+    <p:sldLayoutId id="2147483688" r:id="rId4"/>
+    <p:sldLayoutId id="2147483689" r:id="rId5"/>
+    <p:sldLayoutId id="2147483690" r:id="rId6"/>
+    <p:sldLayoutId id="2147483691" r:id="rId7"/>
+    <p:sldLayoutId id="2147483692" r:id="rId8"/>
+    <p:sldLayoutId id="2147483693" r:id="rId9"/>
+    <p:sldLayoutId id="2147483694" r:id="rId10"/>
+    <p:sldLayoutId id="2147483695" r:id="rId11"/>
   </p:sldLayoutIdLst>
   <p:txStyles>
     <p:titleStyle>
-      <a:lvl1pPr algn="l" defTabSz="914400" rtl="0" eaLnBrk="1" latinLnBrk="0" hangingPunct="1">
+      <a:lvl1pPr algn="l" defTabSz="1298448" rtl="0" eaLnBrk="1" latinLnBrk="0" hangingPunct="1">
         <a:lnSpc>
           <a:spcPct val="90000"/>
         </a:lnSpc>
@@ -3121,7 +2766,7 @@
           <a:spcPct val="0"/>
         </a:spcBef>
         <a:buNone/>
-        <a:defRPr sz="4400" kern="1200">
+        <a:defRPr sz="6248" kern="1200">
           <a:solidFill>
             <a:schemeClr val="tx1"/>
           </a:solidFill>
@@ -3132,16 +2777,16 @@
       </a:lvl1pPr>
     </p:titleStyle>
     <p:bodyStyle>
-      <a:lvl1pPr marL="228600" indent="-228600" algn="l" defTabSz="914400" rtl="0" eaLnBrk="1" latinLnBrk="0" hangingPunct="1">
+      <a:lvl1pPr marL="324612" indent="-324612" algn="l" defTabSz="1298448" rtl="0" eaLnBrk="1" latinLnBrk="0" hangingPunct="1">
         <a:lnSpc>
           <a:spcPct val="90000"/>
         </a:lnSpc>
         <a:spcBef>
-          <a:spcPts val="1000"/>
+          <a:spcPts val="1420"/>
         </a:spcBef>
         <a:buFont typeface="Arial" panose="020B0604020202020204" pitchFamily="34" charset="0"/>
         <a:buChar char="•"/>
-        <a:defRPr sz="2800" kern="1200">
+        <a:defRPr sz="3976" kern="1200">
           <a:solidFill>
             <a:schemeClr val="tx1"/>
           </a:solidFill>
@@ -3150,16 +2795,16 @@
           <a:cs typeface="+mn-cs"/>
         </a:defRPr>
       </a:lvl1pPr>
-      <a:lvl2pPr marL="685800" indent="-228600" algn="l" defTabSz="914400" rtl="0" eaLnBrk="1" latinLnBrk="0" hangingPunct="1">
+      <a:lvl2pPr marL="973836" indent="-324612" algn="l" defTabSz="1298448" rtl="0" eaLnBrk="1" latinLnBrk="0" hangingPunct="1">
         <a:lnSpc>
           <a:spcPct val="90000"/>
         </a:lnSpc>
         <a:spcBef>
-          <a:spcPts val="500"/>
+          <a:spcPts val="710"/>
         </a:spcBef>
         <a:buFont typeface="Arial" panose="020B0604020202020204" pitchFamily="34" charset="0"/>
         <a:buChar char="•"/>
-        <a:defRPr sz="2400" kern="1200">
+        <a:defRPr sz="3408" kern="1200">
           <a:solidFill>
             <a:schemeClr val="tx1"/>
           </a:solidFill>
@@ -3168,16 +2813,16 @@
           <a:cs typeface="+mn-cs"/>
         </a:defRPr>
       </a:lvl2pPr>
-      <a:lvl3pPr marL="1143000" indent="-228600" algn="l" defTabSz="914400" rtl="0" eaLnBrk="1" latinLnBrk="0" hangingPunct="1">
+      <a:lvl3pPr marL="1623060" indent="-324612" algn="l" defTabSz="1298448" rtl="0" eaLnBrk="1" latinLnBrk="0" hangingPunct="1">
         <a:lnSpc>
           <a:spcPct val="90000"/>
         </a:lnSpc>
         <a:spcBef>
-          <a:spcPts val="500"/>
+          <a:spcPts val="710"/>
         </a:spcBef>
         <a:buFont typeface="Arial" panose="020B0604020202020204" pitchFamily="34" charset="0"/>
         <a:buChar char="•"/>
-        <a:defRPr sz="2000" kern="1200">
+        <a:defRPr sz="2840" kern="1200">
           <a:solidFill>
             <a:schemeClr val="tx1"/>
           </a:solidFill>
@@ -3186,16 +2831,16 @@
           <a:cs typeface="+mn-cs"/>
         </a:defRPr>
       </a:lvl3pPr>
-      <a:lvl4pPr marL="1600200" indent="-228600" algn="l" defTabSz="914400" rtl="0" eaLnBrk="1" latinLnBrk="0" hangingPunct="1">
+      <a:lvl4pPr marL="2272284" indent="-324612" algn="l" defTabSz="1298448" rtl="0" eaLnBrk="1" latinLnBrk="0" hangingPunct="1">
         <a:lnSpc>
           <a:spcPct val="90000"/>
         </a:lnSpc>
         <a:spcBef>
-          <a:spcPts val="500"/>
+          <a:spcPts val="710"/>
         </a:spcBef>
         <a:buFont typeface="Arial" panose="020B0604020202020204" pitchFamily="34" charset="0"/>
         <a:buChar char="•"/>
-        <a:defRPr sz="1800" kern="1200">
+        <a:defRPr sz="2556" kern="1200">
           <a:solidFill>
             <a:schemeClr val="tx1"/>
           </a:solidFill>
@@ -3204,16 +2849,16 @@
           <a:cs typeface="+mn-cs"/>
         </a:defRPr>
       </a:lvl4pPr>
-      <a:lvl5pPr marL="2057400" indent="-228600" algn="l" defTabSz="914400" rtl="0" eaLnBrk="1" latinLnBrk="0" hangingPunct="1">
+      <a:lvl5pPr marL="2921508" indent="-324612" algn="l" defTabSz="1298448" rtl="0" eaLnBrk="1" latinLnBrk="0" hangingPunct="1">
         <a:lnSpc>
           <a:spcPct val="90000"/>
         </a:lnSpc>
         <a:spcBef>
-          <a:spcPts val="500"/>
+          <a:spcPts val="710"/>
         </a:spcBef>
         <a:buFont typeface="Arial" panose="020B0604020202020204" pitchFamily="34" charset="0"/>
         <a:buChar char="•"/>
-        <a:defRPr sz="1800" kern="1200">
+        <a:defRPr sz="2556" kern="1200">
           <a:solidFill>
             <a:schemeClr val="tx1"/>
           </a:solidFill>
@@ -3222,16 +2867,16 @@
           <a:cs typeface="+mn-cs"/>
         </a:defRPr>
       </a:lvl5pPr>
-      <a:lvl6pPr marL="2514600" indent="-228600" algn="l" defTabSz="914400" rtl="0" eaLnBrk="1" latinLnBrk="0" hangingPunct="1">
+      <a:lvl6pPr marL="3570732" indent="-324612" algn="l" defTabSz="1298448" rtl="0" eaLnBrk="1" latinLnBrk="0" hangingPunct="1">
         <a:lnSpc>
           <a:spcPct val="90000"/>
         </a:lnSpc>
         <a:spcBef>
-          <a:spcPts val="500"/>
+          <a:spcPts val="710"/>
         </a:spcBef>
         <a:buFont typeface="Arial" panose="020B0604020202020204" pitchFamily="34" charset="0"/>
         <a:buChar char="•"/>
-        <a:defRPr sz="1800" kern="1200">
+        <a:defRPr sz="2556" kern="1200">
           <a:solidFill>
             <a:schemeClr val="tx1"/>
           </a:solidFill>
@@ -3240,16 +2885,16 @@
           <a:cs typeface="+mn-cs"/>
         </a:defRPr>
       </a:lvl6pPr>
-      <a:lvl7pPr marL="2971800" indent="-228600" algn="l" defTabSz="914400" rtl="0" eaLnBrk="1" latinLnBrk="0" hangingPunct="1">
+      <a:lvl7pPr marL="4219956" indent="-324612" algn="l" defTabSz="1298448" rtl="0" eaLnBrk="1" latinLnBrk="0" hangingPunct="1">
         <a:lnSpc>
           <a:spcPct val="90000"/>
         </a:lnSpc>
         <a:spcBef>
-          <a:spcPts val="500"/>
+          <a:spcPts val="710"/>
         </a:spcBef>
         <a:buFont typeface="Arial" panose="020B0604020202020204" pitchFamily="34" charset="0"/>
         <a:buChar char="•"/>
-        <a:defRPr sz="1800" kern="1200">
+        <a:defRPr sz="2556" kern="1200">
           <a:solidFill>
             <a:schemeClr val="tx1"/>
           </a:solidFill>
@@ -3258,16 +2903,16 @@
           <a:cs typeface="+mn-cs"/>
         </a:defRPr>
       </a:lvl7pPr>
-      <a:lvl8pPr marL="3429000" indent="-228600" algn="l" defTabSz="914400" rtl="0" eaLnBrk="1" latinLnBrk="0" hangingPunct="1">
+      <a:lvl8pPr marL="4869180" indent="-324612" algn="l" defTabSz="1298448" rtl="0" eaLnBrk="1" latinLnBrk="0" hangingPunct="1">
         <a:lnSpc>
           <a:spcPct val="90000"/>
         </a:lnSpc>
         <a:spcBef>
-          <a:spcPts val="500"/>
+          <a:spcPts val="710"/>
         </a:spcBef>
         <a:buFont typeface="Arial" panose="020B0604020202020204" pitchFamily="34" charset="0"/>
         <a:buChar char="•"/>
-        <a:defRPr sz="1800" kern="1200">
+        <a:defRPr sz="2556" kern="1200">
           <a:solidFill>
             <a:schemeClr val="tx1"/>
           </a:solidFill>
@@ -3276,16 +2921,16 @@
           <a:cs typeface="+mn-cs"/>
         </a:defRPr>
       </a:lvl8pPr>
-      <a:lvl9pPr marL="3886200" indent="-228600" algn="l" defTabSz="914400" rtl="0" eaLnBrk="1" latinLnBrk="0" hangingPunct="1">
+      <a:lvl9pPr marL="5518404" indent="-324612" algn="l" defTabSz="1298448" rtl="0" eaLnBrk="1" latinLnBrk="0" hangingPunct="1">
         <a:lnSpc>
           <a:spcPct val="90000"/>
         </a:lnSpc>
         <a:spcBef>
-          <a:spcPts val="500"/>
+          <a:spcPts val="710"/>
         </a:spcBef>
         <a:buFont typeface="Arial" panose="020B0604020202020204" pitchFamily="34" charset="0"/>
         <a:buChar char="•"/>
-        <a:defRPr sz="1800" kern="1200">
+        <a:defRPr sz="2556" kern="1200">
           <a:solidFill>
             <a:schemeClr val="tx1"/>
           </a:solidFill>
@@ -3299,8 +2944,8 @@
       <a:defPPr>
         <a:defRPr lang="en-US"/>
       </a:defPPr>
-      <a:lvl1pPr marL="0" algn="l" defTabSz="914400" rtl="0" eaLnBrk="1" latinLnBrk="0" hangingPunct="1">
-        <a:defRPr sz="1800" kern="1200">
+      <a:lvl1pPr marL="0" algn="l" defTabSz="1298448" rtl="0" eaLnBrk="1" latinLnBrk="0" hangingPunct="1">
+        <a:defRPr sz="2556" kern="1200">
           <a:solidFill>
             <a:schemeClr val="tx1"/>
           </a:solidFill>
@@ -3309,8 +2954,8 @@
           <a:cs typeface="+mn-cs"/>
         </a:defRPr>
       </a:lvl1pPr>
-      <a:lvl2pPr marL="457200" algn="l" defTabSz="914400" rtl="0" eaLnBrk="1" latinLnBrk="0" hangingPunct="1">
-        <a:defRPr sz="1800" kern="1200">
+      <a:lvl2pPr marL="649224" algn="l" defTabSz="1298448" rtl="0" eaLnBrk="1" latinLnBrk="0" hangingPunct="1">
+        <a:defRPr sz="2556" kern="1200">
           <a:solidFill>
             <a:schemeClr val="tx1"/>
           </a:solidFill>
@@ -3319,8 +2964,8 @@
           <a:cs typeface="+mn-cs"/>
         </a:defRPr>
       </a:lvl2pPr>
-      <a:lvl3pPr marL="914400" algn="l" defTabSz="914400" rtl="0" eaLnBrk="1" latinLnBrk="0" hangingPunct="1">
-        <a:defRPr sz="1800" kern="1200">
+      <a:lvl3pPr marL="1298448" algn="l" defTabSz="1298448" rtl="0" eaLnBrk="1" latinLnBrk="0" hangingPunct="1">
+        <a:defRPr sz="2556" kern="1200">
           <a:solidFill>
             <a:schemeClr val="tx1"/>
           </a:solidFill>
@@ -3329,8 +2974,8 @@
           <a:cs typeface="+mn-cs"/>
         </a:defRPr>
       </a:lvl3pPr>
-      <a:lvl4pPr marL="1371600" algn="l" defTabSz="914400" rtl="0" eaLnBrk="1" latinLnBrk="0" hangingPunct="1">
-        <a:defRPr sz="1800" kern="1200">
+      <a:lvl4pPr marL="1947672" algn="l" defTabSz="1298448" rtl="0" eaLnBrk="1" latinLnBrk="0" hangingPunct="1">
+        <a:defRPr sz="2556" kern="1200">
           <a:solidFill>
             <a:schemeClr val="tx1"/>
           </a:solidFill>
@@ -3339,8 +2984,8 @@
           <a:cs typeface="+mn-cs"/>
         </a:defRPr>
       </a:lvl4pPr>
-      <a:lvl5pPr marL="1828800" algn="l" defTabSz="914400" rtl="0" eaLnBrk="1" latinLnBrk="0" hangingPunct="1">
-        <a:defRPr sz="1800" kern="1200">
+      <a:lvl5pPr marL="2596896" algn="l" defTabSz="1298448" rtl="0" eaLnBrk="1" latinLnBrk="0" hangingPunct="1">
+        <a:defRPr sz="2556" kern="1200">
           <a:solidFill>
             <a:schemeClr val="tx1"/>
           </a:solidFill>
@@ -3349,8 +2994,8 @@
           <a:cs typeface="+mn-cs"/>
         </a:defRPr>
       </a:lvl5pPr>
-      <a:lvl6pPr marL="2286000" algn="l" defTabSz="914400" rtl="0" eaLnBrk="1" latinLnBrk="0" hangingPunct="1">
-        <a:defRPr sz="1800" kern="1200">
+      <a:lvl6pPr marL="3246120" algn="l" defTabSz="1298448" rtl="0" eaLnBrk="1" latinLnBrk="0" hangingPunct="1">
+        <a:defRPr sz="2556" kern="1200">
           <a:solidFill>
             <a:schemeClr val="tx1"/>
           </a:solidFill>
@@ -3359,8 +3004,8 @@
           <a:cs typeface="+mn-cs"/>
         </a:defRPr>
       </a:lvl6pPr>
-      <a:lvl7pPr marL="2743200" algn="l" defTabSz="914400" rtl="0" eaLnBrk="1" latinLnBrk="0" hangingPunct="1">
-        <a:defRPr sz="1800" kern="1200">
+      <a:lvl7pPr marL="3895344" algn="l" defTabSz="1298448" rtl="0" eaLnBrk="1" latinLnBrk="0" hangingPunct="1">
+        <a:defRPr sz="2556" kern="1200">
           <a:solidFill>
             <a:schemeClr val="tx1"/>
           </a:solidFill>
@@ -3369,8 +3014,8 @@
           <a:cs typeface="+mn-cs"/>
         </a:defRPr>
       </a:lvl7pPr>
-      <a:lvl8pPr marL="3200400" algn="l" defTabSz="914400" rtl="0" eaLnBrk="1" latinLnBrk="0" hangingPunct="1">
-        <a:defRPr sz="1800" kern="1200">
+      <a:lvl8pPr marL="4544568" algn="l" defTabSz="1298448" rtl="0" eaLnBrk="1" latinLnBrk="0" hangingPunct="1">
+        <a:defRPr sz="2556" kern="1200">
           <a:solidFill>
             <a:schemeClr val="tx1"/>
           </a:solidFill>
@@ -3379,8 +3024,8 @@
           <a:cs typeface="+mn-cs"/>
         </a:defRPr>
       </a:lvl8pPr>
-      <a:lvl9pPr marL="3657600" algn="l" defTabSz="914400" rtl="0" eaLnBrk="1" latinLnBrk="0" hangingPunct="1">
-        <a:defRPr sz="1800" kern="1200">
+      <a:lvl9pPr marL="5193792" algn="l" defTabSz="1298448" rtl="0" eaLnBrk="1" latinLnBrk="0" hangingPunct="1">
+        <a:defRPr sz="2556" kern="1200">
           <a:solidFill>
             <a:schemeClr val="tx1"/>
           </a:solidFill>
@@ -3411,1240 +3056,2301 @@
           <a:chExt cx="0" cy="0"/>
         </a:xfrm>
       </p:grpSpPr>
-      <p:pic>
-        <p:nvPicPr>
-          <p:cNvPr id="7" name="Picture 6" descr="Chart, scatter chart&#10;&#10;Description automatically generated">
+      <p:grpSp>
+        <p:nvGrpSpPr>
+          <p:cNvPr id="169" name="Group 168">
             <a:extLst>
               <a:ext uri="{FF2B5EF4-FFF2-40B4-BE49-F238E27FC236}">
-                <a16:creationId xmlns:a16="http://schemas.microsoft.com/office/drawing/2014/main" id="{ECBA3DC3-223E-775C-DCB9-51143877DB6C}"/>
+                <a16:creationId xmlns:a16="http://schemas.microsoft.com/office/drawing/2014/main" id="{60B5A92F-3B7A-1712-4878-4649667B33B6}"/>
               </a:ext>
             </a:extLst>
           </p:cNvPr>
-          <p:cNvPicPr>
-            <a:picLocks noChangeAspect="1"/>
-          </p:cNvPicPr>
+          <p:cNvGrpSpPr/>
           <p:nvPr/>
-        </p:nvPicPr>
-        <p:blipFill rotWithShape="1">
-          <a:blip r:embed="rId2"/>
-          <a:srcRect t="3731"/>
-          <a:stretch/>
-        </p:blipFill>
-        <p:spPr>
+        </p:nvGrpSpPr>
+        <p:grpSpPr>
           <a:xfrm>
-            <a:off x="86498" y="365760"/>
-            <a:ext cx="12052057" cy="6294532"/>
+            <a:off x="0" y="128017"/>
+            <a:ext cx="13066813" cy="12673583"/>
+            <a:chOff x="-181126" y="-141787"/>
+            <a:chExt cx="13066813" cy="12673583"/>
           </a:xfrm>
-          <a:prstGeom prst="rect">
-            <a:avLst/>
-          </a:prstGeom>
-        </p:spPr>
-      </p:pic>
-      <p:cxnSp>
-        <p:nvCxnSpPr>
-          <p:cNvPr id="9" name="Straight Arrow Connector 8">
-            <a:extLst>
-              <a:ext uri="{FF2B5EF4-FFF2-40B4-BE49-F238E27FC236}">
-                <a16:creationId xmlns:a16="http://schemas.microsoft.com/office/drawing/2014/main" id="{027DABB1-2061-63AC-734C-359CCF0563A9}"/>
-              </a:ext>
-            </a:extLst>
-          </p:cNvPr>
-          <p:cNvCxnSpPr>
-            <a:cxnSpLocks/>
-          </p:cNvCxnSpPr>
-          <p:nvPr/>
-        </p:nvCxnSpPr>
-        <p:spPr>
-          <a:xfrm flipV="1">
-            <a:off x="11226188" y="870332"/>
-            <a:ext cx="429659" cy="85514"/>
-          </a:xfrm>
-          <a:prstGeom prst="straightConnector1">
-            <a:avLst/>
-          </a:prstGeom>
-          <a:ln w="9525">
-            <a:solidFill>
-              <a:schemeClr val="accent2"/>
-            </a:solidFill>
-            <a:tailEnd type="triangle"/>
-          </a:ln>
-          <a:effectLst/>
-        </p:spPr>
-        <p:style>
-          <a:lnRef idx="1">
-            <a:schemeClr val="accent1"/>
-          </a:lnRef>
-          <a:fillRef idx="0">
-            <a:schemeClr val="accent1"/>
-          </a:fillRef>
-          <a:effectRef idx="0">
-            <a:schemeClr val="accent1"/>
-          </a:effectRef>
-          <a:fontRef idx="minor">
-            <a:schemeClr val="tx1"/>
-          </a:fontRef>
-        </p:style>
-      </p:cxnSp>
-      <p:sp>
-        <p:nvSpPr>
-          <p:cNvPr id="12" name="TextBox 11">
-            <a:extLst>
-              <a:ext uri="{FF2B5EF4-FFF2-40B4-BE49-F238E27FC236}">
-                <a16:creationId xmlns:a16="http://schemas.microsoft.com/office/drawing/2014/main" id="{5F4CD772-3D23-E43F-7D7F-4546A90A1F59}"/>
-              </a:ext>
-            </a:extLst>
-          </p:cNvPr>
-          <p:cNvSpPr txBox="1"/>
-          <p:nvPr/>
-        </p:nvSpPr>
-        <p:spPr>
-          <a:xfrm>
-            <a:off x="10424160" y="768096"/>
-            <a:ext cx="892365" cy="369332"/>
-          </a:xfrm>
-          <a:prstGeom prst="rect">
-            <a:avLst/>
-          </a:prstGeom>
-          <a:noFill/>
-        </p:spPr>
-        <p:txBody>
-          <a:bodyPr wrap="square" rtlCol="0">
-            <a:spAutoFit/>
-          </a:bodyPr>
-          <a:lstStyle/>
-          <a:p>
-            <a:r>
-              <a:rPr lang="en-US" dirty="0">
+        </p:grpSpPr>
+        <p:grpSp>
+          <p:nvGrpSpPr>
+            <p:cNvPr id="170" name="Group 169">
+              <a:extLst>
+                <a:ext uri="{FF2B5EF4-FFF2-40B4-BE49-F238E27FC236}">
+                  <a16:creationId xmlns:a16="http://schemas.microsoft.com/office/drawing/2014/main" id="{9B7BD668-F97B-7123-B927-CEC1B5C5E284}"/>
+                </a:ext>
+              </a:extLst>
+            </p:cNvPr>
+            <p:cNvGrpSpPr/>
+            <p:nvPr/>
+          </p:nvGrpSpPr>
+          <p:grpSpPr>
+            <a:xfrm>
+              <a:off x="457200" y="384047"/>
+              <a:ext cx="12086504" cy="11520370"/>
+              <a:chOff x="457200" y="384047"/>
+              <a:chExt cx="12086504" cy="11520370"/>
+            </a:xfrm>
+          </p:grpSpPr>
+          <p:pic>
+            <p:nvPicPr>
+              <p:cNvPr id="177" name="Graphic 176">
+                <a:extLst>
+                  <a:ext uri="{FF2B5EF4-FFF2-40B4-BE49-F238E27FC236}">
+                    <a16:creationId xmlns:a16="http://schemas.microsoft.com/office/drawing/2014/main" id="{D50DB7F9-B106-E594-A113-3AB6B760D24E}"/>
+                  </a:ext>
+                </a:extLst>
+              </p:cNvPr>
+              <p:cNvPicPr>
+                <a:picLocks noChangeAspect="1"/>
+              </p:cNvPicPr>
+              <p:nvPr/>
+            </p:nvPicPr>
+            <p:blipFill>
+              <a:blip r:embed="rId2">
+                <a:extLst>
+                  <a:ext uri="{96DAC541-7B7A-43D3-8B79-37D633B846F1}">
+                    <asvg:svgBlip xmlns:asvg="http://schemas.microsoft.com/office/drawing/2016/SVG/main" r:embed="rId3"/>
+                  </a:ext>
+                </a:extLst>
+              </a:blip>
+              <a:stretch>
+                <a:fillRect/>
+              </a:stretch>
+            </p:blipFill>
+            <p:spPr>
+              <a:xfrm>
+                <a:off x="457200" y="384047"/>
+                <a:ext cx="11731752" cy="11520370"/>
+              </a:xfrm>
+              <a:prstGeom prst="rect">
+                <a:avLst/>
+              </a:prstGeom>
+            </p:spPr>
+          </p:pic>
+          <p:cxnSp>
+            <p:nvCxnSpPr>
+              <p:cNvPr id="178" name="Straight Arrow Connector 177">
+                <a:extLst>
+                  <a:ext uri="{FF2B5EF4-FFF2-40B4-BE49-F238E27FC236}">
+                    <a16:creationId xmlns:a16="http://schemas.microsoft.com/office/drawing/2014/main" id="{4A14449E-E5E4-ECF9-5EA6-7ED915716070}"/>
+                  </a:ext>
+                </a:extLst>
+              </p:cNvPr>
+              <p:cNvCxnSpPr>
+                <a:cxnSpLocks/>
+              </p:cNvCxnSpPr>
+              <p:nvPr/>
+            </p:nvCxnSpPr>
+            <p:spPr>
+              <a:xfrm flipV="1">
+                <a:off x="11226188" y="878287"/>
+                <a:ext cx="508612" cy="77559"/>
+              </a:xfrm>
+              <a:prstGeom prst="straightConnector1">
+                <a:avLst/>
+              </a:prstGeom>
+              <a:ln w="9525">
                 <a:solidFill>
                   <a:schemeClr val="accent2"/>
                 </a:solidFill>
-                <a:latin typeface="Arial" panose="020B0604020202020204" pitchFamily="34" charset="0"/>
-                <a:cs typeface="Arial" panose="020B0604020202020204" pitchFamily="34" charset="0"/>
-              </a:rPr>
-              <a:t>human</a:t>
-            </a:r>
-          </a:p>
-        </p:txBody>
-      </p:sp>
-      <p:sp>
-        <p:nvSpPr>
-          <p:cNvPr id="18" name="TextBox 17">
-            <a:extLst>
-              <a:ext uri="{FF2B5EF4-FFF2-40B4-BE49-F238E27FC236}">
-                <a16:creationId xmlns:a16="http://schemas.microsoft.com/office/drawing/2014/main" id="{57781EE9-F61C-DCED-E147-34DA47F398BC}"/>
-              </a:ext>
-            </a:extLst>
-          </p:cNvPr>
-          <p:cNvSpPr txBox="1"/>
-          <p:nvPr/>
-        </p:nvSpPr>
-        <p:spPr>
-          <a:xfrm>
-            <a:off x="5120088" y="2426291"/>
-            <a:ext cx="892365" cy="369332"/>
-          </a:xfrm>
-          <a:prstGeom prst="rect">
-            <a:avLst/>
-          </a:prstGeom>
-          <a:noFill/>
-        </p:spPr>
-        <p:txBody>
-          <a:bodyPr wrap="square" rtlCol="0">
-            <a:spAutoFit/>
-          </a:bodyPr>
-          <a:lstStyle/>
-          <a:p>
-            <a:r>
-              <a:rPr lang="en-US" dirty="0">
+                <a:tailEnd type="triangle"/>
+              </a:ln>
+              <a:effectLst/>
+            </p:spPr>
+            <p:style>
+              <a:lnRef idx="1">
+                <a:schemeClr val="accent1"/>
+              </a:lnRef>
+              <a:fillRef idx="0">
+                <a:schemeClr val="accent1"/>
+              </a:fillRef>
+              <a:effectRef idx="0">
+                <a:schemeClr val="accent1"/>
+              </a:effectRef>
+              <a:fontRef idx="minor">
+                <a:schemeClr val="tx1"/>
+              </a:fontRef>
+            </p:style>
+          </p:cxnSp>
+          <p:sp>
+            <p:nvSpPr>
+              <p:cNvPr id="179" name="TextBox 178">
+                <a:extLst>
+                  <a:ext uri="{FF2B5EF4-FFF2-40B4-BE49-F238E27FC236}">
+                    <a16:creationId xmlns:a16="http://schemas.microsoft.com/office/drawing/2014/main" id="{0BF29863-1DE9-7B10-1309-A00220959973}"/>
+                  </a:ext>
+                </a:extLst>
+              </p:cNvPr>
+              <p:cNvSpPr txBox="1"/>
+              <p:nvPr/>
+            </p:nvSpPr>
+            <p:spPr>
+              <a:xfrm>
+                <a:off x="10424160" y="768096"/>
+                <a:ext cx="892365" cy="369332"/>
+              </a:xfrm>
+              <a:prstGeom prst="rect">
+                <a:avLst/>
+              </a:prstGeom>
+              <a:noFill/>
+            </p:spPr>
+            <p:txBody>
+              <a:bodyPr wrap="square" rtlCol="0">
+                <a:spAutoFit/>
+              </a:bodyPr>
+              <a:lstStyle/>
+              <a:p>
+                <a:r>
+                  <a:rPr lang="en-US" dirty="0">
+                    <a:solidFill>
+                      <a:schemeClr val="accent2"/>
+                    </a:solidFill>
+                    <a:latin typeface="Arial" panose="020B0604020202020204" pitchFamily="34" charset="0"/>
+                    <a:cs typeface="Arial" panose="020B0604020202020204" pitchFamily="34" charset="0"/>
+                  </a:rPr>
+                  <a:t>human</a:t>
+                </a:r>
+              </a:p>
+            </p:txBody>
+          </p:sp>
+          <p:sp>
+            <p:nvSpPr>
+              <p:cNvPr id="180" name="TextBox 179">
+                <a:extLst>
+                  <a:ext uri="{FF2B5EF4-FFF2-40B4-BE49-F238E27FC236}">
+                    <a16:creationId xmlns:a16="http://schemas.microsoft.com/office/drawing/2014/main" id="{5E3BEA7F-D9E7-3F3F-A1C1-DA56F2316C6C}"/>
+                  </a:ext>
+                </a:extLst>
+              </p:cNvPr>
+              <p:cNvSpPr txBox="1"/>
+              <p:nvPr/>
+            </p:nvSpPr>
+            <p:spPr>
+              <a:xfrm>
+                <a:off x="5120088" y="2426291"/>
+                <a:ext cx="892365" cy="369332"/>
+              </a:xfrm>
+              <a:prstGeom prst="rect">
+                <a:avLst/>
+              </a:prstGeom>
+              <a:noFill/>
+            </p:spPr>
+            <p:txBody>
+              <a:bodyPr wrap="square" rtlCol="0">
+                <a:spAutoFit/>
+              </a:bodyPr>
+              <a:lstStyle/>
+              <a:p>
+                <a:r>
+                  <a:rPr lang="en-US" dirty="0">
+                    <a:solidFill>
+                      <a:schemeClr val="accent2"/>
+                    </a:solidFill>
+                    <a:latin typeface="Arial" panose="020B0604020202020204" pitchFamily="34" charset="0"/>
+                    <a:cs typeface="Arial" panose="020B0604020202020204" pitchFamily="34" charset="0"/>
+                  </a:rPr>
+                  <a:t>human</a:t>
+                </a:r>
+              </a:p>
+            </p:txBody>
+          </p:sp>
+          <p:cxnSp>
+            <p:nvCxnSpPr>
+              <p:cNvPr id="181" name="Straight Arrow Connector 180">
+                <a:extLst>
+                  <a:ext uri="{FF2B5EF4-FFF2-40B4-BE49-F238E27FC236}">
+                    <a16:creationId xmlns:a16="http://schemas.microsoft.com/office/drawing/2014/main" id="{EE6118C3-FC68-F12E-DB5B-D1990DC26098}"/>
+                  </a:ext>
+                </a:extLst>
+              </p:cNvPr>
+              <p:cNvCxnSpPr>
+                <a:cxnSpLocks/>
+              </p:cNvCxnSpPr>
+              <p:nvPr/>
+            </p:nvCxnSpPr>
+            <p:spPr>
+              <a:xfrm flipH="1" flipV="1">
+                <a:off x="5244029" y="2192357"/>
+                <a:ext cx="105577" cy="280489"/>
+              </a:xfrm>
+              <a:prstGeom prst="straightConnector1">
+                <a:avLst/>
+              </a:prstGeom>
+              <a:ln w="9525">
                 <a:solidFill>
                   <a:schemeClr val="accent2"/>
                 </a:solidFill>
-                <a:latin typeface="Arial" panose="020B0604020202020204" pitchFamily="34" charset="0"/>
-                <a:cs typeface="Arial" panose="020B0604020202020204" pitchFamily="34" charset="0"/>
-              </a:rPr>
-              <a:t>human</a:t>
-            </a:r>
-          </a:p>
-        </p:txBody>
-      </p:sp>
-      <p:cxnSp>
-        <p:nvCxnSpPr>
-          <p:cNvPr id="19" name="Straight Arrow Connector 18">
-            <a:extLst>
-              <a:ext uri="{FF2B5EF4-FFF2-40B4-BE49-F238E27FC236}">
-                <a16:creationId xmlns:a16="http://schemas.microsoft.com/office/drawing/2014/main" id="{C5C3BBCD-7A37-A86F-C7B2-15337BE246E8}"/>
-              </a:ext>
-            </a:extLst>
-          </p:cNvPr>
-          <p:cNvCxnSpPr>
-            <a:cxnSpLocks/>
-          </p:cNvCxnSpPr>
-          <p:nvPr/>
-        </p:nvCxnSpPr>
-        <p:spPr>
-          <a:xfrm flipH="1" flipV="1">
-            <a:off x="5244029" y="2192357"/>
-            <a:ext cx="105577" cy="280489"/>
-          </a:xfrm>
-          <a:prstGeom prst="straightConnector1">
-            <a:avLst/>
-          </a:prstGeom>
-          <a:ln w="9525">
-            <a:solidFill>
-              <a:schemeClr val="accent2"/>
-            </a:solidFill>
-            <a:tailEnd type="triangle"/>
-          </a:ln>
-          <a:effectLst/>
-        </p:spPr>
-        <p:style>
-          <a:lnRef idx="1">
-            <a:schemeClr val="accent1"/>
-          </a:lnRef>
-          <a:fillRef idx="0">
-            <a:schemeClr val="accent1"/>
-          </a:fillRef>
-          <a:effectRef idx="0">
-            <a:schemeClr val="accent1"/>
-          </a:effectRef>
-          <a:fontRef idx="minor">
-            <a:schemeClr val="tx1"/>
-          </a:fontRef>
-        </p:style>
-      </p:cxnSp>
-      <p:sp>
-        <p:nvSpPr>
-          <p:cNvPr id="21" name="TextBox 20">
-            <a:extLst>
-              <a:ext uri="{FF2B5EF4-FFF2-40B4-BE49-F238E27FC236}">
-                <a16:creationId xmlns:a16="http://schemas.microsoft.com/office/drawing/2014/main" id="{864A8363-032C-F87D-7346-D0801A4FA146}"/>
-              </a:ext>
-            </a:extLst>
-          </p:cNvPr>
-          <p:cNvSpPr txBox="1"/>
-          <p:nvPr/>
-        </p:nvSpPr>
-        <p:spPr>
-          <a:xfrm>
-            <a:off x="2997506" y="4443733"/>
-            <a:ext cx="1568067" cy="369332"/>
-          </a:xfrm>
-          <a:prstGeom prst="rect">
-            <a:avLst/>
-          </a:prstGeom>
-          <a:noFill/>
-        </p:spPr>
-        <p:txBody>
-          <a:bodyPr wrap="square" rtlCol="0">
-            <a:spAutoFit/>
-          </a:bodyPr>
-          <a:lstStyle/>
-          <a:p>
-            <a:r>
-              <a:rPr lang="en-US" dirty="0">
+                <a:tailEnd type="triangle"/>
+              </a:ln>
+              <a:effectLst/>
+            </p:spPr>
+            <p:style>
+              <a:lnRef idx="1">
+                <a:schemeClr val="accent1"/>
+              </a:lnRef>
+              <a:fillRef idx="0">
+                <a:schemeClr val="accent1"/>
+              </a:fillRef>
+              <a:effectRef idx="0">
+                <a:schemeClr val="accent1"/>
+              </a:effectRef>
+              <a:fontRef idx="minor">
+                <a:schemeClr val="tx1"/>
+              </a:fontRef>
+            </p:style>
+          </p:cxnSp>
+          <p:sp>
+            <p:nvSpPr>
+              <p:cNvPr id="182" name="TextBox 181">
+                <a:extLst>
+                  <a:ext uri="{FF2B5EF4-FFF2-40B4-BE49-F238E27FC236}">
+                    <a16:creationId xmlns:a16="http://schemas.microsoft.com/office/drawing/2014/main" id="{3EEE9DAC-008E-F1A5-60CB-08B97FC050E4}"/>
+                  </a:ext>
+                </a:extLst>
+              </p:cNvPr>
+              <p:cNvSpPr txBox="1"/>
+              <p:nvPr/>
+            </p:nvSpPr>
+            <p:spPr>
+              <a:xfrm>
+                <a:off x="2997506" y="4443733"/>
+                <a:ext cx="1568067" cy="369332"/>
+              </a:xfrm>
+              <a:prstGeom prst="rect">
+                <a:avLst/>
+              </a:prstGeom>
+              <a:noFill/>
+            </p:spPr>
+            <p:txBody>
+              <a:bodyPr wrap="square" rtlCol="0">
+                <a:spAutoFit/>
+              </a:bodyPr>
+              <a:lstStyle/>
+              <a:p>
+                <a:r>
+                  <a:rPr lang="en-US" dirty="0">
+                    <a:solidFill>
+                      <a:schemeClr val="accent1"/>
+                    </a:solidFill>
+                    <a:latin typeface="Arial" panose="020B0604020202020204" pitchFamily="34" charset="0"/>
+                    <a:cs typeface="Arial" panose="020B0604020202020204" pitchFamily="34" charset="0"/>
+                  </a:rPr>
+                  <a:t>raccoon dog</a:t>
+                </a:r>
+              </a:p>
+            </p:txBody>
+          </p:sp>
+          <p:cxnSp>
+            <p:nvCxnSpPr>
+              <p:cNvPr id="183" name="Straight Arrow Connector 182">
+                <a:extLst>
+                  <a:ext uri="{FF2B5EF4-FFF2-40B4-BE49-F238E27FC236}">
+                    <a16:creationId xmlns:a16="http://schemas.microsoft.com/office/drawing/2014/main" id="{53BD04F8-C089-FA6B-1F5B-25025F871220}"/>
+                  </a:ext>
+                </a:extLst>
+              </p:cNvPr>
+              <p:cNvCxnSpPr>
+                <a:cxnSpLocks/>
+              </p:cNvCxnSpPr>
+              <p:nvPr/>
+            </p:nvCxnSpPr>
+            <p:spPr>
+              <a:xfrm flipH="1" flipV="1">
+                <a:off x="2886868" y="4431932"/>
+                <a:ext cx="229518" cy="185715"/>
+              </a:xfrm>
+              <a:prstGeom prst="straightConnector1">
+                <a:avLst/>
+              </a:prstGeom>
+              <a:ln w="9525">
                 <a:solidFill>
                   <a:schemeClr val="accent1"/>
                 </a:solidFill>
-                <a:latin typeface="Arial" panose="020B0604020202020204" pitchFamily="34" charset="0"/>
-                <a:cs typeface="Arial" panose="020B0604020202020204" pitchFamily="34" charset="0"/>
-              </a:rPr>
-              <a:t>raccoon dog</a:t>
-            </a:r>
-          </a:p>
-        </p:txBody>
-      </p:sp>
-      <p:cxnSp>
-        <p:nvCxnSpPr>
-          <p:cNvPr id="22" name="Straight Arrow Connector 21">
-            <a:extLst>
-              <a:ext uri="{FF2B5EF4-FFF2-40B4-BE49-F238E27FC236}">
-                <a16:creationId xmlns:a16="http://schemas.microsoft.com/office/drawing/2014/main" id="{61E6A2D1-C566-231F-54F2-966DB8EE88D7}"/>
-              </a:ext>
-            </a:extLst>
-          </p:cNvPr>
-          <p:cNvCxnSpPr>
-            <a:cxnSpLocks/>
-          </p:cNvCxnSpPr>
-          <p:nvPr/>
-        </p:nvCxnSpPr>
-        <p:spPr>
-          <a:xfrm flipH="1" flipV="1">
-            <a:off x="2767988" y="4442684"/>
-            <a:ext cx="229518" cy="185715"/>
-          </a:xfrm>
-          <a:prstGeom prst="straightConnector1">
-            <a:avLst/>
-          </a:prstGeom>
-          <a:ln w="9525">
-            <a:solidFill>
-              <a:schemeClr val="accent1"/>
-            </a:solidFill>
-            <a:tailEnd type="triangle"/>
-          </a:ln>
-          <a:effectLst/>
-        </p:spPr>
-        <p:style>
-          <a:lnRef idx="1">
-            <a:schemeClr val="accent1"/>
-          </a:lnRef>
-          <a:fillRef idx="0">
-            <a:schemeClr val="accent1"/>
-          </a:fillRef>
-          <a:effectRef idx="0">
-            <a:schemeClr val="accent1"/>
-          </a:effectRef>
-          <a:fontRef idx="minor">
-            <a:schemeClr val="tx1"/>
-          </a:fontRef>
-        </p:style>
-      </p:cxnSp>
-      <p:sp>
-        <p:nvSpPr>
-          <p:cNvPr id="23" name="TextBox 22">
-            <a:extLst>
-              <a:ext uri="{FF2B5EF4-FFF2-40B4-BE49-F238E27FC236}">
-                <a16:creationId xmlns:a16="http://schemas.microsoft.com/office/drawing/2014/main" id="{2D2E255A-CE21-D6A0-EEB6-94F5E05E899F}"/>
-              </a:ext>
-            </a:extLst>
-          </p:cNvPr>
-          <p:cNvSpPr txBox="1"/>
-          <p:nvPr/>
-        </p:nvSpPr>
-        <p:spPr>
-          <a:xfrm>
-            <a:off x="8955795" y="5047825"/>
-            <a:ext cx="1568067" cy="369332"/>
-          </a:xfrm>
-          <a:prstGeom prst="rect">
-            <a:avLst/>
-          </a:prstGeom>
-          <a:noFill/>
-        </p:spPr>
-        <p:txBody>
-          <a:bodyPr wrap="square" rtlCol="0">
-            <a:spAutoFit/>
-          </a:bodyPr>
-          <a:lstStyle/>
-          <a:p>
-            <a:r>
-              <a:rPr lang="en-US" dirty="0">
+                <a:tailEnd type="triangle"/>
+              </a:ln>
+              <a:effectLst/>
+            </p:spPr>
+            <p:style>
+              <a:lnRef idx="1">
+                <a:schemeClr val="accent1"/>
+              </a:lnRef>
+              <a:fillRef idx="0">
+                <a:schemeClr val="accent1"/>
+              </a:fillRef>
+              <a:effectRef idx="0">
+                <a:schemeClr val="accent1"/>
+              </a:effectRef>
+              <a:fontRef idx="minor">
+                <a:schemeClr val="tx1"/>
+              </a:fontRef>
+            </p:style>
+          </p:cxnSp>
+          <p:sp>
+            <p:nvSpPr>
+              <p:cNvPr id="184" name="TextBox 183">
+                <a:extLst>
+                  <a:ext uri="{FF2B5EF4-FFF2-40B4-BE49-F238E27FC236}">
+                    <a16:creationId xmlns:a16="http://schemas.microsoft.com/office/drawing/2014/main" id="{45714712-E406-E5E6-2C9E-FFC766DBEF43}"/>
+                  </a:ext>
+                </a:extLst>
+              </p:cNvPr>
+              <p:cNvSpPr txBox="1"/>
+              <p:nvPr/>
+            </p:nvSpPr>
+            <p:spPr>
+              <a:xfrm>
+                <a:off x="8955795" y="5047825"/>
+                <a:ext cx="1568067" cy="369332"/>
+              </a:xfrm>
+              <a:prstGeom prst="rect">
+                <a:avLst/>
+              </a:prstGeom>
+              <a:noFill/>
+            </p:spPr>
+            <p:txBody>
+              <a:bodyPr wrap="square" rtlCol="0">
+                <a:spAutoFit/>
+              </a:bodyPr>
+              <a:lstStyle/>
+              <a:p>
+                <a:r>
+                  <a:rPr lang="en-US" dirty="0">
+                    <a:solidFill>
+                      <a:schemeClr val="accent1"/>
+                    </a:solidFill>
+                    <a:latin typeface="Arial" panose="020B0604020202020204" pitchFamily="34" charset="0"/>
+                    <a:cs typeface="Arial" panose="020B0604020202020204" pitchFamily="34" charset="0"/>
+                  </a:rPr>
+                  <a:t>raccoon dog</a:t>
+                </a:r>
+              </a:p>
+            </p:txBody>
+          </p:sp>
+          <p:cxnSp>
+            <p:nvCxnSpPr>
+              <p:cNvPr id="185" name="Straight Arrow Connector 184">
+                <a:extLst>
+                  <a:ext uri="{FF2B5EF4-FFF2-40B4-BE49-F238E27FC236}">
+                    <a16:creationId xmlns:a16="http://schemas.microsoft.com/office/drawing/2014/main" id="{836C50A7-FE7B-2F1A-3C86-FB78A1959DDE}"/>
+                  </a:ext>
+                </a:extLst>
+              </p:cNvPr>
+              <p:cNvCxnSpPr>
+                <a:cxnSpLocks/>
+              </p:cNvCxnSpPr>
+              <p:nvPr/>
+            </p:nvCxnSpPr>
+            <p:spPr>
+              <a:xfrm flipH="1" flipV="1">
+                <a:off x="8765663" y="5046776"/>
+                <a:ext cx="229518" cy="185715"/>
+              </a:xfrm>
+              <a:prstGeom prst="straightConnector1">
+                <a:avLst/>
+              </a:prstGeom>
+              <a:ln w="9525">
                 <a:solidFill>
                   <a:schemeClr val="accent1"/>
                 </a:solidFill>
-                <a:latin typeface="Arial" panose="020B0604020202020204" pitchFamily="34" charset="0"/>
-                <a:cs typeface="Arial" panose="020B0604020202020204" pitchFamily="34" charset="0"/>
-              </a:rPr>
-              <a:t>raccoon dog</a:t>
-            </a:r>
-          </a:p>
-        </p:txBody>
-      </p:sp>
-      <p:cxnSp>
-        <p:nvCxnSpPr>
-          <p:cNvPr id="24" name="Straight Arrow Connector 23">
-            <a:extLst>
-              <a:ext uri="{FF2B5EF4-FFF2-40B4-BE49-F238E27FC236}">
-                <a16:creationId xmlns:a16="http://schemas.microsoft.com/office/drawing/2014/main" id="{C5A6018F-9188-31DC-91E8-1E35ADCB16CF}"/>
-              </a:ext>
-            </a:extLst>
-          </p:cNvPr>
-          <p:cNvCxnSpPr>
-            <a:cxnSpLocks/>
-          </p:cNvCxnSpPr>
-          <p:nvPr/>
-        </p:nvCxnSpPr>
-        <p:spPr>
-          <a:xfrm flipH="1" flipV="1">
-            <a:off x="8726277" y="5046776"/>
-            <a:ext cx="229518" cy="185715"/>
-          </a:xfrm>
-          <a:prstGeom prst="straightConnector1">
-            <a:avLst/>
-          </a:prstGeom>
-          <a:ln w="9525">
-            <a:solidFill>
-              <a:schemeClr val="accent1"/>
-            </a:solidFill>
-            <a:tailEnd type="triangle"/>
-          </a:ln>
-          <a:effectLst/>
-        </p:spPr>
-        <p:style>
-          <a:lnRef idx="1">
-            <a:schemeClr val="accent1"/>
-          </a:lnRef>
-          <a:fillRef idx="0">
-            <a:schemeClr val="accent1"/>
-          </a:fillRef>
-          <a:effectRef idx="0">
-            <a:schemeClr val="accent1"/>
-          </a:effectRef>
-          <a:fontRef idx="minor">
-            <a:schemeClr val="tx1"/>
-          </a:fontRef>
-        </p:style>
-      </p:cxnSp>
-      <p:sp>
-        <p:nvSpPr>
-          <p:cNvPr id="25" name="TextBox 24">
-            <a:extLst>
-              <a:ext uri="{FF2B5EF4-FFF2-40B4-BE49-F238E27FC236}">
-                <a16:creationId xmlns:a16="http://schemas.microsoft.com/office/drawing/2014/main" id="{32ED6462-8AE0-7112-0698-9404EBFF581B}"/>
-              </a:ext>
-            </a:extLst>
-          </p:cNvPr>
-          <p:cNvSpPr txBox="1"/>
-          <p:nvPr/>
-        </p:nvSpPr>
-        <p:spPr>
-          <a:xfrm>
-            <a:off x="10002398" y="4155458"/>
-            <a:ext cx="1568067" cy="369332"/>
-          </a:xfrm>
-          <a:prstGeom prst="rect">
-            <a:avLst/>
-          </a:prstGeom>
-          <a:noFill/>
-        </p:spPr>
-        <p:txBody>
-          <a:bodyPr wrap="square" rtlCol="0">
-            <a:spAutoFit/>
-          </a:bodyPr>
-          <a:lstStyle/>
-          <a:p>
-            <a:r>
-              <a:rPr lang="en-US" dirty="0">
+                <a:tailEnd type="triangle"/>
+              </a:ln>
+              <a:effectLst/>
+            </p:spPr>
+            <p:style>
+              <a:lnRef idx="1">
+                <a:schemeClr val="accent1"/>
+              </a:lnRef>
+              <a:fillRef idx="0">
+                <a:schemeClr val="accent1"/>
+              </a:fillRef>
+              <a:effectRef idx="0">
+                <a:schemeClr val="accent1"/>
+              </a:effectRef>
+              <a:fontRef idx="minor">
+                <a:schemeClr val="tx1"/>
+              </a:fontRef>
+            </p:style>
+          </p:cxnSp>
+          <p:sp>
+            <p:nvSpPr>
+              <p:cNvPr id="186" name="TextBox 185">
+                <a:extLst>
+                  <a:ext uri="{FF2B5EF4-FFF2-40B4-BE49-F238E27FC236}">
+                    <a16:creationId xmlns:a16="http://schemas.microsoft.com/office/drawing/2014/main" id="{718D2DD1-315C-6757-2B43-BBE69873DABC}"/>
+                  </a:ext>
+                </a:extLst>
+              </p:cNvPr>
+              <p:cNvSpPr txBox="1"/>
+              <p:nvPr/>
+            </p:nvSpPr>
+            <p:spPr>
+              <a:xfrm>
+                <a:off x="10002398" y="4155458"/>
+                <a:ext cx="1568067" cy="369332"/>
+              </a:xfrm>
+              <a:prstGeom prst="rect">
+                <a:avLst/>
+              </a:prstGeom>
+              <a:noFill/>
+            </p:spPr>
+            <p:txBody>
+              <a:bodyPr wrap="square" rtlCol="0">
+                <a:spAutoFit/>
+              </a:bodyPr>
+              <a:lstStyle/>
+              <a:p>
+                <a:r>
+                  <a:rPr lang="en-US" dirty="0">
+                    <a:solidFill>
+                      <a:srgbClr val="00B050"/>
+                    </a:solidFill>
+                    <a:latin typeface="Arial" panose="020B0604020202020204" pitchFamily="34" charset="0"/>
+                    <a:cs typeface="Arial" panose="020B0604020202020204" pitchFamily="34" charset="0"/>
+                  </a:rPr>
+                  <a:t>bamboo rat</a:t>
+                </a:r>
+              </a:p>
+            </p:txBody>
+          </p:sp>
+          <p:cxnSp>
+            <p:nvCxnSpPr>
+              <p:cNvPr id="187" name="Straight Arrow Connector 186">
+                <a:extLst>
+                  <a:ext uri="{FF2B5EF4-FFF2-40B4-BE49-F238E27FC236}">
+                    <a16:creationId xmlns:a16="http://schemas.microsoft.com/office/drawing/2014/main" id="{51D3CEC0-DEEA-73FD-375B-B0D202BCF1DC}"/>
+                  </a:ext>
+                </a:extLst>
+              </p:cNvPr>
+              <p:cNvCxnSpPr>
+                <a:cxnSpLocks/>
+              </p:cNvCxnSpPr>
+              <p:nvPr/>
+            </p:nvCxnSpPr>
+            <p:spPr>
+              <a:xfrm flipH="1" flipV="1">
+                <a:off x="9772880" y="4086966"/>
+                <a:ext cx="229518" cy="185715"/>
+              </a:xfrm>
+              <a:prstGeom prst="straightConnector1">
+                <a:avLst/>
+              </a:prstGeom>
+              <a:ln w="9525">
                 <a:solidFill>
                   <a:srgbClr val="00B050"/>
                 </a:solidFill>
-                <a:latin typeface="Arial" panose="020B0604020202020204" pitchFamily="34" charset="0"/>
-                <a:cs typeface="Arial" panose="020B0604020202020204" pitchFamily="34" charset="0"/>
-              </a:rPr>
-              <a:t>bamboo rat</a:t>
-            </a:r>
-          </a:p>
-        </p:txBody>
-      </p:sp>
-      <p:cxnSp>
-        <p:nvCxnSpPr>
-          <p:cNvPr id="26" name="Straight Arrow Connector 25">
-            <a:extLst>
-              <a:ext uri="{FF2B5EF4-FFF2-40B4-BE49-F238E27FC236}">
-                <a16:creationId xmlns:a16="http://schemas.microsoft.com/office/drawing/2014/main" id="{5AD78B71-E41B-429A-EAEE-53DB48894367}"/>
-              </a:ext>
-            </a:extLst>
-          </p:cNvPr>
-          <p:cNvCxnSpPr>
-            <a:cxnSpLocks/>
-          </p:cNvCxnSpPr>
-          <p:nvPr/>
-        </p:nvCxnSpPr>
-        <p:spPr>
-          <a:xfrm flipH="1" flipV="1">
-            <a:off x="9772880" y="4154409"/>
-            <a:ext cx="229518" cy="185715"/>
-          </a:xfrm>
-          <a:prstGeom prst="straightConnector1">
-            <a:avLst/>
-          </a:prstGeom>
-          <a:ln w="9525">
-            <a:solidFill>
-              <a:srgbClr val="00B050"/>
-            </a:solidFill>
-            <a:tailEnd type="triangle"/>
-          </a:ln>
-          <a:effectLst/>
-        </p:spPr>
-        <p:style>
-          <a:lnRef idx="1">
-            <a:schemeClr val="accent1"/>
-          </a:lnRef>
-          <a:fillRef idx="0">
-            <a:schemeClr val="accent1"/>
-          </a:fillRef>
-          <a:effectRef idx="0">
-            <a:schemeClr val="accent1"/>
-          </a:effectRef>
-          <a:fontRef idx="minor">
-            <a:schemeClr val="tx1"/>
-          </a:fontRef>
-        </p:style>
-      </p:cxnSp>
-      <p:sp>
-        <p:nvSpPr>
-          <p:cNvPr id="27" name="TextBox 26">
-            <a:extLst>
-              <a:ext uri="{FF2B5EF4-FFF2-40B4-BE49-F238E27FC236}">
-                <a16:creationId xmlns:a16="http://schemas.microsoft.com/office/drawing/2014/main" id="{15A826DC-E171-B5A5-9B54-50DB681BAE9B}"/>
-              </a:ext>
-            </a:extLst>
-          </p:cNvPr>
-          <p:cNvSpPr txBox="1"/>
-          <p:nvPr/>
-        </p:nvSpPr>
-        <p:spPr>
-          <a:xfrm>
-            <a:off x="1429439" y="3455793"/>
-            <a:ext cx="1568067" cy="369332"/>
-          </a:xfrm>
-          <a:prstGeom prst="rect">
-            <a:avLst/>
-          </a:prstGeom>
-          <a:noFill/>
-        </p:spPr>
-        <p:txBody>
-          <a:bodyPr wrap="square" rtlCol="0">
-            <a:spAutoFit/>
-          </a:bodyPr>
-          <a:lstStyle/>
-          <a:p>
-            <a:r>
-              <a:rPr lang="en-US" dirty="0">
+                <a:tailEnd type="triangle"/>
+              </a:ln>
+              <a:effectLst/>
+            </p:spPr>
+            <p:style>
+              <a:lnRef idx="1">
+                <a:schemeClr val="accent1"/>
+              </a:lnRef>
+              <a:fillRef idx="0">
+                <a:schemeClr val="accent1"/>
+              </a:fillRef>
+              <a:effectRef idx="0">
+                <a:schemeClr val="accent1"/>
+              </a:effectRef>
+              <a:fontRef idx="minor">
+                <a:schemeClr val="tx1"/>
+              </a:fontRef>
+            </p:style>
+          </p:cxnSp>
+          <p:sp>
+            <p:nvSpPr>
+              <p:cNvPr id="188" name="TextBox 187">
+                <a:extLst>
+                  <a:ext uri="{FF2B5EF4-FFF2-40B4-BE49-F238E27FC236}">
+                    <a16:creationId xmlns:a16="http://schemas.microsoft.com/office/drawing/2014/main" id="{2CD327E6-62AF-86EA-CF1C-33054EAD1A59}"/>
+                  </a:ext>
+                </a:extLst>
+              </p:cNvPr>
+              <p:cNvSpPr txBox="1"/>
+              <p:nvPr/>
+            </p:nvSpPr>
+            <p:spPr>
+              <a:xfrm>
+                <a:off x="1429439" y="3455793"/>
+                <a:ext cx="1568067" cy="369332"/>
+              </a:xfrm>
+              <a:prstGeom prst="rect">
+                <a:avLst/>
+              </a:prstGeom>
+              <a:noFill/>
+            </p:spPr>
+            <p:txBody>
+              <a:bodyPr wrap="square" rtlCol="0">
+                <a:spAutoFit/>
+              </a:bodyPr>
+              <a:lstStyle/>
+              <a:p>
+                <a:r>
+                  <a:rPr lang="en-US" dirty="0">
+                    <a:solidFill>
+                      <a:srgbClr val="00B050"/>
+                    </a:solidFill>
+                    <a:latin typeface="Arial" panose="020B0604020202020204" pitchFamily="34" charset="0"/>
+                    <a:cs typeface="Arial" panose="020B0604020202020204" pitchFamily="34" charset="0"/>
+                  </a:rPr>
+                  <a:t>bamboo rat</a:t>
+                </a:r>
+              </a:p>
+            </p:txBody>
+          </p:sp>
+          <p:cxnSp>
+            <p:nvCxnSpPr>
+              <p:cNvPr id="189" name="Straight Arrow Connector 188">
+                <a:extLst>
+                  <a:ext uri="{FF2B5EF4-FFF2-40B4-BE49-F238E27FC236}">
+                    <a16:creationId xmlns:a16="http://schemas.microsoft.com/office/drawing/2014/main" id="{45B39543-C357-46E8-B784-73FE0507722C}"/>
+                  </a:ext>
+                </a:extLst>
+              </p:cNvPr>
+              <p:cNvCxnSpPr>
+                <a:cxnSpLocks/>
+              </p:cNvCxnSpPr>
+              <p:nvPr/>
+            </p:nvCxnSpPr>
+            <p:spPr>
+              <a:xfrm>
+                <a:off x="2767988" y="3687014"/>
+                <a:ext cx="229518" cy="184666"/>
+              </a:xfrm>
+              <a:prstGeom prst="straightConnector1">
+                <a:avLst/>
+              </a:prstGeom>
+              <a:ln w="9525">
                 <a:solidFill>
                   <a:srgbClr val="00B050"/>
                 </a:solidFill>
-                <a:latin typeface="Arial" panose="020B0604020202020204" pitchFamily="34" charset="0"/>
-                <a:cs typeface="Arial" panose="020B0604020202020204" pitchFamily="34" charset="0"/>
-              </a:rPr>
-              <a:t>bamboo rat</a:t>
-            </a:r>
-          </a:p>
-        </p:txBody>
-      </p:sp>
-      <p:cxnSp>
-        <p:nvCxnSpPr>
-          <p:cNvPr id="28" name="Straight Arrow Connector 27">
-            <a:extLst>
-              <a:ext uri="{FF2B5EF4-FFF2-40B4-BE49-F238E27FC236}">
-                <a16:creationId xmlns:a16="http://schemas.microsoft.com/office/drawing/2014/main" id="{44C34512-016B-D7D1-29D8-AA35E31D4F8D}"/>
-              </a:ext>
-            </a:extLst>
-          </p:cNvPr>
-          <p:cNvCxnSpPr>
-            <a:cxnSpLocks/>
-          </p:cNvCxnSpPr>
-          <p:nvPr/>
-        </p:nvCxnSpPr>
-        <p:spPr>
-          <a:xfrm>
-            <a:off x="2767988" y="3687014"/>
-            <a:ext cx="229518" cy="184666"/>
-          </a:xfrm>
-          <a:prstGeom prst="straightConnector1">
-            <a:avLst/>
-          </a:prstGeom>
-          <a:ln w="9525">
-            <a:solidFill>
-              <a:srgbClr val="00B050"/>
-            </a:solidFill>
-            <a:tailEnd type="triangle"/>
-          </a:ln>
-          <a:effectLst/>
-        </p:spPr>
-        <p:style>
-          <a:lnRef idx="1">
-            <a:schemeClr val="accent1"/>
-          </a:lnRef>
-          <a:fillRef idx="0">
-            <a:schemeClr val="accent1"/>
-          </a:fillRef>
-          <a:effectRef idx="0">
-            <a:schemeClr val="accent1"/>
-          </a:effectRef>
-          <a:fontRef idx="minor">
-            <a:schemeClr val="tx1"/>
-          </a:fontRef>
-        </p:style>
-      </p:cxnSp>
-      <p:sp>
-        <p:nvSpPr>
-          <p:cNvPr id="31" name="TextBox 30">
-            <a:extLst>
-              <a:ext uri="{FF2B5EF4-FFF2-40B4-BE49-F238E27FC236}">
-                <a16:creationId xmlns:a16="http://schemas.microsoft.com/office/drawing/2014/main" id="{DD4CDB97-10C1-E1B9-8D59-499B821CB4F0}"/>
-              </a:ext>
-            </a:extLst>
-          </p:cNvPr>
-          <p:cNvSpPr txBox="1"/>
-          <p:nvPr/>
-        </p:nvSpPr>
-        <p:spPr>
-          <a:xfrm>
-            <a:off x="3272009" y="1041263"/>
-            <a:ext cx="2077597" cy="369332"/>
-          </a:xfrm>
-          <a:prstGeom prst="rect">
-            <a:avLst/>
-          </a:prstGeom>
-          <a:noFill/>
-        </p:spPr>
-        <p:txBody>
-          <a:bodyPr wrap="square" rtlCol="0">
-            <a:spAutoFit/>
-          </a:bodyPr>
-          <a:lstStyle/>
-          <a:p>
-            <a:r>
-              <a:rPr lang="en-US" dirty="0">
+                <a:tailEnd type="triangle"/>
+              </a:ln>
+              <a:effectLst/>
+            </p:spPr>
+            <p:style>
+              <a:lnRef idx="1">
+                <a:schemeClr val="accent1"/>
+              </a:lnRef>
+              <a:fillRef idx="0">
+                <a:schemeClr val="accent1"/>
+              </a:fillRef>
+              <a:effectRef idx="0">
+                <a:schemeClr val="accent1"/>
+              </a:effectRef>
+              <a:fontRef idx="minor">
+                <a:schemeClr val="tx1"/>
+              </a:fontRef>
+            </p:style>
+          </p:cxnSp>
+          <p:sp>
+            <p:nvSpPr>
+              <p:cNvPr id="190" name="TextBox 189">
+                <a:extLst>
+                  <a:ext uri="{FF2B5EF4-FFF2-40B4-BE49-F238E27FC236}">
+                    <a16:creationId xmlns:a16="http://schemas.microsoft.com/office/drawing/2014/main" id="{6538F79A-1E6F-5D9E-35B4-8792B91940E2}"/>
+                  </a:ext>
+                </a:extLst>
+              </p:cNvPr>
+              <p:cNvSpPr txBox="1"/>
+              <p:nvPr/>
+            </p:nvSpPr>
+            <p:spPr>
+              <a:xfrm>
+                <a:off x="3272009" y="1041263"/>
+                <a:ext cx="2077597" cy="369332"/>
+              </a:xfrm>
+              <a:prstGeom prst="rect">
+                <a:avLst/>
+              </a:prstGeom>
+              <a:noFill/>
+            </p:spPr>
+            <p:txBody>
+              <a:bodyPr wrap="square" rtlCol="0">
+                <a:spAutoFit/>
+              </a:bodyPr>
+              <a:lstStyle/>
+              <a:p>
+                <a:r>
+                  <a:rPr lang="en-US" dirty="0">
+                    <a:solidFill>
+                      <a:srgbClr val="7030A0"/>
+                    </a:solidFill>
+                    <a:latin typeface="Arial" panose="020B0604020202020204" pitchFamily="34" charset="0"/>
+                    <a:cs typeface="Arial" panose="020B0604020202020204" pitchFamily="34" charset="0"/>
+                  </a:rPr>
+                  <a:t>largemouth bass</a:t>
+                </a:r>
+              </a:p>
+            </p:txBody>
+          </p:sp>
+          <p:cxnSp>
+            <p:nvCxnSpPr>
+              <p:cNvPr id="191" name="Straight Arrow Connector 190">
+                <a:extLst>
+                  <a:ext uri="{FF2B5EF4-FFF2-40B4-BE49-F238E27FC236}">
+                    <a16:creationId xmlns:a16="http://schemas.microsoft.com/office/drawing/2014/main" id="{42E7B1D3-C2EB-1CDC-5415-4A3B4FC5EA7E}"/>
+                  </a:ext>
+                </a:extLst>
+              </p:cNvPr>
+              <p:cNvCxnSpPr>
+                <a:cxnSpLocks/>
+              </p:cNvCxnSpPr>
+              <p:nvPr/>
+            </p:nvCxnSpPr>
+            <p:spPr>
+              <a:xfrm>
+                <a:off x="5120088" y="1272484"/>
+                <a:ext cx="244551" cy="151416"/>
+              </a:xfrm>
+              <a:prstGeom prst="straightConnector1">
+                <a:avLst/>
+              </a:prstGeom>
+              <a:ln w="9525">
                 <a:solidFill>
                   <a:srgbClr val="7030A0"/>
                 </a:solidFill>
-                <a:latin typeface="Arial" panose="020B0604020202020204" pitchFamily="34" charset="0"/>
-                <a:cs typeface="Arial" panose="020B0604020202020204" pitchFamily="34" charset="0"/>
-              </a:rPr>
-              <a:t>largemouth bass</a:t>
-            </a:r>
-          </a:p>
-        </p:txBody>
-      </p:sp>
-      <p:cxnSp>
-        <p:nvCxnSpPr>
-          <p:cNvPr id="32" name="Straight Arrow Connector 31">
-            <a:extLst>
-              <a:ext uri="{FF2B5EF4-FFF2-40B4-BE49-F238E27FC236}">
-                <a16:creationId xmlns:a16="http://schemas.microsoft.com/office/drawing/2014/main" id="{3F26565B-0A46-161A-F86B-32BD4221D08B}"/>
-              </a:ext>
-            </a:extLst>
-          </p:cNvPr>
-          <p:cNvCxnSpPr>
-            <a:cxnSpLocks/>
-          </p:cNvCxnSpPr>
-          <p:nvPr/>
-        </p:nvCxnSpPr>
-        <p:spPr>
-          <a:xfrm>
-            <a:off x="5120088" y="1272484"/>
-            <a:ext cx="229518" cy="184666"/>
-          </a:xfrm>
-          <a:prstGeom prst="straightConnector1">
-            <a:avLst/>
-          </a:prstGeom>
-          <a:ln w="9525">
-            <a:solidFill>
-              <a:srgbClr val="7030A0"/>
-            </a:solidFill>
-            <a:tailEnd type="triangle"/>
-          </a:ln>
-          <a:effectLst/>
-        </p:spPr>
-        <p:style>
-          <a:lnRef idx="1">
-            <a:schemeClr val="accent1"/>
-          </a:lnRef>
-          <a:fillRef idx="0">
-            <a:schemeClr val="accent1"/>
-          </a:fillRef>
-          <a:effectRef idx="0">
-            <a:schemeClr val="accent1"/>
-          </a:effectRef>
-          <a:fontRef idx="minor">
-            <a:schemeClr val="tx1"/>
-          </a:fontRef>
-        </p:style>
-      </p:cxnSp>
-      <p:sp>
-        <p:nvSpPr>
-          <p:cNvPr id="33" name="TextBox 32">
-            <a:extLst>
-              <a:ext uri="{FF2B5EF4-FFF2-40B4-BE49-F238E27FC236}">
-                <a16:creationId xmlns:a16="http://schemas.microsoft.com/office/drawing/2014/main" id="{B26150EB-ECEB-19DC-3B09-D1F6FE32B158}"/>
-              </a:ext>
-            </a:extLst>
-          </p:cNvPr>
-          <p:cNvSpPr txBox="1"/>
-          <p:nvPr/>
-        </p:nvSpPr>
-        <p:spPr>
-          <a:xfrm>
-            <a:off x="5826090" y="1506814"/>
-            <a:ext cx="892365" cy="369332"/>
-          </a:xfrm>
-          <a:prstGeom prst="rect">
-            <a:avLst/>
-          </a:prstGeom>
-          <a:noFill/>
-        </p:spPr>
-        <p:txBody>
-          <a:bodyPr wrap="square" rtlCol="0">
-            <a:spAutoFit/>
-          </a:bodyPr>
-          <a:lstStyle/>
-          <a:p>
-            <a:r>
-              <a:rPr lang="en-US" dirty="0">
+                <a:tailEnd type="triangle"/>
+              </a:ln>
+              <a:effectLst/>
+            </p:spPr>
+            <p:style>
+              <a:lnRef idx="1">
+                <a:schemeClr val="accent1"/>
+              </a:lnRef>
+              <a:fillRef idx="0">
+                <a:schemeClr val="accent1"/>
+              </a:fillRef>
+              <a:effectRef idx="0">
+                <a:schemeClr val="accent1"/>
+              </a:effectRef>
+              <a:fontRef idx="minor">
+                <a:schemeClr val="tx1"/>
+              </a:fontRef>
+            </p:style>
+          </p:cxnSp>
+          <p:sp>
+            <p:nvSpPr>
+              <p:cNvPr id="192" name="TextBox 191">
+                <a:extLst>
+                  <a:ext uri="{FF2B5EF4-FFF2-40B4-BE49-F238E27FC236}">
+                    <a16:creationId xmlns:a16="http://schemas.microsoft.com/office/drawing/2014/main" id="{EB0AA446-A0F8-4452-4007-F807B1137FB7}"/>
+                  </a:ext>
+                </a:extLst>
+              </p:cNvPr>
+              <p:cNvSpPr txBox="1"/>
+              <p:nvPr/>
+            </p:nvSpPr>
+            <p:spPr>
+              <a:xfrm>
+                <a:off x="5934042" y="1506814"/>
+                <a:ext cx="892365" cy="369332"/>
+              </a:xfrm>
+              <a:prstGeom prst="rect">
+                <a:avLst/>
+              </a:prstGeom>
+              <a:noFill/>
+            </p:spPr>
+            <p:txBody>
+              <a:bodyPr wrap="square" rtlCol="0">
+                <a:spAutoFit/>
+              </a:bodyPr>
+              <a:lstStyle/>
+              <a:p>
+                <a:r>
+                  <a:rPr lang="en-US" dirty="0">
+                    <a:solidFill>
+                      <a:srgbClr val="00B0F0"/>
+                    </a:solidFill>
+                    <a:latin typeface="Arial" panose="020B0604020202020204" pitchFamily="34" charset="0"/>
+                    <a:cs typeface="Arial" panose="020B0604020202020204" pitchFamily="34" charset="0"/>
+                  </a:rPr>
+                  <a:t>cow</a:t>
+                </a:r>
+              </a:p>
+            </p:txBody>
+          </p:sp>
+          <p:cxnSp>
+            <p:nvCxnSpPr>
+              <p:cNvPr id="193" name="Straight Arrow Connector 192">
+                <a:extLst>
+                  <a:ext uri="{FF2B5EF4-FFF2-40B4-BE49-F238E27FC236}">
+                    <a16:creationId xmlns:a16="http://schemas.microsoft.com/office/drawing/2014/main" id="{26A07FBB-90F9-3413-5D6C-C854793F2903}"/>
+                  </a:ext>
+                </a:extLst>
+              </p:cNvPr>
+              <p:cNvCxnSpPr>
+                <a:cxnSpLocks/>
+                <a:stCxn id="192" idx="1"/>
+              </p:cNvCxnSpPr>
+              <p:nvPr/>
+            </p:nvCxnSpPr>
+            <p:spPr>
+              <a:xfrm flipH="1" flipV="1">
+                <a:off x="5756312" y="1642603"/>
+                <a:ext cx="177730" cy="48877"/>
+              </a:xfrm>
+              <a:prstGeom prst="straightConnector1">
+                <a:avLst/>
+              </a:prstGeom>
+              <a:ln w="9525">
                 <a:solidFill>
                   <a:srgbClr val="00B0F0"/>
                 </a:solidFill>
-                <a:latin typeface="Arial" panose="020B0604020202020204" pitchFamily="34" charset="0"/>
-                <a:cs typeface="Arial" panose="020B0604020202020204" pitchFamily="34" charset="0"/>
-              </a:rPr>
-              <a:t>cow</a:t>
-            </a:r>
-          </a:p>
-        </p:txBody>
-      </p:sp>
-      <p:cxnSp>
-        <p:nvCxnSpPr>
-          <p:cNvPr id="34" name="Straight Arrow Connector 33">
-            <a:extLst>
-              <a:ext uri="{FF2B5EF4-FFF2-40B4-BE49-F238E27FC236}">
-                <a16:creationId xmlns:a16="http://schemas.microsoft.com/office/drawing/2014/main" id="{B7051058-E66B-E1AC-9953-C6C80EE41D92}"/>
-              </a:ext>
-            </a:extLst>
-          </p:cNvPr>
-          <p:cNvCxnSpPr>
-            <a:cxnSpLocks/>
-            <a:stCxn id="33" idx="1"/>
-          </p:cNvCxnSpPr>
-          <p:nvPr/>
-        </p:nvCxnSpPr>
-        <p:spPr>
-          <a:xfrm flipH="1" flipV="1">
-            <a:off x="5596572" y="1650694"/>
-            <a:ext cx="229518" cy="40786"/>
-          </a:xfrm>
-          <a:prstGeom prst="straightConnector1">
-            <a:avLst/>
-          </a:prstGeom>
-          <a:ln w="9525">
-            <a:solidFill>
-              <a:srgbClr val="00B0F0"/>
-            </a:solidFill>
-            <a:tailEnd type="triangle"/>
-          </a:ln>
-          <a:effectLst/>
-        </p:spPr>
-        <p:style>
-          <a:lnRef idx="1">
-            <a:schemeClr val="accent1"/>
-          </a:lnRef>
-          <a:fillRef idx="0">
-            <a:schemeClr val="accent1"/>
-          </a:fillRef>
-          <a:effectRef idx="0">
-            <a:schemeClr val="accent1"/>
-          </a:effectRef>
-          <a:fontRef idx="minor">
-            <a:schemeClr val="tx1"/>
-          </a:fontRef>
-        </p:style>
-      </p:cxnSp>
-      <p:sp>
-        <p:nvSpPr>
-          <p:cNvPr id="35" name="TextBox 34">
-            <a:extLst>
-              <a:ext uri="{FF2B5EF4-FFF2-40B4-BE49-F238E27FC236}">
-                <a16:creationId xmlns:a16="http://schemas.microsoft.com/office/drawing/2014/main" id="{DEB16DF3-76C1-1538-067D-46D1EEBEE230}"/>
-              </a:ext>
-            </a:extLst>
-          </p:cNvPr>
-          <p:cNvSpPr txBox="1"/>
-          <p:nvPr/>
-        </p:nvSpPr>
-        <p:spPr>
-          <a:xfrm>
-            <a:off x="3723700" y="1423900"/>
-            <a:ext cx="1024109" cy="369332"/>
-          </a:xfrm>
-          <a:prstGeom prst="rect">
-            <a:avLst/>
-          </a:prstGeom>
-          <a:noFill/>
-        </p:spPr>
-        <p:txBody>
-          <a:bodyPr wrap="square" rtlCol="0">
-            <a:spAutoFit/>
-          </a:bodyPr>
-          <a:lstStyle/>
-          <a:p>
-            <a:r>
-              <a:rPr lang="en-US" dirty="0">
+                <a:tailEnd type="triangle"/>
+              </a:ln>
+              <a:effectLst/>
+            </p:spPr>
+            <p:style>
+              <a:lnRef idx="1">
+                <a:schemeClr val="accent1"/>
+              </a:lnRef>
+              <a:fillRef idx="0">
+                <a:schemeClr val="accent1"/>
+              </a:fillRef>
+              <a:effectRef idx="0">
+                <a:schemeClr val="accent1"/>
+              </a:effectRef>
+              <a:fontRef idx="minor">
+                <a:schemeClr val="tx1"/>
+              </a:fontRef>
+            </p:style>
+          </p:cxnSp>
+          <p:sp>
+            <p:nvSpPr>
+              <p:cNvPr id="194" name="TextBox 193">
+                <a:extLst>
+                  <a:ext uri="{FF2B5EF4-FFF2-40B4-BE49-F238E27FC236}">
+                    <a16:creationId xmlns:a16="http://schemas.microsoft.com/office/drawing/2014/main" id="{BC17EB02-C8E3-93E7-C4D9-F57EE7FB9950}"/>
+                  </a:ext>
+                </a:extLst>
+              </p:cNvPr>
+              <p:cNvSpPr txBox="1"/>
+              <p:nvPr/>
+            </p:nvSpPr>
+            <p:spPr>
+              <a:xfrm>
+                <a:off x="3723700" y="1423900"/>
+                <a:ext cx="1024109" cy="369332"/>
+              </a:xfrm>
+              <a:prstGeom prst="rect">
+                <a:avLst/>
+              </a:prstGeom>
+              <a:noFill/>
+            </p:spPr>
+            <p:txBody>
+              <a:bodyPr wrap="square" rtlCol="0">
+                <a:spAutoFit/>
+              </a:bodyPr>
+              <a:lstStyle/>
+              <a:p>
+                <a:r>
+                  <a:rPr lang="en-US" dirty="0">
+                    <a:solidFill>
+                      <a:srgbClr val="002060"/>
+                    </a:solidFill>
+                    <a:latin typeface="Arial" panose="020B0604020202020204" pitchFamily="34" charset="0"/>
+                    <a:cs typeface="Arial" panose="020B0604020202020204" pitchFamily="34" charset="0"/>
+                  </a:rPr>
+                  <a:t>catfish</a:t>
+                </a:r>
+              </a:p>
+            </p:txBody>
+          </p:sp>
+          <p:cxnSp>
+            <p:nvCxnSpPr>
+              <p:cNvPr id="195" name="Straight Arrow Connector 194">
+                <a:extLst>
+                  <a:ext uri="{FF2B5EF4-FFF2-40B4-BE49-F238E27FC236}">
+                    <a16:creationId xmlns:a16="http://schemas.microsoft.com/office/drawing/2014/main" id="{A6A83D4D-CEAF-3F76-32CA-9770C238CF9F}"/>
+                  </a:ext>
+                </a:extLst>
+              </p:cNvPr>
+              <p:cNvCxnSpPr>
+                <a:cxnSpLocks/>
+              </p:cNvCxnSpPr>
+              <p:nvPr/>
+            </p:nvCxnSpPr>
+            <p:spPr>
+              <a:xfrm>
+                <a:off x="4518292" y="1655121"/>
+                <a:ext cx="489101" cy="36359"/>
+              </a:xfrm>
+              <a:prstGeom prst="straightConnector1">
+                <a:avLst/>
+              </a:prstGeom>
+              <a:ln w="9525">
                 <a:solidFill>
                   <a:srgbClr val="002060"/>
                 </a:solidFill>
-                <a:latin typeface="Arial" panose="020B0604020202020204" pitchFamily="34" charset="0"/>
-                <a:cs typeface="Arial" panose="020B0604020202020204" pitchFamily="34" charset="0"/>
-              </a:rPr>
-              <a:t>catfish</a:t>
-            </a:r>
-          </a:p>
-        </p:txBody>
-      </p:sp>
-      <p:cxnSp>
-        <p:nvCxnSpPr>
-          <p:cNvPr id="36" name="Straight Arrow Connector 35">
-            <a:extLst>
-              <a:ext uri="{FF2B5EF4-FFF2-40B4-BE49-F238E27FC236}">
-                <a16:creationId xmlns:a16="http://schemas.microsoft.com/office/drawing/2014/main" id="{41F4597D-1A40-4EB5-6C62-FCBA343B0C1F}"/>
-              </a:ext>
-            </a:extLst>
-          </p:cNvPr>
-          <p:cNvCxnSpPr>
-            <a:cxnSpLocks/>
-          </p:cNvCxnSpPr>
-          <p:nvPr/>
-        </p:nvCxnSpPr>
-        <p:spPr>
-          <a:xfrm>
-            <a:off x="4518292" y="1655121"/>
-            <a:ext cx="373197" cy="36358"/>
-          </a:xfrm>
-          <a:prstGeom prst="straightConnector1">
-            <a:avLst/>
-          </a:prstGeom>
-          <a:ln w="9525">
-            <a:solidFill>
-              <a:srgbClr val="002060"/>
-            </a:solidFill>
-            <a:tailEnd type="triangle"/>
-          </a:ln>
-          <a:effectLst/>
-        </p:spPr>
-        <p:style>
-          <a:lnRef idx="1">
-            <a:schemeClr val="accent1"/>
-          </a:lnRef>
-          <a:fillRef idx="0">
-            <a:schemeClr val="accent1"/>
-          </a:fillRef>
-          <a:effectRef idx="0">
-            <a:schemeClr val="accent1"/>
-          </a:effectRef>
-          <a:fontRef idx="minor">
-            <a:schemeClr val="tx1"/>
-          </a:fontRef>
-        </p:style>
-      </p:cxnSp>
-      <p:sp>
-        <p:nvSpPr>
-          <p:cNvPr id="39" name="TextBox 38">
-            <a:extLst>
-              <a:ext uri="{FF2B5EF4-FFF2-40B4-BE49-F238E27FC236}">
-                <a16:creationId xmlns:a16="http://schemas.microsoft.com/office/drawing/2014/main" id="{558E2F52-9CC0-BF0B-6794-2A8B3958A3EE}"/>
-              </a:ext>
-            </a:extLst>
-          </p:cNvPr>
-          <p:cNvSpPr txBox="1"/>
-          <p:nvPr/>
-        </p:nvSpPr>
-        <p:spPr>
-          <a:xfrm>
-            <a:off x="5756312" y="1849781"/>
-            <a:ext cx="892365" cy="369332"/>
-          </a:xfrm>
-          <a:prstGeom prst="rect">
-            <a:avLst/>
-          </a:prstGeom>
-          <a:noFill/>
-        </p:spPr>
-        <p:txBody>
-          <a:bodyPr wrap="square" rtlCol="0">
-            <a:spAutoFit/>
-          </a:bodyPr>
-          <a:lstStyle/>
-          <a:p>
-            <a:r>
-              <a:rPr lang="en-US" dirty="0">
+                <a:tailEnd type="triangle"/>
+              </a:ln>
+              <a:effectLst/>
+            </p:spPr>
+            <p:style>
+              <a:lnRef idx="1">
+                <a:schemeClr val="accent1"/>
+              </a:lnRef>
+              <a:fillRef idx="0">
+                <a:schemeClr val="accent1"/>
+              </a:fillRef>
+              <a:effectRef idx="0">
+                <a:schemeClr val="accent1"/>
+              </a:effectRef>
+              <a:fontRef idx="minor">
+                <a:schemeClr val="tx1"/>
+              </a:fontRef>
+            </p:style>
+          </p:cxnSp>
+          <p:sp>
+            <p:nvSpPr>
+              <p:cNvPr id="196" name="TextBox 195">
+                <a:extLst>
+                  <a:ext uri="{FF2B5EF4-FFF2-40B4-BE49-F238E27FC236}">
+                    <a16:creationId xmlns:a16="http://schemas.microsoft.com/office/drawing/2014/main" id="{DBC33C95-94E2-B2AF-C0F9-9E61E2F18413}"/>
+                  </a:ext>
+                </a:extLst>
+              </p:cNvPr>
+              <p:cNvSpPr txBox="1"/>
+              <p:nvPr/>
+            </p:nvSpPr>
+            <p:spPr>
+              <a:xfrm>
+                <a:off x="5756312" y="1849781"/>
+                <a:ext cx="892365" cy="369332"/>
+              </a:xfrm>
+              <a:prstGeom prst="rect">
+                <a:avLst/>
+              </a:prstGeom>
+              <a:noFill/>
+            </p:spPr>
+            <p:txBody>
+              <a:bodyPr wrap="square" rtlCol="0">
+                <a:spAutoFit/>
+              </a:bodyPr>
+              <a:lstStyle/>
+              <a:p>
+                <a:r>
+                  <a:rPr lang="en-US" dirty="0">
+                    <a:solidFill>
+                      <a:srgbClr val="FF0000"/>
+                    </a:solidFill>
+                    <a:latin typeface="Arial" panose="020B0604020202020204" pitchFamily="34" charset="0"/>
+                    <a:cs typeface="Arial" panose="020B0604020202020204" pitchFamily="34" charset="0"/>
+                  </a:rPr>
+                  <a:t>sheep</a:t>
+                </a:r>
+              </a:p>
+            </p:txBody>
+          </p:sp>
+          <p:cxnSp>
+            <p:nvCxnSpPr>
+              <p:cNvPr id="197" name="Straight Arrow Connector 196">
+                <a:extLst>
+                  <a:ext uri="{FF2B5EF4-FFF2-40B4-BE49-F238E27FC236}">
+                    <a16:creationId xmlns:a16="http://schemas.microsoft.com/office/drawing/2014/main" id="{7E1131E2-C19A-3CAB-AFA0-4C76CC55F6EE}"/>
+                  </a:ext>
+                </a:extLst>
+              </p:cNvPr>
+              <p:cNvCxnSpPr>
+                <a:cxnSpLocks/>
+              </p:cNvCxnSpPr>
+              <p:nvPr/>
+            </p:nvCxnSpPr>
+            <p:spPr>
+              <a:xfrm flipH="1" flipV="1">
+                <a:off x="5578582" y="1803579"/>
+                <a:ext cx="247508" cy="180819"/>
+              </a:xfrm>
+              <a:prstGeom prst="straightConnector1">
+                <a:avLst/>
+              </a:prstGeom>
+              <a:ln w="9525">
                 <a:solidFill>
                   <a:srgbClr val="FF0000"/>
                 </a:solidFill>
-                <a:latin typeface="Arial" panose="020B0604020202020204" pitchFamily="34" charset="0"/>
-                <a:cs typeface="Arial" panose="020B0604020202020204" pitchFamily="34" charset="0"/>
-              </a:rPr>
-              <a:t>sheep</a:t>
-            </a:r>
-          </a:p>
-        </p:txBody>
-      </p:sp>
-      <p:cxnSp>
-        <p:nvCxnSpPr>
-          <p:cNvPr id="40" name="Straight Arrow Connector 39">
-            <a:extLst>
-              <a:ext uri="{FF2B5EF4-FFF2-40B4-BE49-F238E27FC236}">
-                <a16:creationId xmlns:a16="http://schemas.microsoft.com/office/drawing/2014/main" id="{F0791D80-C500-DA90-7763-7E4A5F2470ED}"/>
-              </a:ext>
-            </a:extLst>
-          </p:cNvPr>
-          <p:cNvCxnSpPr>
-            <a:cxnSpLocks/>
-          </p:cNvCxnSpPr>
-          <p:nvPr/>
-        </p:nvCxnSpPr>
-        <p:spPr>
-          <a:xfrm flipH="1" flipV="1">
-            <a:off x="5473547" y="1816175"/>
-            <a:ext cx="352543" cy="168223"/>
-          </a:xfrm>
-          <a:prstGeom prst="straightConnector1">
-            <a:avLst/>
-          </a:prstGeom>
-          <a:ln w="9525">
-            <a:solidFill>
-              <a:srgbClr val="FF0000"/>
-            </a:solidFill>
-            <a:tailEnd type="triangle"/>
-          </a:ln>
-          <a:effectLst/>
-        </p:spPr>
-        <p:style>
-          <a:lnRef idx="1">
-            <a:schemeClr val="accent1"/>
-          </a:lnRef>
-          <a:fillRef idx="0">
-            <a:schemeClr val="accent1"/>
-          </a:fillRef>
-          <a:effectRef idx="0">
-            <a:schemeClr val="accent1"/>
-          </a:effectRef>
-          <a:fontRef idx="minor">
-            <a:schemeClr val="tx1"/>
-          </a:fontRef>
-        </p:style>
-      </p:cxnSp>
-      <p:sp>
-        <p:nvSpPr>
-          <p:cNvPr id="44" name="TextBox 43">
-            <a:extLst>
-              <a:ext uri="{FF2B5EF4-FFF2-40B4-BE49-F238E27FC236}">
-                <a16:creationId xmlns:a16="http://schemas.microsoft.com/office/drawing/2014/main" id="{7B52E7EB-8763-3646-19F6-660A08B5F1C2}"/>
-              </a:ext>
-            </a:extLst>
-          </p:cNvPr>
-          <p:cNvSpPr txBox="1"/>
-          <p:nvPr/>
-        </p:nvSpPr>
-        <p:spPr>
-          <a:xfrm>
-            <a:off x="10994834" y="431142"/>
-            <a:ext cx="892365" cy="369332"/>
-          </a:xfrm>
-          <a:prstGeom prst="rect">
-            <a:avLst/>
-          </a:prstGeom>
-          <a:noFill/>
-        </p:spPr>
-        <p:txBody>
-          <a:bodyPr wrap="square" rtlCol="0">
-            <a:spAutoFit/>
-          </a:bodyPr>
-          <a:lstStyle/>
-          <a:p>
-            <a:r>
-              <a:rPr lang="en-US" dirty="0">
+                <a:tailEnd type="triangle"/>
+              </a:ln>
+              <a:effectLst/>
+            </p:spPr>
+            <p:style>
+              <a:lnRef idx="1">
+                <a:schemeClr val="accent1"/>
+              </a:lnRef>
+              <a:fillRef idx="0">
+                <a:schemeClr val="accent1"/>
+              </a:fillRef>
+              <a:effectRef idx="0">
+                <a:schemeClr val="accent1"/>
+              </a:effectRef>
+              <a:fontRef idx="minor">
+                <a:schemeClr val="tx1"/>
+              </a:fontRef>
+            </p:style>
+          </p:cxnSp>
+          <p:sp>
+            <p:nvSpPr>
+              <p:cNvPr id="198" name="TextBox 197">
+                <a:extLst>
+                  <a:ext uri="{FF2B5EF4-FFF2-40B4-BE49-F238E27FC236}">
+                    <a16:creationId xmlns:a16="http://schemas.microsoft.com/office/drawing/2014/main" id="{24166034-3161-3C29-EEC6-E9D0028FC1F3}"/>
+                  </a:ext>
+                </a:extLst>
+              </p:cNvPr>
+              <p:cNvSpPr txBox="1"/>
+              <p:nvPr/>
+            </p:nvSpPr>
+            <p:spPr>
+              <a:xfrm>
+                <a:off x="10994834" y="431142"/>
+                <a:ext cx="892365" cy="369332"/>
+              </a:xfrm>
+              <a:prstGeom prst="rect">
+                <a:avLst/>
+              </a:prstGeom>
+              <a:noFill/>
+            </p:spPr>
+            <p:txBody>
+              <a:bodyPr wrap="square" rtlCol="0">
+                <a:spAutoFit/>
+              </a:bodyPr>
+              <a:lstStyle/>
+              <a:p>
+                <a:r>
+                  <a:rPr lang="en-US" dirty="0">
+                    <a:solidFill>
+                      <a:srgbClr val="C00000"/>
+                    </a:solidFill>
+                    <a:latin typeface="Arial" panose="020B0604020202020204" pitchFamily="34" charset="0"/>
+                    <a:cs typeface="Arial" panose="020B0604020202020204" pitchFamily="34" charset="0"/>
+                  </a:rPr>
+                  <a:t>goat</a:t>
+                </a:r>
+              </a:p>
+            </p:txBody>
+          </p:sp>
+          <p:cxnSp>
+            <p:nvCxnSpPr>
+              <p:cNvPr id="199" name="Straight Arrow Connector 198">
+                <a:extLst>
+                  <a:ext uri="{FF2B5EF4-FFF2-40B4-BE49-F238E27FC236}">
+                    <a16:creationId xmlns:a16="http://schemas.microsoft.com/office/drawing/2014/main" id="{4B3D2D4C-E5F1-6FE9-34A0-C1D05BECEACF}"/>
+                  </a:ext>
+                </a:extLst>
+              </p:cNvPr>
+              <p:cNvCxnSpPr>
+                <a:cxnSpLocks/>
+              </p:cNvCxnSpPr>
+              <p:nvPr/>
+            </p:nvCxnSpPr>
+            <p:spPr>
+              <a:xfrm>
+                <a:off x="11591206" y="620607"/>
+                <a:ext cx="272668" cy="110008"/>
+              </a:xfrm>
+              <a:prstGeom prst="straightConnector1">
+                <a:avLst/>
+              </a:prstGeom>
+              <a:ln w="9525">
                 <a:solidFill>
                   <a:srgbClr val="C00000"/>
                 </a:solidFill>
-                <a:latin typeface="Arial" panose="020B0604020202020204" pitchFamily="34" charset="0"/>
-                <a:cs typeface="Arial" panose="020B0604020202020204" pitchFamily="34" charset="0"/>
-              </a:rPr>
-              <a:t>goat</a:t>
-            </a:r>
-          </a:p>
-        </p:txBody>
-      </p:sp>
-      <p:cxnSp>
-        <p:nvCxnSpPr>
-          <p:cNvPr id="45" name="Straight Arrow Connector 44">
-            <a:extLst>
-              <a:ext uri="{FF2B5EF4-FFF2-40B4-BE49-F238E27FC236}">
-                <a16:creationId xmlns:a16="http://schemas.microsoft.com/office/drawing/2014/main" id="{4BA439C2-AEA1-05BB-5FF3-8BFEBF23723B}"/>
-              </a:ext>
-            </a:extLst>
-          </p:cNvPr>
-          <p:cNvCxnSpPr>
-            <a:cxnSpLocks/>
-          </p:cNvCxnSpPr>
-          <p:nvPr/>
-        </p:nvCxnSpPr>
-        <p:spPr>
-          <a:xfrm>
-            <a:off x="11591206" y="620607"/>
-            <a:ext cx="272668" cy="110008"/>
-          </a:xfrm>
-          <a:prstGeom prst="straightConnector1">
-            <a:avLst/>
-          </a:prstGeom>
-          <a:ln w="9525">
-            <a:solidFill>
-              <a:srgbClr val="C00000"/>
-            </a:solidFill>
-            <a:tailEnd type="triangle"/>
-          </a:ln>
-          <a:effectLst/>
-        </p:spPr>
-        <p:style>
-          <a:lnRef idx="1">
-            <a:schemeClr val="accent1"/>
-          </a:lnRef>
-          <a:fillRef idx="0">
-            <a:schemeClr val="accent1"/>
-          </a:fillRef>
-          <a:effectRef idx="0">
-            <a:schemeClr val="accent1"/>
-          </a:effectRef>
-          <a:fontRef idx="minor">
-            <a:schemeClr val="tx1"/>
-          </a:fontRef>
-        </p:style>
-      </p:cxnSp>
-      <p:sp>
-        <p:nvSpPr>
-          <p:cNvPr id="47" name="TextBox 46">
-            <a:extLst>
-              <a:ext uri="{FF2B5EF4-FFF2-40B4-BE49-F238E27FC236}">
-                <a16:creationId xmlns:a16="http://schemas.microsoft.com/office/drawing/2014/main" id="{AF2BF826-7E81-1730-0EB8-5AA309B01FB1}"/>
-              </a:ext>
-            </a:extLst>
-          </p:cNvPr>
-          <p:cNvSpPr txBox="1"/>
-          <p:nvPr/>
-        </p:nvSpPr>
-        <p:spPr>
-          <a:xfrm>
-            <a:off x="11242512" y="1783738"/>
-            <a:ext cx="1021813" cy="646331"/>
-          </a:xfrm>
-          <a:prstGeom prst="rect">
-            <a:avLst/>
-          </a:prstGeom>
-          <a:noFill/>
-        </p:spPr>
-        <p:txBody>
-          <a:bodyPr wrap="square" rtlCol="0">
-            <a:spAutoFit/>
-          </a:bodyPr>
-          <a:lstStyle/>
-          <a:p>
-            <a:r>
-              <a:rPr lang="en-US" dirty="0">
+                <a:tailEnd type="triangle"/>
+              </a:ln>
+              <a:effectLst/>
+            </p:spPr>
+            <p:style>
+              <a:lnRef idx="1">
+                <a:schemeClr val="accent1"/>
+              </a:lnRef>
+              <a:fillRef idx="0">
+                <a:schemeClr val="accent1"/>
+              </a:fillRef>
+              <a:effectRef idx="0">
+                <a:schemeClr val="accent1"/>
+              </a:effectRef>
+              <a:fontRef idx="minor">
+                <a:schemeClr val="tx1"/>
+              </a:fontRef>
+            </p:style>
+          </p:cxnSp>
+          <p:sp>
+            <p:nvSpPr>
+              <p:cNvPr id="200" name="TextBox 199">
+                <a:extLst>
+                  <a:ext uri="{FF2B5EF4-FFF2-40B4-BE49-F238E27FC236}">
+                    <a16:creationId xmlns:a16="http://schemas.microsoft.com/office/drawing/2014/main" id="{0D643A51-7458-3776-7F07-AB2DF0AFDE29}"/>
+                  </a:ext>
+                </a:extLst>
+              </p:cNvPr>
+              <p:cNvSpPr txBox="1"/>
+              <p:nvPr/>
+            </p:nvSpPr>
+            <p:spPr>
+              <a:xfrm>
+                <a:off x="11216633" y="1711281"/>
+                <a:ext cx="1021813" cy="646331"/>
+              </a:xfrm>
+              <a:prstGeom prst="rect">
+                <a:avLst/>
+              </a:prstGeom>
+              <a:noFill/>
+            </p:spPr>
+            <p:txBody>
+              <a:bodyPr wrap="square" rtlCol="0">
+                <a:spAutoFit/>
+              </a:bodyPr>
+              <a:lstStyle/>
+              <a:p>
+                <a:r>
+                  <a:rPr lang="en-US" dirty="0">
+                    <a:solidFill>
+                      <a:schemeClr val="accent4">
+                        <a:lumMod val="75000"/>
+                      </a:schemeClr>
+                    </a:solidFill>
+                    <a:latin typeface="Arial" panose="020B0604020202020204" pitchFamily="34" charset="0"/>
+                    <a:cs typeface="Arial" panose="020B0604020202020204" pitchFamily="34" charset="0"/>
+                  </a:rPr>
+                  <a:t>spotted dove</a:t>
+                </a:r>
+              </a:p>
+            </p:txBody>
+          </p:sp>
+          <p:cxnSp>
+            <p:nvCxnSpPr>
+              <p:cNvPr id="201" name="Straight Arrow Connector 200">
+                <a:extLst>
+                  <a:ext uri="{FF2B5EF4-FFF2-40B4-BE49-F238E27FC236}">
+                    <a16:creationId xmlns:a16="http://schemas.microsoft.com/office/drawing/2014/main" id="{3654AD34-213D-A4B2-6EC3-5C6768599ED1}"/>
+                  </a:ext>
+                </a:extLst>
+              </p:cNvPr>
+              <p:cNvCxnSpPr>
+                <a:cxnSpLocks/>
+              </p:cNvCxnSpPr>
+              <p:nvPr/>
+            </p:nvCxnSpPr>
+            <p:spPr>
+              <a:xfrm flipV="1">
+                <a:off x="11863874" y="1137428"/>
+                <a:ext cx="0" cy="679854"/>
+              </a:xfrm>
+              <a:prstGeom prst="straightConnector1">
+                <a:avLst/>
+              </a:prstGeom>
+              <a:ln w="9525">
                 <a:solidFill>
                   <a:schemeClr val="accent4">
                     <a:lumMod val="75000"/>
                   </a:schemeClr>
                 </a:solidFill>
-                <a:latin typeface="Arial" panose="020B0604020202020204" pitchFamily="34" charset="0"/>
-                <a:cs typeface="Arial" panose="020B0604020202020204" pitchFamily="34" charset="0"/>
-              </a:rPr>
-              <a:t>spotted dove</a:t>
-            </a:r>
-          </a:p>
-        </p:txBody>
-      </p:sp>
-      <p:cxnSp>
-        <p:nvCxnSpPr>
-          <p:cNvPr id="48" name="Straight Arrow Connector 47">
-            <a:extLst>
-              <a:ext uri="{FF2B5EF4-FFF2-40B4-BE49-F238E27FC236}">
-                <a16:creationId xmlns:a16="http://schemas.microsoft.com/office/drawing/2014/main" id="{9A85FA8F-5F75-4D7E-3B3E-350F5D762A22}"/>
-              </a:ext>
-            </a:extLst>
-          </p:cNvPr>
-          <p:cNvCxnSpPr>
-            <a:cxnSpLocks/>
-          </p:cNvCxnSpPr>
-          <p:nvPr/>
-        </p:nvCxnSpPr>
-        <p:spPr>
-          <a:xfrm flipH="1" flipV="1">
-            <a:off x="11793009" y="1154532"/>
-            <a:ext cx="70865" cy="745754"/>
-          </a:xfrm>
-          <a:prstGeom prst="straightConnector1">
-            <a:avLst/>
-          </a:prstGeom>
-          <a:ln w="9525">
-            <a:solidFill>
-              <a:schemeClr val="accent4">
-                <a:lumMod val="75000"/>
-              </a:schemeClr>
-            </a:solidFill>
-            <a:tailEnd type="triangle"/>
-          </a:ln>
-          <a:effectLst/>
-        </p:spPr>
-        <p:style>
-          <a:lnRef idx="1">
-            <a:schemeClr val="accent1"/>
-          </a:lnRef>
-          <a:fillRef idx="0">
-            <a:schemeClr val="accent1"/>
-          </a:fillRef>
-          <a:effectRef idx="0">
-            <a:schemeClr val="accent1"/>
-          </a:effectRef>
-          <a:fontRef idx="minor">
-            <a:schemeClr val="tx1"/>
-          </a:fontRef>
-        </p:style>
-      </p:cxnSp>
-      <p:sp>
-        <p:nvSpPr>
-          <p:cNvPr id="3" name="TextBox 2">
-            <a:extLst>
-              <a:ext uri="{FF2B5EF4-FFF2-40B4-BE49-F238E27FC236}">
-                <a16:creationId xmlns:a16="http://schemas.microsoft.com/office/drawing/2014/main" id="{CFD305A0-89C6-5F74-1D62-78013F027D37}"/>
-              </a:ext>
-            </a:extLst>
-          </p:cNvPr>
-          <p:cNvSpPr txBox="1"/>
-          <p:nvPr/>
-        </p:nvSpPr>
-        <p:spPr>
-          <a:xfrm>
-            <a:off x="5514968" y="2100214"/>
-            <a:ext cx="892365" cy="369332"/>
-          </a:xfrm>
-          <a:prstGeom prst="rect">
-            <a:avLst/>
-          </a:prstGeom>
-          <a:noFill/>
-        </p:spPr>
-        <p:txBody>
-          <a:bodyPr wrap="square" rtlCol="0">
-            <a:spAutoFit/>
-          </a:bodyPr>
-          <a:lstStyle/>
-          <a:p>
-            <a:r>
-              <a:rPr lang="en-US" dirty="0">
+                <a:tailEnd type="triangle"/>
+              </a:ln>
+              <a:effectLst/>
+            </p:spPr>
+            <p:style>
+              <a:lnRef idx="1">
+                <a:schemeClr val="accent1"/>
+              </a:lnRef>
+              <a:fillRef idx="0">
+                <a:schemeClr val="accent1"/>
+              </a:fillRef>
+              <a:effectRef idx="0">
+                <a:schemeClr val="accent1"/>
+              </a:effectRef>
+              <a:fontRef idx="minor">
+                <a:schemeClr val="tx1"/>
+              </a:fontRef>
+            </p:style>
+          </p:cxnSp>
+          <p:sp>
+            <p:nvSpPr>
+              <p:cNvPr id="202" name="TextBox 201">
+                <a:extLst>
+                  <a:ext uri="{FF2B5EF4-FFF2-40B4-BE49-F238E27FC236}">
+                    <a16:creationId xmlns:a16="http://schemas.microsoft.com/office/drawing/2014/main" id="{D9477DA0-F757-8253-AADA-EFBC78070335}"/>
+                  </a:ext>
+                </a:extLst>
+              </p:cNvPr>
+              <p:cNvSpPr txBox="1"/>
+              <p:nvPr/>
+            </p:nvSpPr>
+            <p:spPr>
+              <a:xfrm>
+                <a:off x="5514968" y="2100214"/>
+                <a:ext cx="892365" cy="369332"/>
+              </a:xfrm>
+              <a:prstGeom prst="rect">
+                <a:avLst/>
+              </a:prstGeom>
+              <a:noFill/>
+            </p:spPr>
+            <p:txBody>
+              <a:bodyPr wrap="square" rtlCol="0">
+                <a:spAutoFit/>
+              </a:bodyPr>
+              <a:lstStyle/>
+              <a:p>
+                <a:r>
+                  <a:rPr lang="en-US" dirty="0">
+                    <a:solidFill>
+                      <a:srgbClr val="92D050"/>
+                    </a:solidFill>
+                    <a:latin typeface="Arial" panose="020B0604020202020204" pitchFamily="34" charset="0"/>
+                    <a:cs typeface="Arial" panose="020B0604020202020204" pitchFamily="34" charset="0"/>
+                  </a:rPr>
+                  <a:t>pig</a:t>
+                </a:r>
+              </a:p>
+            </p:txBody>
+          </p:sp>
+          <p:cxnSp>
+            <p:nvCxnSpPr>
+              <p:cNvPr id="203" name="Straight Arrow Connector 202">
+                <a:extLst>
+                  <a:ext uri="{FF2B5EF4-FFF2-40B4-BE49-F238E27FC236}">
+                    <a16:creationId xmlns:a16="http://schemas.microsoft.com/office/drawing/2014/main" id="{8B64D293-3FE4-998E-FF68-60FD1AB6A4D2}"/>
+                  </a:ext>
+                </a:extLst>
+              </p:cNvPr>
+              <p:cNvCxnSpPr>
+                <a:cxnSpLocks/>
+              </p:cNvCxnSpPr>
+              <p:nvPr/>
+            </p:nvCxnSpPr>
+            <p:spPr>
+              <a:xfrm flipH="1" flipV="1">
+                <a:off x="5364639" y="1984398"/>
+                <a:ext cx="265903" cy="224068"/>
+              </a:xfrm>
+              <a:prstGeom prst="straightConnector1">
+                <a:avLst/>
+              </a:prstGeom>
+              <a:ln w="9525">
                 <a:solidFill>
                   <a:srgbClr val="92D050"/>
                 </a:solidFill>
-                <a:latin typeface="Arial" panose="020B0604020202020204" pitchFamily="34" charset="0"/>
-                <a:cs typeface="Arial" panose="020B0604020202020204" pitchFamily="34" charset="0"/>
-              </a:rPr>
-              <a:t>pig</a:t>
-            </a:r>
-          </a:p>
-        </p:txBody>
-      </p:sp>
-      <p:cxnSp>
-        <p:nvCxnSpPr>
-          <p:cNvPr id="4" name="Straight Arrow Connector 3">
-            <a:extLst>
-              <a:ext uri="{FF2B5EF4-FFF2-40B4-BE49-F238E27FC236}">
-                <a16:creationId xmlns:a16="http://schemas.microsoft.com/office/drawing/2014/main" id="{7A2CCEED-7245-8B29-B6B7-FF278A48FD93}"/>
-              </a:ext>
-            </a:extLst>
-          </p:cNvPr>
-          <p:cNvCxnSpPr>
-            <a:cxnSpLocks/>
-          </p:cNvCxnSpPr>
-          <p:nvPr/>
-        </p:nvCxnSpPr>
-        <p:spPr>
-          <a:xfrm flipH="1" flipV="1">
-            <a:off x="5323536" y="2004657"/>
-            <a:ext cx="307006" cy="203809"/>
-          </a:xfrm>
-          <a:prstGeom prst="straightConnector1">
-            <a:avLst/>
-          </a:prstGeom>
-          <a:ln w="9525">
-            <a:solidFill>
-              <a:srgbClr val="92D050"/>
-            </a:solidFill>
-            <a:tailEnd type="triangle"/>
-          </a:ln>
-          <a:effectLst/>
-        </p:spPr>
-        <p:style>
-          <a:lnRef idx="1">
-            <a:schemeClr val="accent1"/>
-          </a:lnRef>
-          <a:fillRef idx="0">
-            <a:schemeClr val="accent1"/>
-          </a:fillRef>
-          <a:effectRef idx="0">
-            <a:schemeClr val="accent1"/>
-          </a:effectRef>
-          <a:fontRef idx="minor">
-            <a:schemeClr val="tx1"/>
-          </a:fontRef>
-        </p:style>
-      </p:cxnSp>
-      <p:sp>
-        <p:nvSpPr>
-          <p:cNvPr id="2" name="TextBox 1">
-            <a:extLst>
-              <a:ext uri="{FF2B5EF4-FFF2-40B4-BE49-F238E27FC236}">
-                <a16:creationId xmlns:a16="http://schemas.microsoft.com/office/drawing/2014/main" id="{185E6054-ACB6-F051-02D0-085D281A3D14}"/>
-              </a:ext>
-            </a:extLst>
-          </p:cNvPr>
-          <p:cNvSpPr txBox="1"/>
-          <p:nvPr/>
-        </p:nvSpPr>
-        <p:spPr>
-          <a:xfrm>
-            <a:off x="2326285" y="-5540"/>
-            <a:ext cx="3023321" cy="492443"/>
-          </a:xfrm>
-          <a:prstGeom prst="rect">
-            <a:avLst/>
-          </a:prstGeom>
-          <a:solidFill>
-            <a:schemeClr val="bg1"/>
-          </a:solidFill>
-        </p:spPr>
-        <p:txBody>
-          <a:bodyPr wrap="square" rtlCol="0">
-            <a:spAutoFit/>
-          </a:bodyPr>
-          <a:lstStyle/>
-          <a:p>
-            <a:pPr algn="ctr"/>
-            <a:r>
-              <a:rPr lang="en-US" sz="2600" dirty="0">
-                <a:latin typeface="Arial" panose="020B0604020202020204" pitchFamily="34" charset="0"/>
-                <a:cs typeface="Arial" panose="020B0604020202020204" pitchFamily="34" charset="0"/>
-              </a:rPr>
-              <a:t>all sampling dates</a:t>
-            </a:r>
-          </a:p>
-        </p:txBody>
-      </p:sp>
-      <p:sp>
-        <p:nvSpPr>
-          <p:cNvPr id="5" name="TextBox 4">
-            <a:extLst>
-              <a:ext uri="{FF2B5EF4-FFF2-40B4-BE49-F238E27FC236}">
-                <a16:creationId xmlns:a16="http://schemas.microsoft.com/office/drawing/2014/main" id="{78D8DEF5-4CEE-5821-00F9-D369B574D24D}"/>
-              </a:ext>
-            </a:extLst>
-          </p:cNvPr>
-          <p:cNvSpPr txBox="1"/>
-          <p:nvPr/>
-        </p:nvSpPr>
-        <p:spPr>
-          <a:xfrm>
-            <a:off x="6718455" y="-5540"/>
-            <a:ext cx="5473545" cy="492443"/>
-          </a:xfrm>
-          <a:prstGeom prst="rect">
-            <a:avLst/>
-          </a:prstGeom>
-          <a:solidFill>
-            <a:schemeClr val="bg1"/>
-          </a:solidFill>
-        </p:spPr>
-        <p:txBody>
-          <a:bodyPr wrap="square" rtlCol="0">
-            <a:spAutoFit/>
-          </a:bodyPr>
-          <a:lstStyle/>
-          <a:p>
-            <a:pPr algn="ctr"/>
-            <a:r>
-              <a:rPr lang="en-US" sz="2600" dirty="0">
-                <a:latin typeface="Arial" panose="020B0604020202020204" pitchFamily="34" charset="0"/>
-                <a:cs typeface="Arial" panose="020B0604020202020204" pitchFamily="34" charset="0"/>
-              </a:rPr>
-              <a:t>only January-12-2020 samples</a:t>
-            </a:r>
-          </a:p>
-        </p:txBody>
-      </p:sp>
+                <a:tailEnd type="triangle"/>
+              </a:ln>
+              <a:effectLst/>
+            </p:spPr>
+            <p:style>
+              <a:lnRef idx="1">
+                <a:schemeClr val="accent1"/>
+              </a:lnRef>
+              <a:fillRef idx="0">
+                <a:schemeClr val="accent1"/>
+              </a:fillRef>
+              <a:effectRef idx="0">
+                <a:schemeClr val="accent1"/>
+              </a:effectRef>
+              <a:fontRef idx="minor">
+                <a:schemeClr val="tx1"/>
+              </a:fontRef>
+            </p:style>
+          </p:cxnSp>
+          <p:sp>
+            <p:nvSpPr>
+              <p:cNvPr id="204" name="TextBox 203">
+                <a:extLst>
+                  <a:ext uri="{FF2B5EF4-FFF2-40B4-BE49-F238E27FC236}">
+                    <a16:creationId xmlns:a16="http://schemas.microsoft.com/office/drawing/2014/main" id="{55886C80-416C-03A2-C2E5-F3E655963FDD}"/>
+                  </a:ext>
+                </a:extLst>
+              </p:cNvPr>
+              <p:cNvSpPr txBox="1"/>
+              <p:nvPr/>
+            </p:nvSpPr>
+            <p:spPr>
+              <a:xfrm>
+                <a:off x="3287042" y="6421964"/>
+                <a:ext cx="2077597" cy="369332"/>
+              </a:xfrm>
+              <a:prstGeom prst="rect">
+                <a:avLst/>
+              </a:prstGeom>
+              <a:noFill/>
+            </p:spPr>
+            <p:txBody>
+              <a:bodyPr wrap="square" rtlCol="0">
+                <a:spAutoFit/>
+              </a:bodyPr>
+              <a:lstStyle/>
+              <a:p>
+                <a:r>
+                  <a:rPr lang="en-US" dirty="0">
+                    <a:solidFill>
+                      <a:srgbClr val="7030A0"/>
+                    </a:solidFill>
+                    <a:latin typeface="Arial" panose="020B0604020202020204" pitchFamily="34" charset="0"/>
+                    <a:cs typeface="Arial" panose="020B0604020202020204" pitchFamily="34" charset="0"/>
+                  </a:rPr>
+                  <a:t>largemouth bass</a:t>
+                </a:r>
+              </a:p>
+            </p:txBody>
+          </p:sp>
+          <p:cxnSp>
+            <p:nvCxnSpPr>
+              <p:cNvPr id="205" name="Straight Arrow Connector 204">
+                <a:extLst>
+                  <a:ext uri="{FF2B5EF4-FFF2-40B4-BE49-F238E27FC236}">
+                    <a16:creationId xmlns:a16="http://schemas.microsoft.com/office/drawing/2014/main" id="{2F039B2C-A685-3365-EDD3-36DBC693EC0A}"/>
+                  </a:ext>
+                </a:extLst>
+              </p:cNvPr>
+              <p:cNvCxnSpPr>
+                <a:cxnSpLocks/>
+              </p:cNvCxnSpPr>
+              <p:nvPr/>
+            </p:nvCxnSpPr>
+            <p:spPr>
+              <a:xfrm>
+                <a:off x="5135121" y="6653185"/>
+                <a:ext cx="362469" cy="138111"/>
+              </a:xfrm>
+              <a:prstGeom prst="straightConnector1">
+                <a:avLst/>
+              </a:prstGeom>
+              <a:ln w="9525">
+                <a:solidFill>
+                  <a:srgbClr val="7030A0"/>
+                </a:solidFill>
+                <a:tailEnd type="triangle"/>
+              </a:ln>
+              <a:effectLst/>
+            </p:spPr>
+            <p:style>
+              <a:lnRef idx="1">
+                <a:schemeClr val="accent1"/>
+              </a:lnRef>
+              <a:fillRef idx="0">
+                <a:schemeClr val="accent1"/>
+              </a:fillRef>
+              <a:effectRef idx="0">
+                <a:schemeClr val="accent1"/>
+              </a:effectRef>
+              <a:fontRef idx="minor">
+                <a:schemeClr val="tx1"/>
+              </a:fontRef>
+            </p:style>
+          </p:cxnSp>
+          <p:sp>
+            <p:nvSpPr>
+              <p:cNvPr id="206" name="TextBox 205">
+                <a:extLst>
+                  <a:ext uri="{FF2B5EF4-FFF2-40B4-BE49-F238E27FC236}">
+                    <a16:creationId xmlns:a16="http://schemas.microsoft.com/office/drawing/2014/main" id="{5BFBA47C-3DF9-72EA-6554-A7516C186C24}"/>
+                  </a:ext>
+                </a:extLst>
+              </p:cNvPr>
+              <p:cNvSpPr txBox="1"/>
+              <p:nvPr/>
+            </p:nvSpPr>
+            <p:spPr>
+              <a:xfrm>
+                <a:off x="3863334" y="6815627"/>
+                <a:ext cx="1024109" cy="369332"/>
+              </a:xfrm>
+              <a:prstGeom prst="rect">
+                <a:avLst/>
+              </a:prstGeom>
+              <a:noFill/>
+            </p:spPr>
+            <p:txBody>
+              <a:bodyPr wrap="square" rtlCol="0">
+                <a:spAutoFit/>
+              </a:bodyPr>
+              <a:lstStyle/>
+              <a:p>
+                <a:r>
+                  <a:rPr lang="en-US" dirty="0">
+                    <a:solidFill>
+                      <a:srgbClr val="002060"/>
+                    </a:solidFill>
+                    <a:latin typeface="Arial" panose="020B0604020202020204" pitchFamily="34" charset="0"/>
+                    <a:cs typeface="Arial" panose="020B0604020202020204" pitchFamily="34" charset="0"/>
+                  </a:rPr>
+                  <a:t>catfish</a:t>
+                </a:r>
+              </a:p>
+            </p:txBody>
+          </p:sp>
+          <p:cxnSp>
+            <p:nvCxnSpPr>
+              <p:cNvPr id="207" name="Straight Arrow Connector 206">
+                <a:extLst>
+                  <a:ext uri="{FF2B5EF4-FFF2-40B4-BE49-F238E27FC236}">
+                    <a16:creationId xmlns:a16="http://schemas.microsoft.com/office/drawing/2014/main" id="{32250AD9-8490-7C1E-F051-2087B80BBB8D}"/>
+                  </a:ext>
+                </a:extLst>
+              </p:cNvPr>
+              <p:cNvCxnSpPr>
+                <a:cxnSpLocks/>
+              </p:cNvCxnSpPr>
+              <p:nvPr/>
+            </p:nvCxnSpPr>
+            <p:spPr>
+              <a:xfrm>
+                <a:off x="4657926" y="7046848"/>
+                <a:ext cx="489101" cy="36359"/>
+              </a:xfrm>
+              <a:prstGeom prst="straightConnector1">
+                <a:avLst/>
+              </a:prstGeom>
+              <a:ln w="9525">
+                <a:solidFill>
+                  <a:srgbClr val="002060"/>
+                </a:solidFill>
+                <a:tailEnd type="triangle"/>
+              </a:ln>
+              <a:effectLst/>
+            </p:spPr>
+            <p:style>
+              <a:lnRef idx="1">
+                <a:schemeClr val="accent1"/>
+              </a:lnRef>
+              <a:fillRef idx="0">
+                <a:schemeClr val="accent1"/>
+              </a:fillRef>
+              <a:effectRef idx="0">
+                <a:schemeClr val="accent1"/>
+              </a:effectRef>
+              <a:fontRef idx="minor">
+                <a:schemeClr val="tx1"/>
+              </a:fontRef>
+            </p:style>
+          </p:cxnSp>
+          <p:sp>
+            <p:nvSpPr>
+              <p:cNvPr id="208" name="TextBox 207">
+                <a:extLst>
+                  <a:ext uri="{FF2B5EF4-FFF2-40B4-BE49-F238E27FC236}">
+                    <a16:creationId xmlns:a16="http://schemas.microsoft.com/office/drawing/2014/main" id="{266BC6A0-B377-77F5-92FE-2A95CB114631}"/>
+                  </a:ext>
+                </a:extLst>
+              </p:cNvPr>
+              <p:cNvSpPr txBox="1"/>
+              <p:nvPr/>
+            </p:nvSpPr>
+            <p:spPr>
+              <a:xfrm>
+                <a:off x="5110530" y="8046056"/>
+                <a:ext cx="892365" cy="369332"/>
+              </a:xfrm>
+              <a:prstGeom prst="rect">
+                <a:avLst/>
+              </a:prstGeom>
+              <a:noFill/>
+            </p:spPr>
+            <p:txBody>
+              <a:bodyPr wrap="square" rtlCol="0">
+                <a:spAutoFit/>
+              </a:bodyPr>
+              <a:lstStyle/>
+              <a:p>
+                <a:r>
+                  <a:rPr lang="en-US" dirty="0">
+                    <a:solidFill>
+                      <a:schemeClr val="accent2"/>
+                    </a:solidFill>
+                    <a:latin typeface="Arial" panose="020B0604020202020204" pitchFamily="34" charset="0"/>
+                    <a:cs typeface="Arial" panose="020B0604020202020204" pitchFamily="34" charset="0"/>
+                  </a:rPr>
+                  <a:t>human</a:t>
+                </a:r>
+              </a:p>
+            </p:txBody>
+          </p:sp>
+          <p:cxnSp>
+            <p:nvCxnSpPr>
+              <p:cNvPr id="209" name="Straight Arrow Connector 208">
+                <a:extLst>
+                  <a:ext uri="{FF2B5EF4-FFF2-40B4-BE49-F238E27FC236}">
+                    <a16:creationId xmlns:a16="http://schemas.microsoft.com/office/drawing/2014/main" id="{8C21504D-61D6-80B0-04C3-00125C95D3C8}"/>
+                  </a:ext>
+                </a:extLst>
+              </p:cNvPr>
+              <p:cNvCxnSpPr>
+                <a:cxnSpLocks/>
+              </p:cNvCxnSpPr>
+              <p:nvPr/>
+            </p:nvCxnSpPr>
+            <p:spPr>
+              <a:xfrm flipH="1" flipV="1">
+                <a:off x="5234471" y="7812122"/>
+                <a:ext cx="105577" cy="280489"/>
+              </a:xfrm>
+              <a:prstGeom prst="straightConnector1">
+                <a:avLst/>
+              </a:prstGeom>
+              <a:ln w="9525">
+                <a:solidFill>
+                  <a:schemeClr val="accent2"/>
+                </a:solidFill>
+                <a:tailEnd type="triangle"/>
+              </a:ln>
+              <a:effectLst/>
+            </p:spPr>
+            <p:style>
+              <a:lnRef idx="1">
+                <a:schemeClr val="accent1"/>
+              </a:lnRef>
+              <a:fillRef idx="0">
+                <a:schemeClr val="accent1"/>
+              </a:fillRef>
+              <a:effectRef idx="0">
+                <a:schemeClr val="accent1"/>
+              </a:effectRef>
+              <a:fontRef idx="minor">
+                <a:schemeClr val="tx1"/>
+              </a:fontRef>
+            </p:style>
+          </p:cxnSp>
+          <p:sp>
+            <p:nvSpPr>
+              <p:cNvPr id="210" name="TextBox 209">
+                <a:extLst>
+                  <a:ext uri="{FF2B5EF4-FFF2-40B4-BE49-F238E27FC236}">
+                    <a16:creationId xmlns:a16="http://schemas.microsoft.com/office/drawing/2014/main" id="{2641BB36-87D4-8999-224C-88172E50A504}"/>
+                  </a:ext>
+                </a:extLst>
+              </p:cNvPr>
+              <p:cNvSpPr txBox="1"/>
+              <p:nvPr/>
+            </p:nvSpPr>
+            <p:spPr>
+              <a:xfrm>
+                <a:off x="3287042" y="9796364"/>
+                <a:ext cx="1568067" cy="369332"/>
+              </a:xfrm>
+              <a:prstGeom prst="rect">
+                <a:avLst/>
+              </a:prstGeom>
+              <a:noFill/>
+            </p:spPr>
+            <p:txBody>
+              <a:bodyPr wrap="square" rtlCol="0">
+                <a:spAutoFit/>
+              </a:bodyPr>
+              <a:lstStyle/>
+              <a:p>
+                <a:r>
+                  <a:rPr lang="en-US" dirty="0">
+                    <a:solidFill>
+                      <a:schemeClr val="accent1"/>
+                    </a:solidFill>
+                    <a:latin typeface="Arial" panose="020B0604020202020204" pitchFamily="34" charset="0"/>
+                    <a:cs typeface="Arial" panose="020B0604020202020204" pitchFamily="34" charset="0"/>
+                  </a:rPr>
+                  <a:t>raccoon dog</a:t>
+                </a:r>
+              </a:p>
+            </p:txBody>
+          </p:sp>
+          <p:cxnSp>
+            <p:nvCxnSpPr>
+              <p:cNvPr id="211" name="Straight Arrow Connector 210">
+                <a:extLst>
+                  <a:ext uri="{FF2B5EF4-FFF2-40B4-BE49-F238E27FC236}">
+                    <a16:creationId xmlns:a16="http://schemas.microsoft.com/office/drawing/2014/main" id="{4CF676B8-309D-A591-7F5E-192762C36B8D}"/>
+                  </a:ext>
+                </a:extLst>
+              </p:cNvPr>
+              <p:cNvCxnSpPr>
+                <a:cxnSpLocks/>
+              </p:cNvCxnSpPr>
+              <p:nvPr/>
+            </p:nvCxnSpPr>
+            <p:spPr>
+              <a:xfrm flipH="1" flipV="1">
+                <a:off x="3176404" y="9784563"/>
+                <a:ext cx="229518" cy="185715"/>
+              </a:xfrm>
+              <a:prstGeom prst="straightConnector1">
+                <a:avLst/>
+              </a:prstGeom>
+              <a:ln w="9525">
+                <a:solidFill>
+                  <a:schemeClr val="accent1"/>
+                </a:solidFill>
+                <a:tailEnd type="triangle"/>
+              </a:ln>
+              <a:effectLst/>
+            </p:spPr>
+            <p:style>
+              <a:lnRef idx="1">
+                <a:schemeClr val="accent1"/>
+              </a:lnRef>
+              <a:fillRef idx="0">
+                <a:schemeClr val="accent1"/>
+              </a:fillRef>
+              <a:effectRef idx="0">
+                <a:schemeClr val="accent1"/>
+              </a:effectRef>
+              <a:fontRef idx="minor">
+                <a:schemeClr val="tx1"/>
+              </a:fontRef>
+            </p:style>
+          </p:cxnSp>
+          <p:sp>
+            <p:nvSpPr>
+              <p:cNvPr id="212" name="TextBox 211">
+                <a:extLst>
+                  <a:ext uri="{FF2B5EF4-FFF2-40B4-BE49-F238E27FC236}">
+                    <a16:creationId xmlns:a16="http://schemas.microsoft.com/office/drawing/2014/main" id="{7BC574E6-0A23-ABD8-111C-AEBD61993CC0}"/>
+                  </a:ext>
+                </a:extLst>
+              </p:cNvPr>
+              <p:cNvSpPr txBox="1"/>
+              <p:nvPr/>
+            </p:nvSpPr>
+            <p:spPr>
+              <a:xfrm>
+                <a:off x="3839147" y="9455102"/>
+                <a:ext cx="1568067" cy="369332"/>
+              </a:xfrm>
+              <a:prstGeom prst="rect">
+                <a:avLst/>
+              </a:prstGeom>
+              <a:noFill/>
+            </p:spPr>
+            <p:txBody>
+              <a:bodyPr wrap="square" rtlCol="0">
+                <a:spAutoFit/>
+              </a:bodyPr>
+              <a:lstStyle/>
+              <a:p>
+                <a:r>
+                  <a:rPr lang="en-US" dirty="0">
+                    <a:solidFill>
+                      <a:srgbClr val="00B050"/>
+                    </a:solidFill>
+                    <a:latin typeface="Arial" panose="020B0604020202020204" pitchFamily="34" charset="0"/>
+                    <a:cs typeface="Arial" panose="020B0604020202020204" pitchFamily="34" charset="0"/>
+                  </a:rPr>
+                  <a:t>bamboo rat</a:t>
+                </a:r>
+              </a:p>
+            </p:txBody>
+          </p:sp>
+          <p:cxnSp>
+            <p:nvCxnSpPr>
+              <p:cNvPr id="213" name="Straight Arrow Connector 212">
+                <a:extLst>
+                  <a:ext uri="{FF2B5EF4-FFF2-40B4-BE49-F238E27FC236}">
+                    <a16:creationId xmlns:a16="http://schemas.microsoft.com/office/drawing/2014/main" id="{C5C63978-DDC8-8A84-A255-C26FA4B1F9A3}"/>
+                  </a:ext>
+                </a:extLst>
+              </p:cNvPr>
+              <p:cNvCxnSpPr>
+                <a:cxnSpLocks/>
+                <a:stCxn id="212" idx="1"/>
+              </p:cNvCxnSpPr>
+              <p:nvPr/>
+            </p:nvCxnSpPr>
+            <p:spPr>
+              <a:xfrm flipH="1" flipV="1">
+                <a:off x="3346482" y="9626463"/>
+                <a:ext cx="492665" cy="13305"/>
+              </a:xfrm>
+              <a:prstGeom prst="straightConnector1">
+                <a:avLst/>
+              </a:prstGeom>
+              <a:ln w="9525">
+                <a:solidFill>
+                  <a:srgbClr val="00B050"/>
+                </a:solidFill>
+                <a:tailEnd type="triangle"/>
+              </a:ln>
+              <a:effectLst/>
+            </p:spPr>
+            <p:style>
+              <a:lnRef idx="1">
+                <a:schemeClr val="accent1"/>
+              </a:lnRef>
+              <a:fillRef idx="0">
+                <a:schemeClr val="accent1"/>
+              </a:fillRef>
+              <a:effectRef idx="0">
+                <a:schemeClr val="accent1"/>
+              </a:effectRef>
+              <a:fontRef idx="minor">
+                <a:schemeClr val="tx1"/>
+              </a:fontRef>
+            </p:style>
+          </p:cxnSp>
+          <p:sp>
+            <p:nvSpPr>
+              <p:cNvPr id="214" name="TextBox 213">
+                <a:extLst>
+                  <a:ext uri="{FF2B5EF4-FFF2-40B4-BE49-F238E27FC236}">
+                    <a16:creationId xmlns:a16="http://schemas.microsoft.com/office/drawing/2014/main" id="{DC3183D4-70D0-59F2-9F97-EBBD0879B235}"/>
+                  </a:ext>
+                </a:extLst>
+              </p:cNvPr>
+              <p:cNvSpPr txBox="1"/>
+              <p:nvPr/>
+            </p:nvSpPr>
+            <p:spPr>
+              <a:xfrm>
+                <a:off x="10424160" y="8751793"/>
+                <a:ext cx="1568067" cy="369332"/>
+              </a:xfrm>
+              <a:prstGeom prst="rect">
+                <a:avLst/>
+              </a:prstGeom>
+              <a:noFill/>
+            </p:spPr>
+            <p:txBody>
+              <a:bodyPr wrap="square" rtlCol="0">
+                <a:spAutoFit/>
+              </a:bodyPr>
+              <a:lstStyle/>
+              <a:p>
+                <a:r>
+                  <a:rPr lang="en-US" dirty="0">
+                    <a:solidFill>
+                      <a:srgbClr val="00B050"/>
+                    </a:solidFill>
+                    <a:latin typeface="Arial" panose="020B0604020202020204" pitchFamily="34" charset="0"/>
+                    <a:cs typeface="Arial" panose="020B0604020202020204" pitchFamily="34" charset="0"/>
+                  </a:rPr>
+                  <a:t>bamboo rat</a:t>
+                </a:r>
+              </a:p>
+            </p:txBody>
+          </p:sp>
+          <p:cxnSp>
+            <p:nvCxnSpPr>
+              <p:cNvPr id="215" name="Straight Arrow Connector 214">
+                <a:extLst>
+                  <a:ext uri="{FF2B5EF4-FFF2-40B4-BE49-F238E27FC236}">
+                    <a16:creationId xmlns:a16="http://schemas.microsoft.com/office/drawing/2014/main" id="{716FB62C-4743-94C6-E731-2040DBCD551B}"/>
+                  </a:ext>
+                </a:extLst>
+              </p:cNvPr>
+              <p:cNvCxnSpPr>
+                <a:cxnSpLocks/>
+                <a:stCxn id="214" idx="1"/>
+              </p:cNvCxnSpPr>
+              <p:nvPr/>
+            </p:nvCxnSpPr>
+            <p:spPr>
+              <a:xfrm flipH="1" flipV="1">
+                <a:off x="9896354" y="8854633"/>
+                <a:ext cx="527806" cy="81826"/>
+              </a:xfrm>
+              <a:prstGeom prst="straightConnector1">
+                <a:avLst/>
+              </a:prstGeom>
+              <a:ln w="9525">
+                <a:solidFill>
+                  <a:srgbClr val="00B050"/>
+                </a:solidFill>
+                <a:tailEnd type="triangle"/>
+              </a:ln>
+              <a:effectLst/>
+            </p:spPr>
+            <p:style>
+              <a:lnRef idx="1">
+                <a:schemeClr val="accent1"/>
+              </a:lnRef>
+              <a:fillRef idx="0">
+                <a:schemeClr val="accent1"/>
+              </a:fillRef>
+              <a:effectRef idx="0">
+                <a:schemeClr val="accent1"/>
+              </a:effectRef>
+              <a:fontRef idx="minor">
+                <a:schemeClr val="tx1"/>
+              </a:fontRef>
+            </p:style>
+          </p:cxnSp>
+          <p:sp>
+            <p:nvSpPr>
+              <p:cNvPr id="216" name="TextBox 215">
+                <a:extLst>
+                  <a:ext uri="{FF2B5EF4-FFF2-40B4-BE49-F238E27FC236}">
+                    <a16:creationId xmlns:a16="http://schemas.microsoft.com/office/drawing/2014/main" id="{AA70129F-0CD9-2F8B-AF94-8FF765E23133}"/>
+                  </a:ext>
+                </a:extLst>
+              </p:cNvPr>
+              <p:cNvSpPr txBox="1"/>
+              <p:nvPr/>
+            </p:nvSpPr>
+            <p:spPr>
+              <a:xfrm>
+                <a:off x="7752838" y="8421133"/>
+                <a:ext cx="1568067" cy="369332"/>
+              </a:xfrm>
+              <a:prstGeom prst="rect">
+                <a:avLst/>
+              </a:prstGeom>
+              <a:noFill/>
+            </p:spPr>
+            <p:txBody>
+              <a:bodyPr wrap="square" rtlCol="0">
+                <a:spAutoFit/>
+              </a:bodyPr>
+              <a:lstStyle/>
+              <a:p>
+                <a:r>
+                  <a:rPr lang="en-US" dirty="0">
+                    <a:solidFill>
+                      <a:schemeClr val="accent1"/>
+                    </a:solidFill>
+                    <a:latin typeface="Arial" panose="020B0604020202020204" pitchFamily="34" charset="0"/>
+                    <a:cs typeface="Arial" panose="020B0604020202020204" pitchFamily="34" charset="0"/>
+                  </a:rPr>
+                  <a:t>raccoon dog</a:t>
+                </a:r>
+              </a:p>
+            </p:txBody>
+          </p:sp>
+          <p:cxnSp>
+            <p:nvCxnSpPr>
+              <p:cNvPr id="217" name="Straight Arrow Connector 216">
+                <a:extLst>
+                  <a:ext uri="{FF2B5EF4-FFF2-40B4-BE49-F238E27FC236}">
+                    <a16:creationId xmlns:a16="http://schemas.microsoft.com/office/drawing/2014/main" id="{95F01247-A4BF-11C6-EF32-A017C3F613E2}"/>
+                  </a:ext>
+                </a:extLst>
+              </p:cNvPr>
+              <p:cNvCxnSpPr>
+                <a:cxnSpLocks/>
+              </p:cNvCxnSpPr>
+              <p:nvPr/>
+            </p:nvCxnSpPr>
+            <p:spPr>
+              <a:xfrm>
+                <a:off x="9109940" y="8660786"/>
+                <a:ext cx="311852" cy="91007"/>
+              </a:xfrm>
+              <a:prstGeom prst="straightConnector1">
+                <a:avLst/>
+              </a:prstGeom>
+              <a:ln w="9525">
+                <a:solidFill>
+                  <a:schemeClr val="accent1"/>
+                </a:solidFill>
+                <a:tailEnd type="triangle"/>
+              </a:ln>
+              <a:effectLst/>
+            </p:spPr>
+            <p:style>
+              <a:lnRef idx="1">
+                <a:schemeClr val="accent1"/>
+              </a:lnRef>
+              <a:fillRef idx="0">
+                <a:schemeClr val="accent1"/>
+              </a:fillRef>
+              <a:effectRef idx="0">
+                <a:schemeClr val="accent1"/>
+              </a:effectRef>
+              <a:fontRef idx="minor">
+                <a:schemeClr val="tx1"/>
+              </a:fontRef>
+            </p:style>
+          </p:cxnSp>
+          <p:sp>
+            <p:nvSpPr>
+              <p:cNvPr id="218" name="TextBox 217">
+                <a:extLst>
+                  <a:ext uri="{FF2B5EF4-FFF2-40B4-BE49-F238E27FC236}">
+                    <a16:creationId xmlns:a16="http://schemas.microsoft.com/office/drawing/2014/main" id="{4D4798A4-3460-F0DA-CDEC-10234BE13EE5}"/>
+                  </a:ext>
+                </a:extLst>
+              </p:cNvPr>
+              <p:cNvSpPr txBox="1"/>
+              <p:nvPr/>
+            </p:nvSpPr>
+            <p:spPr>
+              <a:xfrm>
+                <a:off x="8736131" y="7805155"/>
+                <a:ext cx="892365" cy="369332"/>
+              </a:xfrm>
+              <a:prstGeom prst="rect">
+                <a:avLst/>
+              </a:prstGeom>
+              <a:noFill/>
+            </p:spPr>
+            <p:txBody>
+              <a:bodyPr wrap="square" rtlCol="0">
+                <a:spAutoFit/>
+              </a:bodyPr>
+              <a:lstStyle/>
+              <a:p>
+                <a:r>
+                  <a:rPr lang="en-US" dirty="0">
+                    <a:solidFill>
+                      <a:schemeClr val="accent2"/>
+                    </a:solidFill>
+                    <a:latin typeface="Arial" panose="020B0604020202020204" pitchFamily="34" charset="0"/>
+                    <a:cs typeface="Arial" panose="020B0604020202020204" pitchFamily="34" charset="0"/>
+                  </a:rPr>
+                  <a:t>human</a:t>
+                </a:r>
+              </a:p>
+            </p:txBody>
+          </p:sp>
+          <p:cxnSp>
+            <p:nvCxnSpPr>
+              <p:cNvPr id="219" name="Straight Arrow Connector 218">
+                <a:extLst>
+                  <a:ext uri="{FF2B5EF4-FFF2-40B4-BE49-F238E27FC236}">
+                    <a16:creationId xmlns:a16="http://schemas.microsoft.com/office/drawing/2014/main" id="{BA0B685C-531D-A179-5D68-465DF721F923}"/>
+                  </a:ext>
+                </a:extLst>
+              </p:cNvPr>
+              <p:cNvCxnSpPr>
+                <a:cxnSpLocks/>
+              </p:cNvCxnSpPr>
+              <p:nvPr/>
+            </p:nvCxnSpPr>
+            <p:spPr>
+              <a:xfrm>
+                <a:off x="9570658" y="8046056"/>
+                <a:ext cx="316981" cy="184666"/>
+              </a:xfrm>
+              <a:prstGeom prst="straightConnector1">
+                <a:avLst/>
+              </a:prstGeom>
+              <a:ln w="9525">
+                <a:solidFill>
+                  <a:schemeClr val="accent2"/>
+                </a:solidFill>
+                <a:tailEnd type="triangle"/>
+              </a:ln>
+              <a:effectLst/>
+            </p:spPr>
+            <p:style>
+              <a:lnRef idx="1">
+                <a:schemeClr val="accent1"/>
+              </a:lnRef>
+              <a:fillRef idx="0">
+                <a:schemeClr val="accent1"/>
+              </a:fillRef>
+              <a:effectRef idx="0">
+                <a:schemeClr val="accent1"/>
+              </a:effectRef>
+              <a:fontRef idx="minor">
+                <a:schemeClr val="tx1"/>
+              </a:fontRef>
+            </p:style>
+          </p:cxnSp>
+          <p:sp>
+            <p:nvSpPr>
+              <p:cNvPr id="220" name="TextBox 219">
+                <a:extLst>
+                  <a:ext uri="{FF2B5EF4-FFF2-40B4-BE49-F238E27FC236}">
+                    <a16:creationId xmlns:a16="http://schemas.microsoft.com/office/drawing/2014/main" id="{2F0B3826-A3D0-9F09-0104-53830AD8351B}"/>
+                  </a:ext>
+                </a:extLst>
+              </p:cNvPr>
+              <p:cNvSpPr txBox="1"/>
+              <p:nvPr/>
+            </p:nvSpPr>
+            <p:spPr>
+              <a:xfrm>
+                <a:off x="8043886" y="7207240"/>
+                <a:ext cx="1902589" cy="369332"/>
+              </a:xfrm>
+              <a:prstGeom prst="rect">
+                <a:avLst/>
+              </a:prstGeom>
+              <a:noFill/>
+            </p:spPr>
+            <p:txBody>
+              <a:bodyPr wrap="square" rtlCol="0">
+                <a:spAutoFit/>
+              </a:bodyPr>
+              <a:lstStyle/>
+              <a:p>
+                <a:r>
+                  <a:rPr lang="en-US" dirty="0">
+                    <a:solidFill>
+                      <a:schemeClr val="accent4">
+                        <a:lumMod val="75000"/>
+                      </a:schemeClr>
+                    </a:solidFill>
+                    <a:latin typeface="Arial" panose="020B0604020202020204" pitchFamily="34" charset="0"/>
+                    <a:cs typeface="Arial" panose="020B0604020202020204" pitchFamily="34" charset="0"/>
+                  </a:rPr>
+                  <a:t>snakehead fish</a:t>
+                </a:r>
+              </a:p>
+            </p:txBody>
+          </p:sp>
+          <p:cxnSp>
+            <p:nvCxnSpPr>
+              <p:cNvPr id="221" name="Straight Arrow Connector 220">
+                <a:extLst>
+                  <a:ext uri="{FF2B5EF4-FFF2-40B4-BE49-F238E27FC236}">
+                    <a16:creationId xmlns:a16="http://schemas.microsoft.com/office/drawing/2014/main" id="{4A78F1C2-C25C-1858-EF7D-7E0B8A679C34}"/>
+                  </a:ext>
+                </a:extLst>
+              </p:cNvPr>
+              <p:cNvCxnSpPr>
+                <a:cxnSpLocks/>
+              </p:cNvCxnSpPr>
+              <p:nvPr/>
+            </p:nvCxnSpPr>
+            <p:spPr>
+              <a:xfrm>
+                <a:off x="9628496" y="7484239"/>
+                <a:ext cx="317979" cy="320916"/>
+              </a:xfrm>
+              <a:prstGeom prst="straightConnector1">
+                <a:avLst/>
+              </a:prstGeom>
+              <a:ln w="9525">
+                <a:solidFill>
+                  <a:schemeClr val="accent4">
+                    <a:lumMod val="75000"/>
+                  </a:schemeClr>
+                </a:solidFill>
+                <a:tailEnd type="triangle"/>
+              </a:ln>
+              <a:effectLst/>
+            </p:spPr>
+            <p:style>
+              <a:lnRef idx="1">
+                <a:schemeClr val="accent1"/>
+              </a:lnRef>
+              <a:fillRef idx="0">
+                <a:schemeClr val="accent1"/>
+              </a:fillRef>
+              <a:effectRef idx="0">
+                <a:schemeClr val="accent1"/>
+              </a:effectRef>
+              <a:fontRef idx="minor">
+                <a:schemeClr val="tx1"/>
+              </a:fontRef>
+            </p:style>
+          </p:cxnSp>
+          <p:sp>
+            <p:nvSpPr>
+              <p:cNvPr id="222" name="TextBox 221">
+                <a:extLst>
+                  <a:ext uri="{FF2B5EF4-FFF2-40B4-BE49-F238E27FC236}">
+                    <a16:creationId xmlns:a16="http://schemas.microsoft.com/office/drawing/2014/main" id="{81C65370-D626-B5A1-4FAB-3E068137E986}"/>
+                  </a:ext>
+                </a:extLst>
+              </p:cNvPr>
+              <p:cNvSpPr txBox="1"/>
+              <p:nvPr/>
+            </p:nvSpPr>
+            <p:spPr>
+              <a:xfrm>
+                <a:off x="10911373" y="7249180"/>
+                <a:ext cx="1632331" cy="646331"/>
+              </a:xfrm>
+              <a:prstGeom prst="rect">
+                <a:avLst/>
+              </a:prstGeom>
+              <a:noFill/>
+            </p:spPr>
+            <p:txBody>
+              <a:bodyPr wrap="square" rtlCol="0">
+                <a:spAutoFit/>
+              </a:bodyPr>
+              <a:lstStyle/>
+              <a:p>
+                <a:r>
+                  <a:rPr lang="en-US" dirty="0">
+                    <a:solidFill>
+                      <a:srgbClr val="C00000"/>
+                    </a:solidFill>
+                    <a:latin typeface="Arial" panose="020B0604020202020204" pitchFamily="34" charset="0"/>
+                    <a:cs typeface="Arial" panose="020B0604020202020204" pitchFamily="34" charset="0"/>
+                  </a:rPr>
+                  <a:t>Malayan porcupine</a:t>
+                </a:r>
+              </a:p>
+            </p:txBody>
+          </p:sp>
+          <p:cxnSp>
+            <p:nvCxnSpPr>
+              <p:cNvPr id="223" name="Straight Arrow Connector 222">
+                <a:extLst>
+                  <a:ext uri="{FF2B5EF4-FFF2-40B4-BE49-F238E27FC236}">
+                    <a16:creationId xmlns:a16="http://schemas.microsoft.com/office/drawing/2014/main" id="{1BEACE9F-E42D-B393-0F13-60DD3F180DF3}"/>
+                  </a:ext>
+                </a:extLst>
+              </p:cNvPr>
+              <p:cNvCxnSpPr>
+                <a:cxnSpLocks/>
+              </p:cNvCxnSpPr>
+              <p:nvPr/>
+            </p:nvCxnSpPr>
+            <p:spPr>
+              <a:xfrm flipH="1">
+                <a:off x="10523862" y="7644697"/>
+                <a:ext cx="456362" cy="307669"/>
+              </a:xfrm>
+              <a:prstGeom prst="straightConnector1">
+                <a:avLst/>
+              </a:prstGeom>
+              <a:ln w="9525">
+                <a:solidFill>
+                  <a:srgbClr val="C00000"/>
+                </a:solidFill>
+                <a:tailEnd type="triangle"/>
+              </a:ln>
+              <a:effectLst/>
+            </p:spPr>
+            <p:style>
+              <a:lnRef idx="1">
+                <a:schemeClr val="accent1"/>
+              </a:lnRef>
+              <a:fillRef idx="0">
+                <a:schemeClr val="accent1"/>
+              </a:fillRef>
+              <a:effectRef idx="0">
+                <a:schemeClr val="accent1"/>
+              </a:effectRef>
+              <a:fontRef idx="minor">
+                <a:schemeClr val="tx1"/>
+              </a:fontRef>
+            </p:style>
+          </p:cxnSp>
+        </p:grpSp>
+        <p:sp>
+          <p:nvSpPr>
+            <p:cNvPr id="171" name="TextBox 170">
+              <a:extLst>
+                <a:ext uri="{FF2B5EF4-FFF2-40B4-BE49-F238E27FC236}">
+                  <a16:creationId xmlns:a16="http://schemas.microsoft.com/office/drawing/2014/main" id="{31905AE4-926D-696D-B0DE-0B7BE07B185D}"/>
+                </a:ext>
+              </a:extLst>
+            </p:cNvPr>
+            <p:cNvSpPr txBox="1"/>
+            <p:nvPr/>
+          </p:nvSpPr>
+          <p:spPr>
+            <a:xfrm rot="16200000">
+              <a:off x="-2117553" y="5623442"/>
+              <a:ext cx="4519186" cy="646331"/>
+            </a:xfrm>
+            <a:prstGeom prst="rect">
+              <a:avLst/>
+            </a:prstGeom>
+            <a:noFill/>
+          </p:spPr>
+          <p:txBody>
+            <a:bodyPr wrap="none" rtlCol="0">
+              <a:spAutoFit/>
+            </a:bodyPr>
+            <a:lstStyle/>
+            <a:p>
+              <a:r>
+                <a:rPr lang="en-US" sz="3600" b="1" dirty="0">
+                  <a:latin typeface="Arial" panose="020B0604020202020204" pitchFamily="34" charset="0"/>
+                  <a:cs typeface="Arial" panose="020B0604020202020204" pitchFamily="34" charset="0"/>
+                </a:rPr>
+                <a:t>Pearson correlation</a:t>
+              </a:r>
+            </a:p>
+          </p:txBody>
+        </p:sp>
+        <p:sp>
+          <p:nvSpPr>
+            <p:cNvPr id="172" name="TextBox 171">
+              <a:extLst>
+                <a:ext uri="{FF2B5EF4-FFF2-40B4-BE49-F238E27FC236}">
+                  <a16:creationId xmlns:a16="http://schemas.microsoft.com/office/drawing/2014/main" id="{90CAC232-EC55-7C27-9792-400047A674E4}"/>
+                </a:ext>
+              </a:extLst>
+            </p:cNvPr>
+            <p:cNvSpPr txBox="1"/>
+            <p:nvPr/>
+          </p:nvSpPr>
+          <p:spPr>
+            <a:xfrm>
+              <a:off x="4336311" y="11885465"/>
+              <a:ext cx="4929555" cy="646331"/>
+            </a:xfrm>
+            <a:prstGeom prst="rect">
+              <a:avLst/>
+            </a:prstGeom>
+            <a:noFill/>
+          </p:spPr>
+          <p:txBody>
+            <a:bodyPr wrap="none" rtlCol="0">
+              <a:spAutoFit/>
+            </a:bodyPr>
+            <a:lstStyle/>
+            <a:p>
+              <a:r>
+                <a:rPr lang="en-US" sz="3600" b="1" dirty="0">
+                  <a:latin typeface="Arial" panose="020B0604020202020204" pitchFamily="34" charset="0"/>
+                  <a:cs typeface="Arial" panose="020B0604020202020204" pitchFamily="34" charset="0"/>
+                </a:rPr>
+                <a:t>Spearman correlation</a:t>
+              </a:r>
+            </a:p>
+          </p:txBody>
+        </p:sp>
+        <p:sp>
+          <p:nvSpPr>
+            <p:cNvPr id="173" name="TextBox 172">
+              <a:extLst>
+                <a:ext uri="{FF2B5EF4-FFF2-40B4-BE49-F238E27FC236}">
+                  <a16:creationId xmlns:a16="http://schemas.microsoft.com/office/drawing/2014/main" id="{26AA340B-72B4-793F-EFA1-BA7C1F36525E}"/>
+                </a:ext>
+              </a:extLst>
+            </p:cNvPr>
+            <p:cNvSpPr txBox="1"/>
+            <p:nvPr/>
+          </p:nvSpPr>
+          <p:spPr>
+            <a:xfrm>
+              <a:off x="2911791" y="-141787"/>
+              <a:ext cx="1903085" cy="646331"/>
+            </a:xfrm>
+            <a:prstGeom prst="rect">
+              <a:avLst/>
+            </a:prstGeom>
+            <a:noFill/>
+          </p:spPr>
+          <p:txBody>
+            <a:bodyPr wrap="none" rtlCol="0">
+              <a:spAutoFit/>
+            </a:bodyPr>
+            <a:lstStyle/>
+            <a:p>
+              <a:r>
+                <a:rPr lang="en-US" sz="3600" dirty="0">
+                  <a:latin typeface="Arial" panose="020B0604020202020204" pitchFamily="34" charset="0"/>
+                  <a:cs typeface="Arial" panose="020B0604020202020204" pitchFamily="34" charset="0"/>
+                </a:rPr>
+                <a:t>all dates</a:t>
+              </a:r>
+            </a:p>
+          </p:txBody>
+        </p:sp>
+        <p:sp>
+          <p:nvSpPr>
+            <p:cNvPr id="174" name="TextBox 173">
+              <a:extLst>
+                <a:ext uri="{FF2B5EF4-FFF2-40B4-BE49-F238E27FC236}">
+                  <a16:creationId xmlns:a16="http://schemas.microsoft.com/office/drawing/2014/main" id="{DDE162FD-A51E-E449-476A-474ABE997DF1}"/>
+                </a:ext>
+              </a:extLst>
+            </p:cNvPr>
+            <p:cNvSpPr txBox="1"/>
+            <p:nvPr/>
+          </p:nvSpPr>
+          <p:spPr>
+            <a:xfrm>
+              <a:off x="7752838" y="-130344"/>
+              <a:ext cx="3823390" cy="646331"/>
+            </a:xfrm>
+            <a:prstGeom prst="rect">
+              <a:avLst/>
+            </a:prstGeom>
+            <a:noFill/>
+          </p:spPr>
+          <p:txBody>
+            <a:bodyPr wrap="square" rtlCol="0">
+              <a:spAutoFit/>
+            </a:bodyPr>
+            <a:lstStyle/>
+            <a:p>
+              <a:r>
+                <a:rPr lang="en-US" sz="3600" dirty="0">
+                  <a:latin typeface="Arial" panose="020B0604020202020204" pitchFamily="34" charset="0"/>
+                  <a:cs typeface="Arial" panose="020B0604020202020204" pitchFamily="34" charset="0"/>
+                </a:rPr>
+                <a:t>January-12-2020</a:t>
+              </a:r>
+            </a:p>
+          </p:txBody>
+        </p:sp>
+        <p:sp>
+          <p:nvSpPr>
+            <p:cNvPr id="175" name="TextBox 174">
+              <a:extLst>
+                <a:ext uri="{FF2B5EF4-FFF2-40B4-BE49-F238E27FC236}">
+                  <a16:creationId xmlns:a16="http://schemas.microsoft.com/office/drawing/2014/main" id="{D1D79EF9-B3DC-4525-BB6C-84AF10E38D01}"/>
+                </a:ext>
+              </a:extLst>
+            </p:cNvPr>
+            <p:cNvSpPr txBox="1"/>
+            <p:nvPr/>
+          </p:nvSpPr>
+          <p:spPr>
+            <a:xfrm rot="5400000">
+              <a:off x="9700144" y="2825666"/>
+              <a:ext cx="5724755" cy="646331"/>
+            </a:xfrm>
+            <a:prstGeom prst="rect">
+              <a:avLst/>
+            </a:prstGeom>
+            <a:noFill/>
+          </p:spPr>
+          <p:txBody>
+            <a:bodyPr wrap="square" rtlCol="0">
+              <a:spAutoFit/>
+            </a:bodyPr>
+            <a:lstStyle/>
+            <a:p>
+              <a:r>
+                <a:rPr lang="en-US" sz="3600" dirty="0">
+                  <a:latin typeface="Arial" panose="020B0604020202020204" pitchFamily="34" charset="0"/>
+                  <a:cs typeface="Arial" panose="020B0604020202020204" pitchFamily="34" charset="0"/>
+                </a:rPr>
+                <a:t>samples with SARS2 reads</a:t>
+              </a:r>
+            </a:p>
+          </p:txBody>
+        </p:sp>
+        <p:sp>
+          <p:nvSpPr>
+            <p:cNvPr id="176" name="TextBox 175">
+              <a:extLst>
+                <a:ext uri="{FF2B5EF4-FFF2-40B4-BE49-F238E27FC236}">
+                  <a16:creationId xmlns:a16="http://schemas.microsoft.com/office/drawing/2014/main" id="{B1C636A4-DF78-42E0-EB04-3E4DB689DBA1}"/>
+                </a:ext>
+              </a:extLst>
+            </p:cNvPr>
+            <p:cNvSpPr txBox="1"/>
+            <p:nvPr/>
+          </p:nvSpPr>
+          <p:spPr>
+            <a:xfrm rot="5400000">
+              <a:off x="10367479" y="9353447"/>
+              <a:ext cx="4384748" cy="646331"/>
+            </a:xfrm>
+            <a:prstGeom prst="rect">
+              <a:avLst/>
+            </a:prstGeom>
+            <a:noFill/>
+          </p:spPr>
+          <p:txBody>
+            <a:bodyPr wrap="square" rtlCol="0">
+              <a:spAutoFit/>
+            </a:bodyPr>
+            <a:lstStyle/>
+            <a:p>
+              <a:r>
+                <a:rPr lang="en-US" sz="3600" dirty="0">
+                  <a:latin typeface="Arial" panose="020B0604020202020204" pitchFamily="34" charset="0"/>
+                  <a:cs typeface="Arial" panose="020B0604020202020204" pitchFamily="34" charset="0"/>
+                </a:rPr>
+                <a:t>all samples</a:t>
+              </a:r>
+            </a:p>
+          </p:txBody>
+        </p:sp>
+      </p:grpSp>
     </p:spTree>
     <p:extLst>
       <p:ext uri="{BB962C8B-B14F-4D97-AF65-F5344CB8AC3E}">
@@ -4661,7 +5367,7 @@
 <file path=ppt/theme/theme1.xml><?xml version="1.0" encoding="utf-8"?>
 <a:theme xmlns:a="http://schemas.openxmlformats.org/drawingml/2006/main" name="Office Theme">
   <a:themeElements>
-    <a:clrScheme name="Office">
+    <a:clrScheme name="Office Theme">
       <a:dk1>
         <a:sysClr val="windowText" lastClr="000000"/>
       </a:dk1>
@@ -4699,7 +5405,7 @@
         <a:srgbClr val="954F72"/>
       </a:folHlink>
     </a:clrScheme>
-    <a:fontScheme name="Office">
+    <a:fontScheme name="Office Theme">
       <a:majorFont>
         <a:latin typeface="Calibri Light" panose="020F0302020204030204"/>
         <a:ea typeface=""/>
@@ -4734,23 +5440,6 @@
         <a:font script="Viet" typeface="Times New Roman"/>
         <a:font script="Uigh" typeface="Microsoft Uighur"/>
         <a:font script="Geor" typeface="Sylfaen"/>
-        <a:font script="Armn" typeface="Arial"/>
-        <a:font script="Bugi" typeface="Leelawadee UI"/>
-        <a:font script="Bopo" typeface="Microsoft JhengHei"/>
-        <a:font script="Java" typeface="Javanese Text"/>
-        <a:font script="Lisu" typeface="Segoe UI"/>
-        <a:font script="Mymr" typeface="Myanmar Text"/>
-        <a:font script="Nkoo" typeface="Ebrima"/>
-        <a:font script="Olck" typeface="Nirmala UI"/>
-        <a:font script="Osma" typeface="Ebrima"/>
-        <a:font script="Phag" typeface="Phagspa"/>
-        <a:font script="Syrn" typeface="Estrangelo Edessa"/>
-        <a:font script="Syrj" typeface="Estrangelo Edessa"/>
-        <a:font script="Syre" typeface="Estrangelo Edessa"/>
-        <a:font script="Sora" typeface="Nirmala UI"/>
-        <a:font script="Tale" typeface="Microsoft Tai Le"/>
-        <a:font script="Talu" typeface="Microsoft New Tai Lue"/>
-        <a:font script="Tfng" typeface="Ebrima"/>
       </a:majorFont>
       <a:minorFont>
         <a:latin typeface="Calibri" panose="020F0502020204030204"/>
@@ -4786,26 +5475,9 @@
         <a:font script="Viet" typeface="Arial"/>
         <a:font script="Uigh" typeface="Microsoft Uighur"/>
         <a:font script="Geor" typeface="Sylfaen"/>
-        <a:font script="Armn" typeface="Arial"/>
-        <a:font script="Bugi" typeface="Leelawadee UI"/>
-        <a:font script="Bopo" typeface="Microsoft JhengHei"/>
-        <a:font script="Java" typeface="Javanese Text"/>
-        <a:font script="Lisu" typeface="Segoe UI"/>
-        <a:font script="Mymr" typeface="Myanmar Text"/>
-        <a:font script="Nkoo" typeface="Ebrima"/>
-        <a:font script="Olck" typeface="Nirmala UI"/>
-        <a:font script="Osma" typeface="Ebrima"/>
-        <a:font script="Phag" typeface="Phagspa"/>
-        <a:font script="Syrn" typeface="Estrangelo Edessa"/>
-        <a:font script="Syrj" typeface="Estrangelo Edessa"/>
-        <a:font script="Syre" typeface="Estrangelo Edessa"/>
-        <a:font script="Sora" typeface="Nirmala UI"/>
-        <a:font script="Tale" typeface="Microsoft Tai Le"/>
-        <a:font script="Talu" typeface="Microsoft New Tai Lue"/>
-        <a:font script="Tfng" typeface="Ebrima"/>
       </a:minorFont>
     </a:fontScheme>
-    <a:fmtScheme name="Office">
+    <a:fmtScheme name="Office Theme">
       <a:fillStyleLst>
         <a:solidFill>
           <a:schemeClr val="phClr"/>
@@ -4947,7 +5619,7 @@
   <a:extraClrSchemeLst/>
   <a:extLst>
     <a:ext uri="{05A4C25C-085E-4340-85A3-A5531E510DB2}">
-      <thm15:themeFamily xmlns:thm15="http://schemas.microsoft.com/office/thememl/2012/main" name="Office Theme" id="{62F939B6-93AF-4DB8-9C6B-D6C7DFDC589F}" vid="{4A3C46E8-61CC-4603-A589-7422A47A8E4A}"/>
+      <thm15:themeFamily xmlns:thm15="http://schemas.microsoft.com/office/thememl/2012/main" name="Office Theme 2013 - 2022" id="{62F939B6-93AF-4DB8-9C6B-D6C7DFDC589F}" vid="{4A3C46E8-61CC-4603-A589-7422A47A8E4A}"/>
     </a:ext>
   </a:extLst>
 </a:theme>
